--- a/resources/presentacion.pptx
+++ b/resources/presentacion.pptx
@@ -5,28 +5,29 @@
     <p:sldMasterId id="2147484051" r:id="rId4"/>
   </p:sldMasterIdLst>
   <p:notesMasterIdLst>
-    <p:notesMasterId r:id="rId16"/>
+    <p:notesMasterId r:id="rId17"/>
   </p:notesMasterIdLst>
   <p:handoutMasterIdLst>
-    <p:handoutMasterId r:id="rId17"/>
+    <p:handoutMasterId r:id="rId18"/>
   </p:handoutMasterIdLst>
   <p:sldIdLst>
     <p:sldId id="1054" r:id="rId5"/>
-    <p:sldId id="1555" r:id="rId6"/>
-    <p:sldId id="1592" r:id="rId7"/>
-    <p:sldId id="1595" r:id="rId8"/>
-    <p:sldId id="1597" r:id="rId9"/>
-    <p:sldId id="1594" r:id="rId10"/>
-    <p:sldId id="1593" r:id="rId11"/>
-    <p:sldId id="1600" r:id="rId12"/>
-    <p:sldId id="1601" r:id="rId13"/>
-    <p:sldId id="1598" r:id="rId14"/>
-    <p:sldId id="1599" r:id="rId15"/>
+    <p:sldId id="1602" r:id="rId6"/>
+    <p:sldId id="1555" r:id="rId7"/>
+    <p:sldId id="1592" r:id="rId8"/>
+    <p:sldId id="1595" r:id="rId9"/>
+    <p:sldId id="1597" r:id="rId10"/>
+    <p:sldId id="1594" r:id="rId11"/>
+    <p:sldId id="1593" r:id="rId12"/>
+    <p:sldId id="1600" r:id="rId13"/>
+    <p:sldId id="1601" r:id="rId14"/>
+    <p:sldId id="1598" r:id="rId15"/>
+    <p:sldId id="1599" r:id="rId16"/>
   </p:sldIdLst>
   <p:sldSz cx="9144000" cy="6858000" type="screen4x3"/>
   <p:notesSz cx="6858000" cy="9144000"/>
   <p:custDataLst>
-    <p:tags r:id="rId18"/>
+    <p:tags r:id="rId19"/>
   </p:custDataLst>
   <p:defaultTextStyle>
     <a:defPPr>
@@ -159,6 +160,7 @@
         <p14:section name="Cabecera" id="{0D75AA8E-009A-4DC5-9498-61F817403DF3}">
           <p14:sldIdLst>
             <p14:sldId id="1054"/>
+            <p14:sldId id="1602"/>
             <p14:sldId id="1555"/>
             <p14:sldId id="1592"/>
             <p14:sldId id="1595"/>
@@ -1117,7 +1119,7 @@
               <a:pPr>
                 <a:defRPr/>
               </a:pPr>
-              <a:t>11</a:t>
+              <a:t>12</a:t>
             </a:fld>
             <a:endParaRPr lang="es-ES"/>
           </a:p>
@@ -1207,7 +1209,7 @@
               <a:pPr>
                 <a:defRPr/>
               </a:pPr>
-              <a:t>2</a:t>
+              <a:t>3</a:t>
             </a:fld>
             <a:endParaRPr lang="es-ES"/>
           </a:p>
@@ -1297,7 +1299,7 @@
               <a:pPr>
                 <a:defRPr/>
               </a:pPr>
-              <a:t>3</a:t>
+              <a:t>4</a:t>
             </a:fld>
             <a:endParaRPr lang="es-ES"/>
           </a:p>
@@ -1387,7 +1389,7 @@
               <a:pPr>
                 <a:defRPr/>
               </a:pPr>
-              <a:t>4</a:t>
+              <a:t>5</a:t>
             </a:fld>
             <a:endParaRPr lang="es-ES"/>
           </a:p>
@@ -1477,7 +1479,7 @@
               <a:pPr>
                 <a:defRPr/>
               </a:pPr>
-              <a:t>5</a:t>
+              <a:t>6</a:t>
             </a:fld>
             <a:endParaRPr lang="es-ES"/>
           </a:p>
@@ -1567,7 +1569,7 @@
               <a:pPr>
                 <a:defRPr/>
               </a:pPr>
-              <a:t>7</a:t>
+              <a:t>8</a:t>
             </a:fld>
             <a:endParaRPr lang="es-ES"/>
           </a:p>
@@ -1657,7 +1659,7 @@
               <a:pPr>
                 <a:defRPr/>
               </a:pPr>
-              <a:t>8</a:t>
+              <a:t>9</a:t>
             </a:fld>
             <a:endParaRPr lang="es-ES"/>
           </a:p>
@@ -1747,7 +1749,7 @@
               <a:pPr>
                 <a:defRPr/>
               </a:pPr>
-              <a:t>9</a:t>
+              <a:t>10</a:t>
             </a:fld>
             <a:endParaRPr lang="es-ES"/>
           </a:p>
@@ -1837,7 +1839,7 @@
               <a:pPr>
                 <a:defRPr/>
               </a:pPr>
-              <a:t>10</a:t>
+              <a:t>11</a:t>
             </a:fld>
             <a:endParaRPr lang="es-ES"/>
           </a:p>
@@ -5135,7 +5137,7 @@
             <a:pPr algn="ctr"/>
             <a:r>
               <a:rPr lang="es-ES" dirty="0"/>
-              <a:t>Aplicaciones para el asistentes virtual Alexa mediante el uso de la nube de AWS</a:t>
+              <a:t>Aplicaciones para el asistente virtual Alexa mediante el uso de la nube de AWS</a:t>
             </a:r>
           </a:p>
         </p:txBody>
@@ -5584,6 +5586,814 @@
           </a:p>
         </p:txBody>
       </p:sp>
+      <p:sp>
+        <p:nvSpPr>
+          <p:cNvPr id="22" name="TextBox 21">
+            <a:extLst>
+              <a:ext uri="{FF2B5EF4-FFF2-40B4-BE49-F238E27FC236}">
+                <a16:creationId xmlns:a16="http://schemas.microsoft.com/office/drawing/2014/main" id="{E3C27D9C-0294-7A43-B22B-35BE96E70A1C}"/>
+              </a:ext>
+            </a:extLst>
+          </p:cNvPr>
+          <p:cNvSpPr txBox="1"/>
+          <p:nvPr/>
+        </p:nvSpPr>
+        <p:spPr>
+          <a:xfrm>
+            <a:off x="-1630118" y="361430"/>
+            <a:ext cx="7393858" cy="461665"/>
+          </a:xfrm>
+          <a:prstGeom prst="rect">
+            <a:avLst/>
+          </a:prstGeom>
+          <a:noFill/>
+        </p:spPr>
+        <p:txBody>
+          <a:bodyPr wrap="square" rtlCol="0">
+            <a:spAutoFit/>
+          </a:bodyPr>
+          <a:lstStyle/>
+          <a:p>
+            <a:pPr algn="ctr"/>
+            <a:r>
+              <a:rPr lang="en-ES" sz="2400" b="1" dirty="0">
+                <a:solidFill>
+                  <a:srgbClr val="04A0D1"/>
+                </a:solidFill>
+              </a:rPr>
+              <a:t>DEMO</a:t>
+            </a:r>
+            <a:endParaRPr lang="en-ES" sz="2400" dirty="0">
+              <a:solidFill>
+                <a:srgbClr val="04A0D1"/>
+              </a:solidFill>
+            </a:endParaRPr>
+          </a:p>
+        </p:txBody>
+      </p:sp>
+      <p:pic>
+        <p:nvPicPr>
+          <p:cNvPr id="13314" name="Picture 2" descr="Amazon Web Services (@awscloud) / Twitter">
+            <a:extLst>
+              <a:ext uri="{FF2B5EF4-FFF2-40B4-BE49-F238E27FC236}">
+                <a16:creationId xmlns:a16="http://schemas.microsoft.com/office/drawing/2014/main" id="{3525AEE5-0C89-224E-805C-CE29843F348F}"/>
+              </a:ext>
+            </a:extLst>
+          </p:cNvPr>
+          <p:cNvPicPr>
+            <a:picLocks noChangeAspect="1" noChangeArrowheads="1"/>
+          </p:cNvPicPr>
+          <p:nvPr/>
+        </p:nvPicPr>
+        <p:blipFill>
+          <a:blip r:embed="rId3">
+            <a:extLst>
+              <a:ext uri="{28A0092B-C50C-407E-A947-70E740481C1C}">
+                <a14:useLocalDpi xmlns:a14="http://schemas.microsoft.com/office/drawing/2010/main" val="0"/>
+              </a:ext>
+            </a:extLst>
+          </a:blip>
+          <a:srcRect/>
+          <a:stretch>
+            <a:fillRect/>
+          </a:stretch>
+        </p:blipFill>
+        <p:spPr bwMode="auto">
+          <a:xfrm>
+            <a:off x="376888" y="137118"/>
+            <a:ext cx="1044222" cy="1044222"/>
+          </a:xfrm>
+          <a:prstGeom prst="roundRect">
+            <a:avLst/>
+          </a:prstGeom>
+          <a:noFill/>
+          <a:extLst>
+            <a:ext uri="{909E8E84-426E-40DD-AFC4-6F175D3DCCD1}">
+              <a14:hiddenFill xmlns:a14="http://schemas.microsoft.com/office/drawing/2010/main">
+                <a:solidFill>
+                  <a:srgbClr val="FFFFFF"/>
+                </a:solidFill>
+              </a14:hiddenFill>
+            </a:ext>
+          </a:extLst>
+        </p:spPr>
+      </p:pic>
+      <p:sp>
+        <p:nvSpPr>
+          <p:cNvPr id="17" name="TextBox 16">
+            <a:extLst>
+              <a:ext uri="{FF2B5EF4-FFF2-40B4-BE49-F238E27FC236}">
+                <a16:creationId xmlns:a16="http://schemas.microsoft.com/office/drawing/2014/main" id="{8EA2881E-1F90-E04D-8C5F-0A20348E891A}"/>
+              </a:ext>
+            </a:extLst>
+          </p:cNvPr>
+          <p:cNvSpPr txBox="1"/>
+          <p:nvPr/>
+        </p:nvSpPr>
+        <p:spPr>
+          <a:xfrm>
+            <a:off x="1938544" y="1530876"/>
+            <a:ext cx="5258202" cy="523220"/>
+          </a:xfrm>
+          <a:prstGeom prst="rect">
+            <a:avLst/>
+          </a:prstGeom>
+          <a:noFill/>
+        </p:spPr>
+        <p:txBody>
+          <a:bodyPr wrap="square" rtlCol="0">
+            <a:spAutoFit/>
+          </a:bodyPr>
+          <a:lstStyle/>
+          <a:p>
+            <a:pPr algn="ctr"/>
+            <a:r>
+              <a:rPr lang="en-ES" sz="2800" b="1" dirty="0">
+                <a:solidFill>
+                  <a:srgbClr val="122029"/>
+                </a:solidFill>
+              </a:rPr>
+              <a:t>Infraestructure as code (IaC)</a:t>
+            </a:r>
+            <a:endParaRPr lang="en-ES" sz="2800" dirty="0">
+              <a:solidFill>
+                <a:srgbClr val="122029"/>
+              </a:solidFill>
+            </a:endParaRPr>
+          </a:p>
+        </p:txBody>
+      </p:sp>
+      <p:sp>
+        <p:nvSpPr>
+          <p:cNvPr id="24" name="TextBox 23">
+            <a:extLst>
+              <a:ext uri="{FF2B5EF4-FFF2-40B4-BE49-F238E27FC236}">
+                <a16:creationId xmlns:a16="http://schemas.microsoft.com/office/drawing/2014/main" id="{3473FA21-B171-2F47-86FF-2B775B857399}"/>
+              </a:ext>
+            </a:extLst>
+          </p:cNvPr>
+          <p:cNvSpPr txBox="1"/>
+          <p:nvPr/>
+        </p:nvSpPr>
+        <p:spPr>
+          <a:xfrm>
+            <a:off x="5486696" y="4646982"/>
+            <a:ext cx="3420099" cy="707886"/>
+          </a:xfrm>
+          <a:prstGeom prst="rect">
+            <a:avLst/>
+          </a:prstGeom>
+          <a:noFill/>
+        </p:spPr>
+        <p:txBody>
+          <a:bodyPr wrap="square" rtlCol="0">
+            <a:spAutoFit/>
+          </a:bodyPr>
+          <a:lstStyle/>
+          <a:p>
+            <a:pPr algn="ctr"/>
+            <a:r>
+              <a:rPr lang="en-ES" sz="2000" b="1" dirty="0">
+                <a:solidFill>
+                  <a:srgbClr val="262E3B"/>
+                </a:solidFill>
+              </a:rPr>
+              <a:t>CLOUDFORMATION</a:t>
+            </a:r>
+          </a:p>
+          <a:p>
+            <a:pPr algn="ctr"/>
+            <a:endParaRPr lang="en-ES" sz="2000" dirty="0">
+              <a:solidFill>
+                <a:srgbClr val="262E3B"/>
+              </a:solidFill>
+            </a:endParaRPr>
+          </a:p>
+        </p:txBody>
+      </p:sp>
+      <p:pic>
+        <p:nvPicPr>
+          <p:cNvPr id="13324" name="Picture 12" descr="Serverless Framework – Getting Started | KAMP Blog Serverless Framework –  Getting Started">
+            <a:extLst>
+              <a:ext uri="{FF2B5EF4-FFF2-40B4-BE49-F238E27FC236}">
+                <a16:creationId xmlns:a16="http://schemas.microsoft.com/office/drawing/2014/main" id="{CE7B4420-2455-C149-A60F-DB847A0F99C6}"/>
+              </a:ext>
+            </a:extLst>
+          </p:cNvPr>
+          <p:cNvPicPr>
+            <a:picLocks noChangeAspect="1" noChangeArrowheads="1"/>
+          </p:cNvPicPr>
+          <p:nvPr/>
+        </p:nvPicPr>
+        <p:blipFill>
+          <a:blip r:embed="rId4">
+            <a:extLst>
+              <a:ext uri="{28A0092B-C50C-407E-A947-70E740481C1C}">
+                <a14:useLocalDpi xmlns:a14="http://schemas.microsoft.com/office/drawing/2010/main" val="0"/>
+              </a:ext>
+            </a:extLst>
+          </a:blip>
+          <a:srcRect/>
+          <a:stretch>
+            <a:fillRect/>
+          </a:stretch>
+        </p:blipFill>
+        <p:spPr bwMode="auto">
+          <a:xfrm>
+            <a:off x="1421110" y="2732987"/>
+            <a:ext cx="1304798" cy="1304798"/>
+          </a:xfrm>
+          <a:prstGeom prst="rect">
+            <a:avLst/>
+          </a:prstGeom>
+          <a:noFill/>
+          <a:extLst>
+            <a:ext uri="{909E8E84-426E-40DD-AFC4-6F175D3DCCD1}">
+              <a14:hiddenFill xmlns:a14="http://schemas.microsoft.com/office/drawing/2010/main">
+                <a:solidFill>
+                  <a:srgbClr val="FFFFFF"/>
+                </a:solidFill>
+              </a14:hiddenFill>
+            </a:ext>
+          </a:extLst>
+        </p:spPr>
+      </p:pic>
+      <p:pic>
+        <p:nvPicPr>
+          <p:cNvPr id="26" name="Picture 12" descr="cfn102">
+            <a:extLst>
+              <a:ext uri="{FF2B5EF4-FFF2-40B4-BE49-F238E27FC236}">
+                <a16:creationId xmlns:a16="http://schemas.microsoft.com/office/drawing/2014/main" id="{D0316192-CDC7-0443-8883-0FC414D334AA}"/>
+              </a:ext>
+            </a:extLst>
+          </p:cNvPr>
+          <p:cNvPicPr>
+            <a:picLocks noChangeAspect="1" noChangeArrowheads="1"/>
+          </p:cNvPicPr>
+          <p:nvPr/>
+        </p:nvPicPr>
+        <p:blipFill>
+          <a:blip r:embed="rId5">
+            <a:extLst>
+              <a:ext uri="{28A0092B-C50C-407E-A947-70E740481C1C}">
+                <a14:useLocalDpi xmlns:a14="http://schemas.microsoft.com/office/drawing/2010/main" val="0"/>
+              </a:ext>
+            </a:extLst>
+          </a:blip>
+          <a:srcRect/>
+          <a:stretch>
+            <a:fillRect/>
+          </a:stretch>
+        </p:blipFill>
+        <p:spPr bwMode="auto">
+          <a:xfrm>
+            <a:off x="6418092" y="2732987"/>
+            <a:ext cx="1304798" cy="1304798"/>
+          </a:xfrm>
+          <a:prstGeom prst="rect">
+            <a:avLst/>
+          </a:prstGeom>
+          <a:noFill/>
+          <a:extLst>
+            <a:ext uri="{909E8E84-426E-40DD-AFC4-6F175D3DCCD1}">
+              <a14:hiddenFill xmlns:a14="http://schemas.microsoft.com/office/drawing/2010/main">
+                <a:solidFill>
+                  <a:srgbClr val="FFFFFF"/>
+                </a:solidFill>
+              </a14:hiddenFill>
+            </a:ext>
+          </a:extLst>
+        </p:spPr>
+      </p:pic>
+      <p:sp>
+        <p:nvSpPr>
+          <p:cNvPr id="27" name="TextBox 26">
+            <a:extLst>
+              <a:ext uri="{FF2B5EF4-FFF2-40B4-BE49-F238E27FC236}">
+                <a16:creationId xmlns:a16="http://schemas.microsoft.com/office/drawing/2014/main" id="{10F4A47D-B0D2-D745-90BE-F81AC223F782}"/>
+              </a:ext>
+            </a:extLst>
+          </p:cNvPr>
+          <p:cNvSpPr txBox="1"/>
+          <p:nvPr/>
+        </p:nvSpPr>
+        <p:spPr>
+          <a:xfrm>
+            <a:off x="376888" y="4649440"/>
+            <a:ext cx="3420099" cy="1015663"/>
+          </a:xfrm>
+          <a:prstGeom prst="rect">
+            <a:avLst/>
+          </a:prstGeom>
+          <a:noFill/>
+        </p:spPr>
+        <p:txBody>
+          <a:bodyPr wrap="square" rtlCol="0">
+            <a:spAutoFit/>
+          </a:bodyPr>
+          <a:lstStyle/>
+          <a:p>
+            <a:pPr algn="ctr"/>
+            <a:r>
+              <a:rPr lang="en-ES" sz="2000" b="1" dirty="0">
+                <a:solidFill>
+                  <a:srgbClr val="262E3B"/>
+                </a:solidFill>
+              </a:rPr>
+              <a:t>SERVERLESS FRAMEWORK</a:t>
+            </a:r>
+          </a:p>
+          <a:p>
+            <a:pPr algn="ctr"/>
+            <a:endParaRPr lang="en-ES" sz="2000" dirty="0">
+              <a:solidFill>
+                <a:srgbClr val="262E3B"/>
+              </a:solidFill>
+            </a:endParaRPr>
+          </a:p>
+        </p:txBody>
+      </p:sp>
+      <p:cxnSp>
+        <p:nvCxnSpPr>
+          <p:cNvPr id="28" name="Straight Arrow Connector 27">
+            <a:extLst>
+              <a:ext uri="{FF2B5EF4-FFF2-40B4-BE49-F238E27FC236}">
+                <a16:creationId xmlns:a16="http://schemas.microsoft.com/office/drawing/2014/main" id="{D100FD26-99A2-1949-AF68-05518C91222A}"/>
+              </a:ext>
+            </a:extLst>
+          </p:cNvPr>
+          <p:cNvCxnSpPr>
+            <a:cxnSpLocks/>
+          </p:cNvCxnSpPr>
+          <p:nvPr/>
+        </p:nvCxnSpPr>
+        <p:spPr bwMode="auto">
+          <a:xfrm flipV="1">
+            <a:off x="3395673" y="3399923"/>
+            <a:ext cx="2186522" cy="1"/>
+          </a:xfrm>
+          <a:prstGeom prst="straightConnector1">
+            <a:avLst/>
+          </a:prstGeom>
+          <a:solidFill>
+            <a:schemeClr val="accent1"/>
+          </a:solidFill>
+          <a:ln w="57150" cap="flat" cmpd="sng" algn="ctr">
+            <a:solidFill>
+              <a:srgbClr val="04A0D1"/>
+            </a:solidFill>
+            <a:prstDash val="solid"/>
+            <a:round/>
+            <a:headEnd type="none"/>
+            <a:tailEnd type="triangle"/>
+          </a:ln>
+          <a:effectLst/>
+        </p:spPr>
+      </p:cxnSp>
+      <p:sp>
+        <p:nvSpPr>
+          <p:cNvPr id="29" name="Título 2">
+            <a:extLst>
+              <a:ext uri="{FF2B5EF4-FFF2-40B4-BE49-F238E27FC236}">
+                <a16:creationId xmlns:a16="http://schemas.microsoft.com/office/drawing/2014/main" id="{291BD12E-E7A9-9E46-814F-E1962686AA39}"/>
+              </a:ext>
+            </a:extLst>
+          </p:cNvPr>
+          <p:cNvSpPr txBox="1">
+            <a:spLocks/>
+          </p:cNvSpPr>
+          <p:nvPr/>
+        </p:nvSpPr>
+        <p:spPr bwMode="auto">
+          <a:xfrm>
+            <a:off x="8657731" y="6420938"/>
+            <a:ext cx="489474" cy="596226"/>
+          </a:xfrm>
+          <a:prstGeom prst="rect">
+            <a:avLst/>
+          </a:prstGeom>
+          <a:noFill/>
+          <a:ln>
+            <a:noFill/>
+          </a:ln>
+          <a:extLst>
+            <a:ext uri="{909E8E84-426E-40DD-AFC4-6F175D3DCCD1}">
+              <a14:hiddenFill xmlns:a14="http://schemas.microsoft.com/office/drawing/2010/main">
+                <a:solidFill>
+                  <a:srgbClr val="FFFFFF"/>
+                </a:solidFill>
+              </a14:hiddenFill>
+            </a:ext>
+            <a:ext uri="{91240B29-F687-4F45-9708-019B960494DF}">
+              <a14:hiddenLine xmlns:a14="http://schemas.microsoft.com/office/drawing/2010/main" w="9525">
+                <a:solidFill>
+                  <a:srgbClr val="000000"/>
+                </a:solidFill>
+                <a:miter lim="800000"/>
+                <a:headEnd/>
+                <a:tailEnd/>
+              </a14:hiddenLine>
+            </a:ext>
+          </a:extLst>
+        </p:spPr>
+        <p:txBody>
+          <a:bodyPr vert="horz" wrap="square" lIns="72000" tIns="36000" rIns="72000" bIns="36000" numCol="1" anchor="t" anchorCtr="0" compatLnSpc="1">
+            <a:prstTxWarp prst="textNoShape">
+              <a:avLst/>
+            </a:prstTxWarp>
+          </a:bodyPr>
+          <a:lstStyle>
+            <a:lvl1pPr algn="l" rtl="0" eaLnBrk="1" fontAlgn="base" hangingPunct="1">
+              <a:spcBef>
+                <a:spcPts val="300"/>
+              </a:spcBef>
+              <a:spcAft>
+                <a:spcPct val="0"/>
+              </a:spcAft>
+              <a:defRPr sz="4000" b="1" baseline="0">
+                <a:solidFill>
+                  <a:schemeClr val="tx1"/>
+                </a:solidFill>
+                <a:latin typeface="Calibri" pitchFamily="34" charset="0"/>
+                <a:ea typeface="+mj-ea"/>
+                <a:cs typeface="Calibri" pitchFamily="34" charset="0"/>
+              </a:defRPr>
+            </a:lvl1pPr>
+            <a:lvl2pPr algn="l" rtl="0" eaLnBrk="1" fontAlgn="base" hangingPunct="1">
+              <a:spcBef>
+                <a:spcPct val="0"/>
+              </a:spcBef>
+              <a:spcAft>
+                <a:spcPct val="0"/>
+              </a:spcAft>
+              <a:defRPr sz="4400">
+                <a:solidFill>
+                  <a:schemeClr val="tx1"/>
+                </a:solidFill>
+                <a:latin typeface="Arial" charset="0"/>
+              </a:defRPr>
+            </a:lvl2pPr>
+            <a:lvl3pPr algn="l" rtl="0" eaLnBrk="1" fontAlgn="base" hangingPunct="1">
+              <a:spcBef>
+                <a:spcPct val="0"/>
+              </a:spcBef>
+              <a:spcAft>
+                <a:spcPct val="0"/>
+              </a:spcAft>
+              <a:defRPr sz="4400">
+                <a:solidFill>
+                  <a:schemeClr val="tx1"/>
+                </a:solidFill>
+                <a:latin typeface="Arial" charset="0"/>
+              </a:defRPr>
+            </a:lvl3pPr>
+            <a:lvl4pPr algn="l" rtl="0" eaLnBrk="1" fontAlgn="base" hangingPunct="1">
+              <a:spcBef>
+                <a:spcPct val="0"/>
+              </a:spcBef>
+              <a:spcAft>
+                <a:spcPct val="0"/>
+              </a:spcAft>
+              <a:defRPr sz="4400">
+                <a:solidFill>
+                  <a:schemeClr val="tx1"/>
+                </a:solidFill>
+                <a:latin typeface="Arial" charset="0"/>
+              </a:defRPr>
+            </a:lvl4pPr>
+            <a:lvl5pPr algn="l" rtl="0" eaLnBrk="1" fontAlgn="base" hangingPunct="1">
+              <a:spcBef>
+                <a:spcPct val="0"/>
+              </a:spcBef>
+              <a:spcAft>
+                <a:spcPct val="0"/>
+              </a:spcAft>
+              <a:defRPr sz="4400">
+                <a:solidFill>
+                  <a:schemeClr val="tx1"/>
+                </a:solidFill>
+                <a:latin typeface="Arial" charset="0"/>
+              </a:defRPr>
+            </a:lvl5pPr>
+            <a:lvl6pPr marL="457200" algn="l" rtl="0" eaLnBrk="1" fontAlgn="base" hangingPunct="1">
+              <a:spcBef>
+                <a:spcPct val="0"/>
+              </a:spcBef>
+              <a:spcAft>
+                <a:spcPct val="0"/>
+              </a:spcAft>
+              <a:defRPr sz="4400">
+                <a:solidFill>
+                  <a:schemeClr val="tx1"/>
+                </a:solidFill>
+                <a:latin typeface="Arial" charset="0"/>
+              </a:defRPr>
+            </a:lvl6pPr>
+            <a:lvl7pPr marL="914400" algn="l" rtl="0" eaLnBrk="1" fontAlgn="base" hangingPunct="1">
+              <a:spcBef>
+                <a:spcPct val="0"/>
+              </a:spcBef>
+              <a:spcAft>
+                <a:spcPct val="0"/>
+              </a:spcAft>
+              <a:defRPr sz="4400">
+                <a:solidFill>
+                  <a:schemeClr val="tx1"/>
+                </a:solidFill>
+                <a:latin typeface="Arial" charset="0"/>
+              </a:defRPr>
+            </a:lvl7pPr>
+            <a:lvl8pPr marL="1371600" algn="l" rtl="0" eaLnBrk="1" fontAlgn="base" hangingPunct="1">
+              <a:spcBef>
+                <a:spcPct val="0"/>
+              </a:spcBef>
+              <a:spcAft>
+                <a:spcPct val="0"/>
+              </a:spcAft>
+              <a:defRPr sz="4400">
+                <a:solidFill>
+                  <a:schemeClr val="tx1"/>
+                </a:solidFill>
+                <a:latin typeface="Arial" charset="0"/>
+              </a:defRPr>
+            </a:lvl8pPr>
+            <a:lvl9pPr marL="1828800" algn="l" rtl="0" eaLnBrk="1" fontAlgn="base" hangingPunct="1">
+              <a:spcBef>
+                <a:spcPct val="0"/>
+              </a:spcBef>
+              <a:spcAft>
+                <a:spcPct val="0"/>
+              </a:spcAft>
+              <a:defRPr sz="4400">
+                <a:solidFill>
+                  <a:schemeClr val="tx1"/>
+                </a:solidFill>
+                <a:latin typeface="Arial" charset="0"/>
+              </a:defRPr>
+            </a:lvl9pPr>
+          </a:lstStyle>
+          <a:p>
+            <a:pPr algn="ctr"/>
+            <a:r>
+              <a:rPr lang="es-ES" sz="2800" kern="0" dirty="0">
+                <a:solidFill>
+                  <a:schemeClr val="bg1"/>
+                </a:solidFill>
+              </a:rPr>
+              <a:t>8</a:t>
+            </a:r>
+            <a:endParaRPr lang="es-ES" kern="0" dirty="0">
+              <a:solidFill>
+                <a:schemeClr val="bg1"/>
+              </a:solidFill>
+            </a:endParaRPr>
+          </a:p>
+        </p:txBody>
+      </p:sp>
+    </p:spTree>
+    <p:extLst>
+      <p:ext uri="{BB962C8B-B14F-4D97-AF65-F5344CB8AC3E}">
+        <p14:creationId xmlns:p14="http://schemas.microsoft.com/office/powerpoint/2010/main" val="3381036466"/>
+      </p:ext>
+    </p:extLst>
+  </p:cSld>
+  <p:clrMapOvr>
+    <a:masterClrMapping/>
+  </p:clrMapOvr>
+  <p:transition/>
+</p:sld>
+</file>
+
+<file path=ppt/slides/slide11.xml><?xml version="1.0" encoding="utf-8"?>
+<p:sld xmlns:a="http://schemas.openxmlformats.org/drawingml/2006/main" xmlns:r="http://schemas.openxmlformats.org/officeDocument/2006/relationships" xmlns:p="http://schemas.openxmlformats.org/presentationml/2006/main">
+  <p:cSld>
+    <p:spTree>
+      <p:nvGrpSpPr>
+        <p:cNvPr id="1" name=""/>
+        <p:cNvGrpSpPr/>
+        <p:nvPr/>
+      </p:nvGrpSpPr>
+      <p:grpSpPr>
+        <a:xfrm>
+          <a:off x="0" y="0"/>
+          <a:ext cx="0" cy="0"/>
+          <a:chOff x="0" y="0"/>
+          <a:chExt cx="0" cy="0"/>
+        </a:xfrm>
+      </p:grpSpPr>
+      <p:sp>
+        <p:nvSpPr>
+          <p:cNvPr id="6" name="Rectángulo 5">
+            <a:extLst>
+              <a:ext uri="{FF2B5EF4-FFF2-40B4-BE49-F238E27FC236}">
+                <a16:creationId xmlns:a16="http://schemas.microsoft.com/office/drawing/2014/main" id="{160B991A-7491-7642-9ECB-16720472F0B7}"/>
+              </a:ext>
+            </a:extLst>
+          </p:cNvPr>
+          <p:cNvSpPr/>
+          <p:nvPr/>
+        </p:nvSpPr>
+        <p:spPr bwMode="auto">
+          <a:xfrm>
+            <a:off x="0" y="6523980"/>
+            <a:ext cx="5143499" cy="309154"/>
+          </a:xfrm>
+          <a:prstGeom prst="rect">
+            <a:avLst/>
+          </a:prstGeom>
+          <a:solidFill>
+            <a:srgbClr val="B10C38"/>
+          </a:solidFill>
+          <a:ln w="9525" cap="flat" cmpd="sng" algn="ctr">
+            <a:solidFill>
+              <a:srgbClr val="B10C38"/>
+            </a:solidFill>
+            <a:prstDash val="solid"/>
+            <a:round/>
+            <a:headEnd type="none" w="med" len="med"/>
+            <a:tailEnd type="none" w="med" len="med"/>
+          </a:ln>
+          <a:effectLst/>
+        </p:spPr>
+        <p:txBody>
+          <a:bodyPr vert="horz" wrap="square" lIns="91440" tIns="45720" rIns="91440" bIns="45720" numCol="1" rtlCol="0" anchor="t" anchorCtr="0" compatLnSpc="1">
+            <a:prstTxWarp prst="textNoShape">
+              <a:avLst/>
+            </a:prstTxWarp>
+          </a:bodyPr>
+          <a:lstStyle/>
+          <a:p>
+            <a:pPr marL="0" marR="0" indent="0" algn="r" defTabSz="914400" rtl="0" eaLnBrk="1" fontAlgn="base" latinLnBrk="0" hangingPunct="1">
+              <a:lnSpc>
+                <a:spcPct val="100000"/>
+              </a:lnSpc>
+              <a:spcBef>
+                <a:spcPct val="0"/>
+              </a:spcBef>
+              <a:spcAft>
+                <a:spcPct val="0"/>
+              </a:spcAft>
+              <a:buClrTx/>
+              <a:buSzTx/>
+              <a:buFontTx/>
+              <a:buNone/>
+              <a:tabLst/>
+            </a:pPr>
+            <a:endParaRPr kumimoji="0" lang="es-ES" sz="1800" b="0" i="0" u="none" strike="noStrike" cap="none" normalizeH="0" baseline="0" dirty="0">
+              <a:ln>
+                <a:noFill/>
+              </a:ln>
+              <a:solidFill>
+                <a:schemeClr val="tx1"/>
+              </a:solidFill>
+              <a:effectLst/>
+              <a:latin typeface="Arial" charset="0"/>
+            </a:endParaRPr>
+          </a:p>
+        </p:txBody>
+      </p:sp>
+      <p:sp>
+        <p:nvSpPr>
+          <p:cNvPr id="10" name="Rectángulo 9">
+            <a:extLst>
+              <a:ext uri="{FF2B5EF4-FFF2-40B4-BE49-F238E27FC236}">
+                <a16:creationId xmlns:a16="http://schemas.microsoft.com/office/drawing/2014/main" id="{B0D1FBB7-E132-48A3-9874-C3548AC82486}"/>
+              </a:ext>
+            </a:extLst>
+          </p:cNvPr>
+          <p:cNvSpPr/>
+          <p:nvPr/>
+        </p:nvSpPr>
+        <p:spPr bwMode="auto">
+          <a:xfrm>
+            <a:off x="3709181" y="5752547"/>
+            <a:ext cx="1725638" cy="309154"/>
+          </a:xfrm>
+          <a:prstGeom prst="rect">
+            <a:avLst/>
+          </a:prstGeom>
+          <a:solidFill>
+            <a:schemeClr val="bg1"/>
+          </a:solidFill>
+          <a:ln w="9525" cap="flat" cmpd="sng" algn="ctr">
+            <a:solidFill>
+              <a:schemeClr val="bg1"/>
+            </a:solidFill>
+            <a:prstDash val="solid"/>
+            <a:round/>
+            <a:headEnd type="none" w="med" len="med"/>
+            <a:tailEnd type="none" w="med" len="med"/>
+          </a:ln>
+          <a:effectLst/>
+        </p:spPr>
+        <p:txBody>
+          <a:bodyPr vert="horz" wrap="square" lIns="91440" tIns="45720" rIns="91440" bIns="45720" numCol="1" rtlCol="0" anchor="t" anchorCtr="0" compatLnSpc="1">
+            <a:prstTxWarp prst="textNoShape">
+              <a:avLst/>
+            </a:prstTxWarp>
+          </a:bodyPr>
+          <a:lstStyle/>
+          <a:p>
+            <a:pPr marL="0" marR="0" indent="0" algn="r" defTabSz="914400" rtl="0" eaLnBrk="1" fontAlgn="base" latinLnBrk="0" hangingPunct="1">
+              <a:lnSpc>
+                <a:spcPct val="100000"/>
+              </a:lnSpc>
+              <a:spcBef>
+                <a:spcPct val="0"/>
+              </a:spcBef>
+              <a:spcAft>
+                <a:spcPct val="0"/>
+              </a:spcAft>
+              <a:buClrTx/>
+              <a:buSzTx/>
+              <a:buFontTx/>
+              <a:buNone/>
+              <a:tabLst/>
+            </a:pPr>
+            <a:endParaRPr kumimoji="0" lang="es-ES" sz="1800" b="0" i="0" u="none" strike="noStrike" cap="none" normalizeH="0" baseline="0">
+              <a:ln>
+                <a:noFill/>
+              </a:ln>
+              <a:solidFill>
+                <a:schemeClr val="tx1"/>
+              </a:solidFill>
+              <a:effectLst/>
+              <a:latin typeface="Arial" charset="0"/>
+            </a:endParaRPr>
+          </a:p>
+        </p:txBody>
+      </p:sp>
+      <p:sp>
+        <p:nvSpPr>
+          <p:cNvPr id="12" name="Rectángulo 3">
+            <a:extLst>
+              <a:ext uri="{FF2B5EF4-FFF2-40B4-BE49-F238E27FC236}">
+                <a16:creationId xmlns:a16="http://schemas.microsoft.com/office/drawing/2014/main" id="{45AE9004-0209-F94F-AC7A-CB04255A7B0E}"/>
+              </a:ext>
+            </a:extLst>
+          </p:cNvPr>
+          <p:cNvSpPr/>
+          <p:nvPr/>
+        </p:nvSpPr>
+        <p:spPr bwMode="auto">
+          <a:xfrm>
+            <a:off x="-8709" y="6468835"/>
+            <a:ext cx="9152709" cy="389165"/>
+          </a:xfrm>
+          <a:prstGeom prst="rect">
+            <a:avLst/>
+          </a:prstGeom>
+          <a:solidFill>
+            <a:srgbClr val="04A0D1"/>
+          </a:solidFill>
+          <a:ln w="9525" cap="flat" cmpd="sng" algn="ctr">
+            <a:solidFill>
+              <a:srgbClr val="04A0D1"/>
+            </a:solidFill>
+            <a:prstDash val="solid"/>
+            <a:round/>
+            <a:headEnd type="none" w="med" len="med"/>
+            <a:tailEnd type="none" w="med" len="med"/>
+          </a:ln>
+          <a:effectLst/>
+        </p:spPr>
+        <p:txBody>
+          <a:bodyPr vert="horz" wrap="square" lIns="91440" tIns="45720" rIns="91440" bIns="45720" numCol="1" rtlCol="0" anchor="t" anchorCtr="0" compatLnSpc="1">
+            <a:prstTxWarp prst="textNoShape">
+              <a:avLst/>
+            </a:prstTxWarp>
+          </a:bodyPr>
+          <a:lstStyle/>
+          <a:p>
+            <a:pPr marL="0" marR="0" indent="0" algn="r" defTabSz="914400" rtl="0" eaLnBrk="1" fontAlgn="base" latinLnBrk="0" hangingPunct="1">
+              <a:lnSpc>
+                <a:spcPct val="100000"/>
+              </a:lnSpc>
+              <a:spcBef>
+                <a:spcPct val="0"/>
+              </a:spcBef>
+              <a:spcAft>
+                <a:spcPct val="0"/>
+              </a:spcAft>
+              <a:buClrTx/>
+              <a:buSzTx/>
+              <a:buFontTx/>
+              <a:buNone/>
+              <a:tabLst/>
+            </a:pPr>
+            <a:endParaRPr kumimoji="0" lang="es-ES" sz="1800" b="0" i="0" u="none" strike="noStrike" cap="none" normalizeH="0" baseline="0" dirty="0">
+              <a:ln>
+                <a:noFill/>
+              </a:ln>
+              <a:solidFill>
+                <a:schemeClr val="tx1"/>
+              </a:solidFill>
+              <a:effectLst/>
+              <a:latin typeface="Arial" charset="0"/>
+            </a:endParaRPr>
+          </a:p>
+        </p:txBody>
+      </p:sp>
       <p:pic>
         <p:nvPicPr>
           <p:cNvPr id="5" name="Picture 4" descr="Graphical user interface&#10;&#10;Description automatically generated">
@@ -5834,7 +6644,7 @@
 </p:sld>
 </file>
 
-<file path=ppt/slides/slide11.xml><?xml version="1.0" encoding="utf-8"?>
+<file path=ppt/slides/slide12.xml><?xml version="1.0" encoding="utf-8"?>
 <p:sld xmlns:a="http://schemas.openxmlformats.org/drawingml/2006/main" xmlns:r="http://schemas.openxmlformats.org/officeDocument/2006/relationships" xmlns:p="http://schemas.openxmlformats.org/presentationml/2006/main">
   <p:cSld>
     <p:spTree>
@@ -6384,10 +7194,96 @@
       </p:grpSpPr>
       <p:sp>
         <p:nvSpPr>
-          <p:cNvPr id="10" name="Rectángulo 9">
+          <p:cNvPr id="2" name="Subtitle 1">
             <a:extLst>
               <a:ext uri="{FF2B5EF4-FFF2-40B4-BE49-F238E27FC236}">
-                <a16:creationId xmlns:a16="http://schemas.microsoft.com/office/drawing/2014/main" id="{B0D1FBB7-E132-48A3-9874-C3548AC82486}"/>
+                <a16:creationId xmlns:a16="http://schemas.microsoft.com/office/drawing/2014/main" id="{CC69AD6C-FF4C-5040-B9F1-7F1A00E3B801}"/>
+              </a:ext>
+            </a:extLst>
+          </p:cNvPr>
+          <p:cNvSpPr>
+            <a:spLocks noGrp="1"/>
+          </p:cNvSpPr>
+          <p:nvPr>
+            <p:ph type="subTitle" idx="1"/>
+          </p:nvPr>
+        </p:nvSpPr>
+        <p:spPr/>
+        <p:txBody>
+          <a:bodyPr/>
+          <a:lstStyle/>
+          <a:p>
+            <a:endParaRPr lang="en-ES"/>
+          </a:p>
+        </p:txBody>
+      </p:sp>
+      <p:sp>
+        <p:nvSpPr>
+          <p:cNvPr id="3" name="Title 2">
+            <a:extLst>
+              <a:ext uri="{FF2B5EF4-FFF2-40B4-BE49-F238E27FC236}">
+                <a16:creationId xmlns:a16="http://schemas.microsoft.com/office/drawing/2014/main" id="{5DE329F2-ECB8-824E-8C80-05179664BF3E}"/>
+              </a:ext>
+            </a:extLst>
+          </p:cNvPr>
+          <p:cNvSpPr>
+            <a:spLocks noGrp="1"/>
+          </p:cNvSpPr>
+          <p:nvPr>
+            <p:ph type="ctrTitle"/>
+          </p:nvPr>
+        </p:nvSpPr>
+        <p:spPr/>
+        <p:txBody>
+          <a:bodyPr/>
+          <a:lstStyle/>
+          <a:p>
+            <a:endParaRPr lang="en-ES"/>
+          </a:p>
+        </p:txBody>
+      </p:sp>
+      <p:pic>
+        <p:nvPicPr>
+          <p:cNvPr id="5" name="Picture 4">
+            <a:extLst>
+              <a:ext uri="{FF2B5EF4-FFF2-40B4-BE49-F238E27FC236}">
+                <a16:creationId xmlns:a16="http://schemas.microsoft.com/office/drawing/2014/main" id="{F4AE8F10-5ED6-BA44-B39C-7C7DDF1F3B3F}"/>
+              </a:ext>
+            </a:extLst>
+          </p:cNvPr>
+          <p:cNvPicPr>
+            <a:picLocks noChangeAspect="1"/>
+          </p:cNvPicPr>
+          <p:nvPr/>
+        </p:nvPicPr>
+        <p:blipFill>
+          <a:blip r:embed="rId2">
+            <a:extLst>
+              <a:ext uri="{28A0092B-C50C-407E-A947-70E740481C1C}">
+                <a14:useLocalDpi xmlns:a14="http://schemas.microsoft.com/office/drawing/2010/main" val="0"/>
+              </a:ext>
+            </a:extLst>
+          </a:blip>
+          <a:stretch>
+            <a:fillRect/>
+          </a:stretch>
+        </p:blipFill>
+        <p:spPr>
+          <a:xfrm>
+            <a:off x="1" y="0"/>
+            <a:ext cx="9125816" cy="6450496"/>
+          </a:xfrm>
+          <a:prstGeom prst="rect">
+            <a:avLst/>
+          </a:prstGeom>
+        </p:spPr>
+      </p:pic>
+      <p:sp>
+        <p:nvSpPr>
+          <p:cNvPr id="6" name="Rectángulo 3">
+            <a:extLst>
+              <a:ext uri="{FF2B5EF4-FFF2-40B4-BE49-F238E27FC236}">
+                <a16:creationId xmlns:a16="http://schemas.microsoft.com/office/drawing/2014/main" id="{48C7F439-AE71-6345-8FC6-11539E482CFE}"/>
               </a:ext>
             </a:extLst>
           </p:cNvPr>
@@ -6396,353 +7292,8 @@
         </p:nvSpPr>
         <p:spPr bwMode="auto">
           <a:xfrm>
-            <a:off x="3709181" y="5752547"/>
-            <a:ext cx="1725638" cy="309154"/>
-          </a:xfrm>
-          <a:prstGeom prst="rect">
-            <a:avLst/>
-          </a:prstGeom>
-          <a:solidFill>
-            <a:schemeClr val="bg1"/>
-          </a:solidFill>
-          <a:ln w="9525" cap="flat" cmpd="sng" algn="ctr">
-            <a:solidFill>
-              <a:schemeClr val="bg1"/>
-            </a:solidFill>
-            <a:prstDash val="solid"/>
-            <a:round/>
-            <a:headEnd type="none" w="med" len="med"/>
-            <a:tailEnd type="none" w="med" len="med"/>
-          </a:ln>
-          <a:effectLst/>
-        </p:spPr>
-        <p:txBody>
-          <a:bodyPr vert="horz" wrap="square" lIns="91440" tIns="45720" rIns="91440" bIns="45720" numCol="1" rtlCol="0" anchor="t" anchorCtr="0" compatLnSpc="1">
-            <a:prstTxWarp prst="textNoShape">
-              <a:avLst/>
-            </a:prstTxWarp>
-          </a:bodyPr>
-          <a:lstStyle/>
-          <a:p>
-            <a:pPr marL="0" marR="0" indent="0" algn="r" defTabSz="914400" rtl="0" eaLnBrk="1" fontAlgn="base" latinLnBrk="0" hangingPunct="1">
-              <a:lnSpc>
-                <a:spcPct val="100000"/>
-              </a:lnSpc>
-              <a:spcBef>
-                <a:spcPct val="0"/>
-              </a:spcBef>
-              <a:spcAft>
-                <a:spcPct val="0"/>
-              </a:spcAft>
-              <a:buClrTx/>
-              <a:buSzTx/>
-              <a:buFontTx/>
-              <a:buNone/>
-              <a:tabLst/>
-            </a:pPr>
-            <a:endParaRPr kumimoji="0" lang="es-ES" sz="1800" b="0" i="0" u="none" strike="noStrike" cap="none" normalizeH="0" baseline="0">
-              <a:ln>
-                <a:noFill/>
-              </a:ln>
-              <a:solidFill>
-                <a:schemeClr val="tx1"/>
-              </a:solidFill>
-              <a:effectLst/>
-              <a:latin typeface="Arial" charset="0"/>
-            </a:endParaRPr>
-          </a:p>
-        </p:txBody>
-      </p:sp>
-      <p:pic>
-        <p:nvPicPr>
-          <p:cNvPr id="2050" name="Picture 2" descr="Altavoz Inteligente Amazon Echo Dot 3 con Alexa">
-            <a:extLst>
-              <a:ext uri="{FF2B5EF4-FFF2-40B4-BE49-F238E27FC236}">
-                <a16:creationId xmlns:a16="http://schemas.microsoft.com/office/drawing/2014/main" id="{08340EC8-813A-1846-ADBE-578988FB2D45}"/>
-              </a:ext>
-            </a:extLst>
-          </p:cNvPr>
-          <p:cNvPicPr>
-            <a:picLocks noChangeAspect="1" noChangeArrowheads="1"/>
-          </p:cNvPicPr>
-          <p:nvPr/>
-        </p:nvPicPr>
-        <p:blipFill>
-          <a:blip r:embed="rId3">
-            <a:extLst>
-              <a:ext uri="{28A0092B-C50C-407E-A947-70E740481C1C}">
-                <a14:useLocalDpi xmlns:a14="http://schemas.microsoft.com/office/drawing/2010/main" val="0"/>
-              </a:ext>
-            </a:extLst>
-          </a:blip>
-          <a:srcRect/>
-          <a:stretch>
-            <a:fillRect/>
-          </a:stretch>
-        </p:blipFill>
-        <p:spPr bwMode="auto">
-          <a:xfrm>
-            <a:off x="3242712" y="2220686"/>
-            <a:ext cx="2416628" cy="2416628"/>
-          </a:xfrm>
-          <a:prstGeom prst="rect">
-            <a:avLst/>
-          </a:prstGeom>
-          <a:noFill/>
-          <a:extLst>
-            <a:ext uri="{909E8E84-426E-40DD-AFC4-6F175D3DCCD1}">
-              <a14:hiddenFill xmlns:a14="http://schemas.microsoft.com/office/drawing/2010/main">
-                <a:solidFill>
-                  <a:srgbClr val="FFFFFF"/>
-                </a:solidFill>
-              </a14:hiddenFill>
-            </a:ext>
-          </a:extLst>
-        </p:spPr>
-      </p:pic>
-      <p:pic>
-        <p:nvPicPr>
-          <p:cNvPr id="2052" name="Picture 4" descr="Comprar Asistente Smart Home Amazon Echo Show 8 Negro Charcoal - PowerPlanet">
-            <a:extLst>
-              <a:ext uri="{FF2B5EF4-FFF2-40B4-BE49-F238E27FC236}">
-                <a16:creationId xmlns:a16="http://schemas.microsoft.com/office/drawing/2014/main" id="{E85F1073-4512-F444-A0CC-0D59EC1C6F2E}"/>
-              </a:ext>
-            </a:extLst>
-          </p:cNvPr>
-          <p:cNvPicPr>
-            <a:picLocks noChangeAspect="1" noChangeArrowheads="1"/>
-          </p:cNvPicPr>
-          <p:nvPr/>
-        </p:nvPicPr>
-        <p:blipFill>
-          <a:blip r:embed="rId4">
-            <a:extLst>
-              <a:ext uri="{28A0092B-C50C-407E-A947-70E740481C1C}">
-                <a14:useLocalDpi xmlns:a14="http://schemas.microsoft.com/office/drawing/2010/main" val="0"/>
-              </a:ext>
-            </a:extLst>
-          </a:blip>
-          <a:srcRect/>
-          <a:stretch>
-            <a:fillRect/>
-          </a:stretch>
-        </p:blipFill>
-        <p:spPr bwMode="auto">
-          <a:xfrm>
-            <a:off x="6630811" y="1425855"/>
-            <a:ext cx="2026920" cy="2026920"/>
-          </a:xfrm>
-          <a:prstGeom prst="rect">
-            <a:avLst/>
-          </a:prstGeom>
-          <a:noFill/>
-          <a:extLst>
-            <a:ext uri="{909E8E84-426E-40DD-AFC4-6F175D3DCCD1}">
-              <a14:hiddenFill xmlns:a14="http://schemas.microsoft.com/office/drawing/2010/main">
-                <a:solidFill>
-                  <a:srgbClr val="FFFFFF"/>
-                </a:solidFill>
-              </a14:hiddenFill>
-            </a:ext>
-          </a:extLst>
-        </p:spPr>
-      </p:pic>
-      <p:pic>
-        <p:nvPicPr>
-          <p:cNvPr id="2054" name="Picture 6" descr="Amazon añade función de manos libres a Alexa para móviles iOS y Android |  Doctor Tecno | La Revista | El Universo">
-            <a:extLst>
-              <a:ext uri="{FF2B5EF4-FFF2-40B4-BE49-F238E27FC236}">
-                <a16:creationId xmlns:a16="http://schemas.microsoft.com/office/drawing/2014/main" id="{13A33C53-6586-924F-85E7-B20E67D9A01D}"/>
-              </a:ext>
-            </a:extLst>
-          </p:cNvPr>
-          <p:cNvPicPr>
-            <a:picLocks noChangeAspect="1" noChangeArrowheads="1"/>
-          </p:cNvPicPr>
-          <p:nvPr/>
-        </p:nvPicPr>
-        <p:blipFill rotWithShape="1">
-          <a:blip r:embed="rId5">
-            <a:extLst>
-              <a:ext uri="{28A0092B-C50C-407E-A947-70E740481C1C}">
-                <a14:useLocalDpi xmlns:a14="http://schemas.microsoft.com/office/drawing/2010/main" val="0"/>
-              </a:ext>
-            </a:extLst>
-          </a:blip>
-          <a:srcRect l="22512" r="21238"/>
-          <a:stretch/>
-        </p:blipFill>
-        <p:spPr bwMode="auto">
-          <a:xfrm>
-            <a:off x="6397786" y="4012750"/>
-            <a:ext cx="2492970" cy="2215973"/>
-          </a:xfrm>
-          <a:prstGeom prst="rect">
-            <a:avLst/>
-          </a:prstGeom>
-          <a:noFill/>
-          <a:extLst>
-            <a:ext uri="{909E8E84-426E-40DD-AFC4-6F175D3DCCD1}">
-              <a14:hiddenFill xmlns:a14="http://schemas.microsoft.com/office/drawing/2010/main">
-                <a:solidFill>
-                  <a:srgbClr val="FFFFFF"/>
-                </a:solidFill>
-              </a14:hiddenFill>
-            </a:ext>
-          </a:extLst>
-        </p:spPr>
-      </p:pic>
-      <p:pic>
-        <p:nvPicPr>
-          <p:cNvPr id="2058" name="Picture 10" descr="Dispositivo Amazon Fire Tv stick 3era gen, con control">
-            <a:extLst>
-              <a:ext uri="{FF2B5EF4-FFF2-40B4-BE49-F238E27FC236}">
-                <a16:creationId xmlns:a16="http://schemas.microsoft.com/office/drawing/2014/main" id="{FE2B6C73-C6A7-8B46-BE68-F25B1EBB86B3}"/>
-              </a:ext>
-            </a:extLst>
-          </p:cNvPr>
-          <p:cNvPicPr>
-            <a:picLocks noChangeAspect="1" noChangeArrowheads="1"/>
-          </p:cNvPicPr>
-          <p:nvPr/>
-        </p:nvPicPr>
-        <p:blipFill rotWithShape="1">
-          <a:blip r:embed="rId6">
-            <a:extLst>
-              <a:ext uri="{28A0092B-C50C-407E-A947-70E740481C1C}">
-                <a14:useLocalDpi xmlns:a14="http://schemas.microsoft.com/office/drawing/2010/main" val="0"/>
-              </a:ext>
-            </a:extLst>
-          </a:blip>
-          <a:srcRect l="46757"/>
-          <a:stretch/>
-        </p:blipFill>
-        <p:spPr bwMode="auto">
-          <a:xfrm>
-            <a:off x="1251052" y="1506866"/>
-            <a:ext cx="1286691" cy="2416629"/>
-          </a:xfrm>
-          <a:prstGeom prst="rect">
-            <a:avLst/>
-          </a:prstGeom>
-          <a:noFill/>
-          <a:extLst>
-            <a:ext uri="{909E8E84-426E-40DD-AFC4-6F175D3DCCD1}">
-              <a14:hiddenFill xmlns:a14="http://schemas.microsoft.com/office/drawing/2010/main">
-                <a:solidFill>
-                  <a:srgbClr val="FFFFFF"/>
-                </a:solidFill>
-              </a14:hiddenFill>
-            </a:ext>
-          </a:extLst>
-        </p:spPr>
-      </p:pic>
-      <p:pic>
-        <p:nvPicPr>
-          <p:cNvPr id="2064" name="Picture 16" descr="He salido a conducir con el Echo Auto: así funciona Alexa en el coche -  Showroom">
-            <a:extLst>
-              <a:ext uri="{FF2B5EF4-FFF2-40B4-BE49-F238E27FC236}">
-                <a16:creationId xmlns:a16="http://schemas.microsoft.com/office/drawing/2014/main" id="{D78FBB2C-D75C-EE45-9EA3-FF9C03D64E43}"/>
-              </a:ext>
-            </a:extLst>
-          </p:cNvPr>
-          <p:cNvPicPr>
-            <a:picLocks noChangeAspect="1" noChangeArrowheads="1"/>
-          </p:cNvPicPr>
-          <p:nvPr/>
-        </p:nvPicPr>
-        <p:blipFill rotWithShape="1">
-          <a:blip r:embed="rId7">
-            <a:extLst>
-              <a:ext uri="{28A0092B-C50C-407E-A947-70E740481C1C}">
-                <a14:useLocalDpi xmlns:a14="http://schemas.microsoft.com/office/drawing/2010/main" val="0"/>
-              </a:ext>
-            </a:extLst>
-          </a:blip>
-          <a:srcRect t="24322" b="25162"/>
-          <a:stretch/>
-        </p:blipFill>
-        <p:spPr bwMode="auto">
-          <a:xfrm>
-            <a:off x="266833" y="5059220"/>
-            <a:ext cx="2975879" cy="847794"/>
-          </a:xfrm>
-          <a:prstGeom prst="rect">
-            <a:avLst/>
-          </a:prstGeom>
-          <a:noFill/>
-          <a:extLst>
-            <a:ext uri="{909E8E84-426E-40DD-AFC4-6F175D3DCCD1}">
-              <a14:hiddenFill xmlns:a14="http://schemas.microsoft.com/office/drawing/2010/main">
-                <a:solidFill>
-                  <a:srgbClr val="FFFFFF"/>
-                </a:solidFill>
-              </a14:hiddenFill>
-            </a:ext>
-          </a:extLst>
-        </p:spPr>
-      </p:pic>
-      <p:sp>
-        <p:nvSpPr>
-          <p:cNvPr id="20" name="TextBox 19">
-            <a:extLst>
-              <a:ext uri="{FF2B5EF4-FFF2-40B4-BE49-F238E27FC236}">
-                <a16:creationId xmlns:a16="http://schemas.microsoft.com/office/drawing/2014/main" id="{06A0FF9D-0C99-1943-9128-D852F4571DE7}"/>
-              </a:ext>
-            </a:extLst>
-          </p:cNvPr>
-          <p:cNvSpPr txBox="1"/>
-          <p:nvPr/>
-        </p:nvSpPr>
-        <p:spPr>
-          <a:xfrm>
-            <a:off x="754097" y="582922"/>
-            <a:ext cx="7393858" cy="461665"/>
-          </a:xfrm>
-          <a:prstGeom prst="rect">
-            <a:avLst/>
-          </a:prstGeom>
-          <a:noFill/>
-        </p:spPr>
-        <p:txBody>
-          <a:bodyPr wrap="square" rtlCol="0">
-            <a:spAutoFit/>
-          </a:bodyPr>
-          <a:lstStyle/>
-          <a:p>
-            <a:pPr algn="ctr"/>
-            <a:r>
-              <a:rPr lang="en-ES" sz="2400" b="1" dirty="0">
-                <a:solidFill>
-                  <a:srgbClr val="04A0D1"/>
-                </a:solidFill>
-              </a:rPr>
-              <a:t>¿Qué es Alexa?</a:t>
-            </a:r>
-            <a:endParaRPr lang="en-ES" sz="2400" dirty="0">
-              <a:solidFill>
-                <a:srgbClr val="04A0D1"/>
-              </a:solidFill>
-            </a:endParaRPr>
-          </a:p>
-        </p:txBody>
-      </p:sp>
-      <p:sp>
-        <p:nvSpPr>
-          <p:cNvPr id="22" name="Rectángulo 3">
-            <a:extLst>
-              <a:ext uri="{FF2B5EF4-FFF2-40B4-BE49-F238E27FC236}">
-                <a16:creationId xmlns:a16="http://schemas.microsoft.com/office/drawing/2014/main" id="{D7A5E678-C89C-5541-907C-7E78B5FDA2AF}"/>
-              </a:ext>
-            </a:extLst>
-          </p:cNvPr>
-          <p:cNvSpPr/>
-          <p:nvPr/>
-        </p:nvSpPr>
-        <p:spPr bwMode="auto">
-          <a:xfrm>
-            <a:off x="-8709" y="6468835"/>
-            <a:ext cx="9152709" cy="389165"/>
+            <a:off x="-8709" y="6450497"/>
+            <a:ext cx="9152709" cy="407504"/>
           </a:xfrm>
           <a:prstGeom prst="rect">
             <a:avLst/>
@@ -6798,210 +7349,10 @@
           </a:p>
         </p:txBody>
       </p:sp>
-      <p:sp>
-        <p:nvSpPr>
-          <p:cNvPr id="24" name="Título 2">
-            <a:extLst>
-              <a:ext uri="{FF2B5EF4-FFF2-40B4-BE49-F238E27FC236}">
-                <a16:creationId xmlns:a16="http://schemas.microsoft.com/office/drawing/2014/main" id="{96D83FBA-5D5A-7540-BCBC-06E15297A006}"/>
-              </a:ext>
-            </a:extLst>
-          </p:cNvPr>
-          <p:cNvSpPr txBox="1">
-            <a:spLocks/>
-          </p:cNvSpPr>
-          <p:nvPr/>
-        </p:nvSpPr>
-        <p:spPr bwMode="auto">
-          <a:xfrm>
-            <a:off x="8657731" y="6420938"/>
-            <a:ext cx="489474" cy="596226"/>
-          </a:xfrm>
-          <a:prstGeom prst="rect">
-            <a:avLst/>
-          </a:prstGeom>
-          <a:noFill/>
-          <a:ln>
-            <a:noFill/>
-          </a:ln>
-          <a:extLst>
-            <a:ext uri="{909E8E84-426E-40DD-AFC4-6F175D3DCCD1}">
-              <a14:hiddenFill xmlns:a14="http://schemas.microsoft.com/office/drawing/2010/main">
-                <a:solidFill>
-                  <a:srgbClr val="FFFFFF"/>
-                </a:solidFill>
-              </a14:hiddenFill>
-            </a:ext>
-            <a:ext uri="{91240B29-F687-4F45-9708-019B960494DF}">
-              <a14:hiddenLine xmlns:a14="http://schemas.microsoft.com/office/drawing/2010/main" w="9525">
-                <a:solidFill>
-                  <a:srgbClr val="000000"/>
-                </a:solidFill>
-                <a:miter lim="800000"/>
-                <a:headEnd/>
-                <a:tailEnd/>
-              </a14:hiddenLine>
-            </a:ext>
-          </a:extLst>
-        </p:spPr>
-        <p:txBody>
-          <a:bodyPr vert="horz" wrap="square" lIns="72000" tIns="36000" rIns="72000" bIns="36000" numCol="1" anchor="t" anchorCtr="0" compatLnSpc="1">
-            <a:prstTxWarp prst="textNoShape">
-              <a:avLst/>
-            </a:prstTxWarp>
-          </a:bodyPr>
-          <a:lstStyle>
-            <a:lvl1pPr algn="l" rtl="0" eaLnBrk="1" fontAlgn="base" hangingPunct="1">
-              <a:spcBef>
-                <a:spcPts val="300"/>
-              </a:spcBef>
-              <a:spcAft>
-                <a:spcPct val="0"/>
-              </a:spcAft>
-              <a:defRPr sz="4000" b="1" baseline="0">
-                <a:solidFill>
-                  <a:schemeClr val="tx1"/>
-                </a:solidFill>
-                <a:latin typeface="Calibri" pitchFamily="34" charset="0"/>
-                <a:ea typeface="+mj-ea"/>
-                <a:cs typeface="Calibri" pitchFamily="34" charset="0"/>
-              </a:defRPr>
-            </a:lvl1pPr>
-            <a:lvl2pPr algn="l" rtl="0" eaLnBrk="1" fontAlgn="base" hangingPunct="1">
-              <a:spcBef>
-                <a:spcPct val="0"/>
-              </a:spcBef>
-              <a:spcAft>
-                <a:spcPct val="0"/>
-              </a:spcAft>
-              <a:defRPr sz="4400">
-                <a:solidFill>
-                  <a:schemeClr val="tx1"/>
-                </a:solidFill>
-                <a:latin typeface="Arial" charset="0"/>
-              </a:defRPr>
-            </a:lvl2pPr>
-            <a:lvl3pPr algn="l" rtl="0" eaLnBrk="1" fontAlgn="base" hangingPunct="1">
-              <a:spcBef>
-                <a:spcPct val="0"/>
-              </a:spcBef>
-              <a:spcAft>
-                <a:spcPct val="0"/>
-              </a:spcAft>
-              <a:defRPr sz="4400">
-                <a:solidFill>
-                  <a:schemeClr val="tx1"/>
-                </a:solidFill>
-                <a:latin typeface="Arial" charset="0"/>
-              </a:defRPr>
-            </a:lvl3pPr>
-            <a:lvl4pPr algn="l" rtl="0" eaLnBrk="1" fontAlgn="base" hangingPunct="1">
-              <a:spcBef>
-                <a:spcPct val="0"/>
-              </a:spcBef>
-              <a:spcAft>
-                <a:spcPct val="0"/>
-              </a:spcAft>
-              <a:defRPr sz="4400">
-                <a:solidFill>
-                  <a:schemeClr val="tx1"/>
-                </a:solidFill>
-                <a:latin typeface="Arial" charset="0"/>
-              </a:defRPr>
-            </a:lvl4pPr>
-            <a:lvl5pPr algn="l" rtl="0" eaLnBrk="1" fontAlgn="base" hangingPunct="1">
-              <a:spcBef>
-                <a:spcPct val="0"/>
-              </a:spcBef>
-              <a:spcAft>
-                <a:spcPct val="0"/>
-              </a:spcAft>
-              <a:defRPr sz="4400">
-                <a:solidFill>
-                  <a:schemeClr val="tx1"/>
-                </a:solidFill>
-                <a:latin typeface="Arial" charset="0"/>
-              </a:defRPr>
-            </a:lvl5pPr>
-            <a:lvl6pPr marL="457200" algn="l" rtl="0" eaLnBrk="1" fontAlgn="base" hangingPunct="1">
-              <a:spcBef>
-                <a:spcPct val="0"/>
-              </a:spcBef>
-              <a:spcAft>
-                <a:spcPct val="0"/>
-              </a:spcAft>
-              <a:defRPr sz="4400">
-                <a:solidFill>
-                  <a:schemeClr val="tx1"/>
-                </a:solidFill>
-                <a:latin typeface="Arial" charset="0"/>
-              </a:defRPr>
-            </a:lvl6pPr>
-            <a:lvl7pPr marL="914400" algn="l" rtl="0" eaLnBrk="1" fontAlgn="base" hangingPunct="1">
-              <a:spcBef>
-                <a:spcPct val="0"/>
-              </a:spcBef>
-              <a:spcAft>
-                <a:spcPct val="0"/>
-              </a:spcAft>
-              <a:defRPr sz="4400">
-                <a:solidFill>
-                  <a:schemeClr val="tx1"/>
-                </a:solidFill>
-                <a:latin typeface="Arial" charset="0"/>
-              </a:defRPr>
-            </a:lvl7pPr>
-            <a:lvl8pPr marL="1371600" algn="l" rtl="0" eaLnBrk="1" fontAlgn="base" hangingPunct="1">
-              <a:spcBef>
-                <a:spcPct val="0"/>
-              </a:spcBef>
-              <a:spcAft>
-                <a:spcPct val="0"/>
-              </a:spcAft>
-              <a:defRPr sz="4400">
-                <a:solidFill>
-                  <a:schemeClr val="tx1"/>
-                </a:solidFill>
-                <a:latin typeface="Arial" charset="0"/>
-              </a:defRPr>
-            </a:lvl8pPr>
-            <a:lvl9pPr marL="1828800" algn="l" rtl="0" eaLnBrk="1" fontAlgn="base" hangingPunct="1">
-              <a:spcBef>
-                <a:spcPct val="0"/>
-              </a:spcBef>
-              <a:spcAft>
-                <a:spcPct val="0"/>
-              </a:spcAft>
-              <a:defRPr sz="4400">
-                <a:solidFill>
-                  <a:schemeClr val="tx1"/>
-                </a:solidFill>
-                <a:latin typeface="Arial" charset="0"/>
-              </a:defRPr>
-            </a:lvl9pPr>
-          </a:lstStyle>
-          <a:p>
-            <a:pPr algn="ctr"/>
-            <a:r>
-              <a:rPr lang="es-ES" sz="2800" kern="0" dirty="0">
-                <a:solidFill>
-                  <a:schemeClr val="bg1"/>
-                </a:solidFill>
-              </a:rPr>
-              <a:t>1</a:t>
-            </a:r>
-            <a:endParaRPr lang="es-ES" kern="0" dirty="0">
-              <a:solidFill>
-                <a:schemeClr val="bg1"/>
-              </a:solidFill>
-            </a:endParaRPr>
-          </a:p>
-        </p:txBody>
-      </p:sp>
     </p:spTree>
     <p:extLst>
       <p:ext uri="{BB962C8B-B14F-4D97-AF65-F5344CB8AC3E}">
-        <p14:creationId xmlns:p14="http://schemas.microsoft.com/office/powerpoint/2010/main" val="400029553"/>
+        <p14:creationId xmlns:p14="http://schemas.microsoft.com/office/powerpoint/2010/main" val="1470215049"/>
       </p:ext>
     </p:extLst>
   </p:cSld>
@@ -7031,10 +7382,10 @@
       </p:grpSpPr>
       <p:sp>
         <p:nvSpPr>
-          <p:cNvPr id="6" name="Rectángulo 5">
+          <p:cNvPr id="10" name="Rectángulo 9">
             <a:extLst>
               <a:ext uri="{FF2B5EF4-FFF2-40B4-BE49-F238E27FC236}">
-                <a16:creationId xmlns:a16="http://schemas.microsoft.com/office/drawing/2014/main" id="{160B991A-7491-7642-9ECB-16720472F0B7}"/>
+                <a16:creationId xmlns:a16="http://schemas.microsoft.com/office/drawing/2014/main" id="{B0D1FBB7-E132-48A3-9874-C3548AC82486}"/>
               </a:ext>
             </a:extLst>
           </p:cNvPr>
@@ -7043,18 +7394,363 @@
         </p:nvSpPr>
         <p:spPr bwMode="auto">
           <a:xfrm>
-            <a:off x="0" y="6523980"/>
-            <a:ext cx="5143499" cy="309154"/>
+            <a:off x="3709181" y="5752547"/>
+            <a:ext cx="1725638" cy="309154"/>
           </a:xfrm>
           <a:prstGeom prst="rect">
             <a:avLst/>
           </a:prstGeom>
           <a:solidFill>
-            <a:srgbClr val="B10C38"/>
+            <a:schemeClr val="bg1"/>
           </a:solidFill>
           <a:ln w="9525" cap="flat" cmpd="sng" algn="ctr">
             <a:solidFill>
-              <a:srgbClr val="B10C38"/>
+              <a:schemeClr val="bg1"/>
+            </a:solidFill>
+            <a:prstDash val="solid"/>
+            <a:round/>
+            <a:headEnd type="none" w="med" len="med"/>
+            <a:tailEnd type="none" w="med" len="med"/>
+          </a:ln>
+          <a:effectLst/>
+        </p:spPr>
+        <p:txBody>
+          <a:bodyPr vert="horz" wrap="square" lIns="91440" tIns="45720" rIns="91440" bIns="45720" numCol="1" rtlCol="0" anchor="t" anchorCtr="0" compatLnSpc="1">
+            <a:prstTxWarp prst="textNoShape">
+              <a:avLst/>
+            </a:prstTxWarp>
+          </a:bodyPr>
+          <a:lstStyle/>
+          <a:p>
+            <a:pPr marL="0" marR="0" indent="0" algn="r" defTabSz="914400" rtl="0" eaLnBrk="1" fontAlgn="base" latinLnBrk="0" hangingPunct="1">
+              <a:lnSpc>
+                <a:spcPct val="100000"/>
+              </a:lnSpc>
+              <a:spcBef>
+                <a:spcPct val="0"/>
+              </a:spcBef>
+              <a:spcAft>
+                <a:spcPct val="0"/>
+              </a:spcAft>
+              <a:buClrTx/>
+              <a:buSzTx/>
+              <a:buFontTx/>
+              <a:buNone/>
+              <a:tabLst/>
+            </a:pPr>
+            <a:endParaRPr kumimoji="0" lang="es-ES" sz="1800" b="0" i="0" u="none" strike="noStrike" cap="none" normalizeH="0" baseline="0">
+              <a:ln>
+                <a:noFill/>
+              </a:ln>
+              <a:solidFill>
+                <a:schemeClr val="tx1"/>
+              </a:solidFill>
+              <a:effectLst/>
+              <a:latin typeface="Arial" charset="0"/>
+            </a:endParaRPr>
+          </a:p>
+        </p:txBody>
+      </p:sp>
+      <p:pic>
+        <p:nvPicPr>
+          <p:cNvPr id="2050" name="Picture 2" descr="Altavoz Inteligente Amazon Echo Dot 3 con Alexa">
+            <a:extLst>
+              <a:ext uri="{FF2B5EF4-FFF2-40B4-BE49-F238E27FC236}">
+                <a16:creationId xmlns:a16="http://schemas.microsoft.com/office/drawing/2014/main" id="{08340EC8-813A-1846-ADBE-578988FB2D45}"/>
+              </a:ext>
+            </a:extLst>
+          </p:cNvPr>
+          <p:cNvPicPr>
+            <a:picLocks noChangeAspect="1" noChangeArrowheads="1"/>
+          </p:cNvPicPr>
+          <p:nvPr/>
+        </p:nvPicPr>
+        <p:blipFill>
+          <a:blip r:embed="rId3">
+            <a:extLst>
+              <a:ext uri="{28A0092B-C50C-407E-A947-70E740481C1C}">
+                <a14:useLocalDpi xmlns:a14="http://schemas.microsoft.com/office/drawing/2010/main" val="0"/>
+              </a:ext>
+            </a:extLst>
+          </a:blip>
+          <a:srcRect/>
+          <a:stretch>
+            <a:fillRect/>
+          </a:stretch>
+        </p:blipFill>
+        <p:spPr bwMode="auto">
+          <a:xfrm>
+            <a:off x="3242712" y="2220686"/>
+            <a:ext cx="2416628" cy="2416628"/>
+          </a:xfrm>
+          <a:prstGeom prst="rect">
+            <a:avLst/>
+          </a:prstGeom>
+          <a:noFill/>
+          <a:extLst>
+            <a:ext uri="{909E8E84-426E-40DD-AFC4-6F175D3DCCD1}">
+              <a14:hiddenFill xmlns:a14="http://schemas.microsoft.com/office/drawing/2010/main">
+                <a:solidFill>
+                  <a:srgbClr val="FFFFFF"/>
+                </a:solidFill>
+              </a14:hiddenFill>
+            </a:ext>
+          </a:extLst>
+        </p:spPr>
+      </p:pic>
+      <p:pic>
+        <p:nvPicPr>
+          <p:cNvPr id="2052" name="Picture 4" descr="Comprar Asistente Smart Home Amazon Echo Show 8 Negro Charcoal - PowerPlanet">
+            <a:extLst>
+              <a:ext uri="{FF2B5EF4-FFF2-40B4-BE49-F238E27FC236}">
+                <a16:creationId xmlns:a16="http://schemas.microsoft.com/office/drawing/2014/main" id="{E85F1073-4512-F444-A0CC-0D59EC1C6F2E}"/>
+              </a:ext>
+            </a:extLst>
+          </p:cNvPr>
+          <p:cNvPicPr>
+            <a:picLocks noChangeAspect="1" noChangeArrowheads="1"/>
+          </p:cNvPicPr>
+          <p:nvPr/>
+        </p:nvPicPr>
+        <p:blipFill>
+          <a:blip r:embed="rId4">
+            <a:extLst>
+              <a:ext uri="{28A0092B-C50C-407E-A947-70E740481C1C}">
+                <a14:useLocalDpi xmlns:a14="http://schemas.microsoft.com/office/drawing/2010/main" val="0"/>
+              </a:ext>
+            </a:extLst>
+          </a:blip>
+          <a:srcRect/>
+          <a:stretch>
+            <a:fillRect/>
+          </a:stretch>
+        </p:blipFill>
+        <p:spPr bwMode="auto">
+          <a:xfrm>
+            <a:off x="6630811" y="1425855"/>
+            <a:ext cx="2026920" cy="2026920"/>
+          </a:xfrm>
+          <a:prstGeom prst="rect">
+            <a:avLst/>
+          </a:prstGeom>
+          <a:noFill/>
+          <a:extLst>
+            <a:ext uri="{909E8E84-426E-40DD-AFC4-6F175D3DCCD1}">
+              <a14:hiddenFill xmlns:a14="http://schemas.microsoft.com/office/drawing/2010/main">
+                <a:solidFill>
+                  <a:srgbClr val="FFFFFF"/>
+                </a:solidFill>
+              </a14:hiddenFill>
+            </a:ext>
+          </a:extLst>
+        </p:spPr>
+      </p:pic>
+      <p:pic>
+        <p:nvPicPr>
+          <p:cNvPr id="2054" name="Picture 6" descr="Amazon añade función de manos libres a Alexa para móviles iOS y Android |  Doctor Tecno | La Revista | El Universo">
+            <a:extLst>
+              <a:ext uri="{FF2B5EF4-FFF2-40B4-BE49-F238E27FC236}">
+                <a16:creationId xmlns:a16="http://schemas.microsoft.com/office/drawing/2014/main" id="{13A33C53-6586-924F-85E7-B20E67D9A01D}"/>
+              </a:ext>
+            </a:extLst>
+          </p:cNvPr>
+          <p:cNvPicPr>
+            <a:picLocks noChangeAspect="1" noChangeArrowheads="1"/>
+          </p:cNvPicPr>
+          <p:nvPr/>
+        </p:nvPicPr>
+        <p:blipFill rotWithShape="1">
+          <a:blip r:embed="rId5">
+            <a:extLst>
+              <a:ext uri="{28A0092B-C50C-407E-A947-70E740481C1C}">
+                <a14:useLocalDpi xmlns:a14="http://schemas.microsoft.com/office/drawing/2010/main" val="0"/>
+              </a:ext>
+            </a:extLst>
+          </a:blip>
+          <a:srcRect l="22512" r="21238"/>
+          <a:stretch/>
+        </p:blipFill>
+        <p:spPr bwMode="auto">
+          <a:xfrm>
+            <a:off x="6397786" y="4012750"/>
+            <a:ext cx="2492970" cy="2215973"/>
+          </a:xfrm>
+          <a:prstGeom prst="rect">
+            <a:avLst/>
+          </a:prstGeom>
+          <a:noFill/>
+          <a:extLst>
+            <a:ext uri="{909E8E84-426E-40DD-AFC4-6F175D3DCCD1}">
+              <a14:hiddenFill xmlns:a14="http://schemas.microsoft.com/office/drawing/2010/main">
+                <a:solidFill>
+                  <a:srgbClr val="FFFFFF"/>
+                </a:solidFill>
+              </a14:hiddenFill>
+            </a:ext>
+          </a:extLst>
+        </p:spPr>
+      </p:pic>
+      <p:pic>
+        <p:nvPicPr>
+          <p:cNvPr id="2058" name="Picture 10" descr="Dispositivo Amazon Fire Tv stick 3era gen, con control">
+            <a:extLst>
+              <a:ext uri="{FF2B5EF4-FFF2-40B4-BE49-F238E27FC236}">
+                <a16:creationId xmlns:a16="http://schemas.microsoft.com/office/drawing/2014/main" id="{FE2B6C73-C6A7-8B46-BE68-F25B1EBB86B3}"/>
+              </a:ext>
+            </a:extLst>
+          </p:cNvPr>
+          <p:cNvPicPr>
+            <a:picLocks noChangeAspect="1" noChangeArrowheads="1"/>
+          </p:cNvPicPr>
+          <p:nvPr/>
+        </p:nvPicPr>
+        <p:blipFill rotWithShape="1">
+          <a:blip r:embed="rId6">
+            <a:extLst>
+              <a:ext uri="{28A0092B-C50C-407E-A947-70E740481C1C}">
+                <a14:useLocalDpi xmlns:a14="http://schemas.microsoft.com/office/drawing/2010/main" val="0"/>
+              </a:ext>
+            </a:extLst>
+          </a:blip>
+          <a:srcRect l="46757"/>
+          <a:stretch/>
+        </p:blipFill>
+        <p:spPr bwMode="auto">
+          <a:xfrm>
+            <a:off x="1251052" y="1506866"/>
+            <a:ext cx="1286691" cy="2416629"/>
+          </a:xfrm>
+          <a:prstGeom prst="rect">
+            <a:avLst/>
+          </a:prstGeom>
+          <a:noFill/>
+          <a:extLst>
+            <a:ext uri="{909E8E84-426E-40DD-AFC4-6F175D3DCCD1}">
+              <a14:hiddenFill xmlns:a14="http://schemas.microsoft.com/office/drawing/2010/main">
+                <a:solidFill>
+                  <a:srgbClr val="FFFFFF"/>
+                </a:solidFill>
+              </a14:hiddenFill>
+            </a:ext>
+          </a:extLst>
+        </p:spPr>
+      </p:pic>
+      <p:pic>
+        <p:nvPicPr>
+          <p:cNvPr id="2064" name="Picture 16" descr="He salido a conducir con el Echo Auto: así funciona Alexa en el coche -  Showroom">
+            <a:extLst>
+              <a:ext uri="{FF2B5EF4-FFF2-40B4-BE49-F238E27FC236}">
+                <a16:creationId xmlns:a16="http://schemas.microsoft.com/office/drawing/2014/main" id="{D78FBB2C-D75C-EE45-9EA3-FF9C03D64E43}"/>
+              </a:ext>
+            </a:extLst>
+          </p:cNvPr>
+          <p:cNvPicPr>
+            <a:picLocks noChangeAspect="1" noChangeArrowheads="1"/>
+          </p:cNvPicPr>
+          <p:nvPr/>
+        </p:nvPicPr>
+        <p:blipFill rotWithShape="1">
+          <a:blip r:embed="rId7">
+            <a:extLst>
+              <a:ext uri="{28A0092B-C50C-407E-A947-70E740481C1C}">
+                <a14:useLocalDpi xmlns:a14="http://schemas.microsoft.com/office/drawing/2010/main" val="0"/>
+              </a:ext>
+            </a:extLst>
+          </a:blip>
+          <a:srcRect t="24322" b="25162"/>
+          <a:stretch/>
+        </p:blipFill>
+        <p:spPr bwMode="auto">
+          <a:xfrm>
+            <a:off x="266833" y="5059220"/>
+            <a:ext cx="2975879" cy="847794"/>
+          </a:xfrm>
+          <a:prstGeom prst="rect">
+            <a:avLst/>
+          </a:prstGeom>
+          <a:noFill/>
+          <a:extLst>
+            <a:ext uri="{909E8E84-426E-40DD-AFC4-6F175D3DCCD1}">
+              <a14:hiddenFill xmlns:a14="http://schemas.microsoft.com/office/drawing/2010/main">
+                <a:solidFill>
+                  <a:srgbClr val="FFFFFF"/>
+                </a:solidFill>
+              </a14:hiddenFill>
+            </a:ext>
+          </a:extLst>
+        </p:spPr>
+      </p:pic>
+      <p:sp>
+        <p:nvSpPr>
+          <p:cNvPr id="20" name="TextBox 19">
+            <a:extLst>
+              <a:ext uri="{FF2B5EF4-FFF2-40B4-BE49-F238E27FC236}">
+                <a16:creationId xmlns:a16="http://schemas.microsoft.com/office/drawing/2014/main" id="{06A0FF9D-0C99-1943-9128-D852F4571DE7}"/>
+              </a:ext>
+            </a:extLst>
+          </p:cNvPr>
+          <p:cNvSpPr txBox="1"/>
+          <p:nvPr/>
+        </p:nvSpPr>
+        <p:spPr>
+          <a:xfrm>
+            <a:off x="754097" y="582922"/>
+            <a:ext cx="7393858" cy="461665"/>
+          </a:xfrm>
+          <a:prstGeom prst="rect">
+            <a:avLst/>
+          </a:prstGeom>
+          <a:noFill/>
+        </p:spPr>
+        <p:txBody>
+          <a:bodyPr wrap="square" rtlCol="0">
+            <a:spAutoFit/>
+          </a:bodyPr>
+          <a:lstStyle/>
+          <a:p>
+            <a:pPr algn="ctr"/>
+            <a:r>
+              <a:rPr lang="en-ES" sz="2400" b="1" dirty="0">
+                <a:solidFill>
+                  <a:srgbClr val="04A0D1"/>
+                </a:solidFill>
+              </a:rPr>
+              <a:t>¿Qué es Alexa?</a:t>
+            </a:r>
+            <a:endParaRPr lang="en-ES" sz="2400" dirty="0">
+              <a:solidFill>
+                <a:srgbClr val="04A0D1"/>
+              </a:solidFill>
+            </a:endParaRPr>
+          </a:p>
+        </p:txBody>
+      </p:sp>
+      <p:sp>
+        <p:nvSpPr>
+          <p:cNvPr id="22" name="Rectángulo 3">
+            <a:extLst>
+              <a:ext uri="{FF2B5EF4-FFF2-40B4-BE49-F238E27FC236}">
+                <a16:creationId xmlns:a16="http://schemas.microsoft.com/office/drawing/2014/main" id="{D7A5E678-C89C-5541-907C-7E78B5FDA2AF}"/>
+              </a:ext>
+            </a:extLst>
+          </p:cNvPr>
+          <p:cNvSpPr/>
+          <p:nvPr/>
+        </p:nvSpPr>
+        <p:spPr bwMode="auto">
+          <a:xfrm>
+            <a:off x="-8709" y="6468835"/>
+            <a:ext cx="9152709" cy="389165"/>
+          </a:xfrm>
+          <a:prstGeom prst="rect">
+            <a:avLst/>
+          </a:prstGeom>
+          <a:solidFill>
+            <a:srgbClr val="04A0D1"/>
+          </a:solidFill>
+          <a:ln w="9525" cap="flat" cmpd="sng" algn="ctr">
+            <a:solidFill>
+              <a:srgbClr val="04A0D1"/>
             </a:solidFill>
             <a:prstDash val="solid"/>
             <a:round/>
@@ -7102,514 +7798,10 @@
       </p:sp>
       <p:sp>
         <p:nvSpPr>
-          <p:cNvPr id="10" name="Rectángulo 9">
+          <p:cNvPr id="24" name="Título 2">
             <a:extLst>
               <a:ext uri="{FF2B5EF4-FFF2-40B4-BE49-F238E27FC236}">
-                <a16:creationId xmlns:a16="http://schemas.microsoft.com/office/drawing/2014/main" id="{B0D1FBB7-E132-48A3-9874-C3548AC82486}"/>
-              </a:ext>
-            </a:extLst>
-          </p:cNvPr>
-          <p:cNvSpPr/>
-          <p:nvPr/>
-        </p:nvSpPr>
-        <p:spPr bwMode="auto">
-          <a:xfrm>
-            <a:off x="3709181" y="5752547"/>
-            <a:ext cx="1725638" cy="309154"/>
-          </a:xfrm>
-          <a:prstGeom prst="rect">
-            <a:avLst/>
-          </a:prstGeom>
-          <a:solidFill>
-            <a:schemeClr val="bg1"/>
-          </a:solidFill>
-          <a:ln w="9525" cap="flat" cmpd="sng" algn="ctr">
-            <a:solidFill>
-              <a:schemeClr val="bg1"/>
-            </a:solidFill>
-            <a:prstDash val="solid"/>
-            <a:round/>
-            <a:headEnd type="none" w="med" len="med"/>
-            <a:tailEnd type="none" w="med" len="med"/>
-          </a:ln>
-          <a:effectLst/>
-        </p:spPr>
-        <p:txBody>
-          <a:bodyPr vert="horz" wrap="square" lIns="91440" tIns="45720" rIns="91440" bIns="45720" numCol="1" rtlCol="0" anchor="t" anchorCtr="0" compatLnSpc="1">
-            <a:prstTxWarp prst="textNoShape">
-              <a:avLst/>
-            </a:prstTxWarp>
-          </a:bodyPr>
-          <a:lstStyle/>
-          <a:p>
-            <a:pPr marL="0" marR="0" indent="0" algn="r" defTabSz="914400" rtl="0" eaLnBrk="1" fontAlgn="base" latinLnBrk="0" hangingPunct="1">
-              <a:lnSpc>
-                <a:spcPct val="100000"/>
-              </a:lnSpc>
-              <a:spcBef>
-                <a:spcPct val="0"/>
-              </a:spcBef>
-              <a:spcAft>
-                <a:spcPct val="0"/>
-              </a:spcAft>
-              <a:buClrTx/>
-              <a:buSzTx/>
-              <a:buFontTx/>
-              <a:buNone/>
-              <a:tabLst/>
-            </a:pPr>
-            <a:endParaRPr kumimoji="0" lang="es-ES" sz="1800" b="0" i="0" u="none" strike="noStrike" cap="none" normalizeH="0" baseline="0">
-              <a:ln>
-                <a:noFill/>
-              </a:ln>
-              <a:solidFill>
-                <a:schemeClr val="tx1"/>
-              </a:solidFill>
-              <a:effectLst/>
-              <a:latin typeface="Arial" charset="0"/>
-            </a:endParaRPr>
-          </a:p>
-        </p:txBody>
-      </p:sp>
-      <p:pic>
-        <p:nvPicPr>
-          <p:cNvPr id="3078" name="Picture 6">
-            <a:extLst>
-              <a:ext uri="{FF2B5EF4-FFF2-40B4-BE49-F238E27FC236}">
-                <a16:creationId xmlns:a16="http://schemas.microsoft.com/office/drawing/2014/main" id="{06FCBB42-3F5B-244A-B61A-BCB5BEF84846}"/>
-              </a:ext>
-            </a:extLst>
-          </p:cNvPr>
-          <p:cNvPicPr>
-            <a:picLocks noChangeAspect="1" noChangeArrowheads="1"/>
-          </p:cNvPicPr>
-          <p:nvPr/>
-        </p:nvPicPr>
-        <p:blipFill>
-          <a:blip r:embed="rId3">
-            <a:extLst>
-              <a:ext uri="{28A0092B-C50C-407E-A947-70E740481C1C}">
-                <a14:useLocalDpi xmlns:a14="http://schemas.microsoft.com/office/drawing/2010/main" val="0"/>
-              </a:ext>
-            </a:extLst>
-          </a:blip>
-          <a:srcRect/>
-          <a:stretch>
-            <a:fillRect/>
-          </a:stretch>
-        </p:blipFill>
-        <p:spPr bwMode="auto">
-          <a:xfrm>
-            <a:off x="0" y="627099"/>
-            <a:ext cx="9144000" cy="5280025"/>
-          </a:xfrm>
-          <a:prstGeom prst="rect">
-            <a:avLst/>
-          </a:prstGeom>
-          <a:noFill/>
-          <a:extLst>
-            <a:ext uri="{909E8E84-426E-40DD-AFC4-6F175D3DCCD1}">
-              <a14:hiddenFill xmlns:a14="http://schemas.microsoft.com/office/drawing/2010/main">
-                <a:solidFill>
-                  <a:srgbClr val="FFFFFF"/>
-                </a:solidFill>
-              </a14:hiddenFill>
-            </a:ext>
-          </a:extLst>
-        </p:spPr>
-      </p:pic>
-      <p:pic>
-        <p:nvPicPr>
-          <p:cNvPr id="13" name="Picture 6">
-            <a:extLst>
-              <a:ext uri="{FF2B5EF4-FFF2-40B4-BE49-F238E27FC236}">
-                <a16:creationId xmlns:a16="http://schemas.microsoft.com/office/drawing/2014/main" id="{4CE26B16-53B5-8B46-800E-826BB33C7285}"/>
-              </a:ext>
-            </a:extLst>
-          </p:cNvPr>
-          <p:cNvPicPr>
-            <a:picLocks noChangeAspect="1" noChangeArrowheads="1"/>
-          </p:cNvPicPr>
-          <p:nvPr/>
-        </p:nvPicPr>
-        <p:blipFill rotWithShape="1">
-          <a:blip r:embed="rId3">
-            <a:extLst>
-              <a:ext uri="{28A0092B-C50C-407E-A947-70E740481C1C}">
-                <a14:useLocalDpi xmlns:a14="http://schemas.microsoft.com/office/drawing/2010/main" val="0"/>
-              </a:ext>
-            </a:extLst>
-          </a:blip>
-          <a:srcRect b="93868"/>
-          <a:stretch/>
-        </p:blipFill>
-        <p:spPr bwMode="auto">
-          <a:xfrm>
-            <a:off x="0" y="394145"/>
-            <a:ext cx="9144000" cy="323777"/>
-          </a:xfrm>
-          <a:prstGeom prst="rect">
-            <a:avLst/>
-          </a:prstGeom>
-          <a:noFill/>
-          <a:extLst>
-            <a:ext uri="{909E8E84-426E-40DD-AFC4-6F175D3DCCD1}">
-              <a14:hiddenFill xmlns:a14="http://schemas.microsoft.com/office/drawing/2010/main">
-                <a:solidFill>
-                  <a:srgbClr val="FFFFFF"/>
-                </a:solidFill>
-              </a14:hiddenFill>
-            </a:ext>
-          </a:extLst>
-        </p:spPr>
-      </p:pic>
-      <p:pic>
-        <p:nvPicPr>
-          <p:cNvPr id="14" name="Picture 6">
-            <a:extLst>
-              <a:ext uri="{FF2B5EF4-FFF2-40B4-BE49-F238E27FC236}">
-                <a16:creationId xmlns:a16="http://schemas.microsoft.com/office/drawing/2014/main" id="{C3CC6EAB-6E81-D849-B8EC-03FAAB884B81}"/>
-              </a:ext>
-            </a:extLst>
-          </p:cNvPr>
-          <p:cNvPicPr>
-            <a:picLocks noChangeAspect="1" noChangeArrowheads="1"/>
-          </p:cNvPicPr>
-          <p:nvPr/>
-        </p:nvPicPr>
-        <p:blipFill rotWithShape="1">
-          <a:blip r:embed="rId3">
-            <a:extLst>
-              <a:ext uri="{28A0092B-C50C-407E-A947-70E740481C1C}">
-                <a14:useLocalDpi xmlns:a14="http://schemas.microsoft.com/office/drawing/2010/main" val="0"/>
-              </a:ext>
-            </a:extLst>
-          </a:blip>
-          <a:srcRect b="93868"/>
-          <a:stretch/>
-        </p:blipFill>
-        <p:spPr bwMode="auto">
-          <a:xfrm>
-            <a:off x="0" y="74187"/>
-            <a:ext cx="9144000" cy="323777"/>
-          </a:xfrm>
-          <a:prstGeom prst="rect">
-            <a:avLst/>
-          </a:prstGeom>
-          <a:noFill/>
-          <a:extLst>
-            <a:ext uri="{909E8E84-426E-40DD-AFC4-6F175D3DCCD1}">
-              <a14:hiddenFill xmlns:a14="http://schemas.microsoft.com/office/drawing/2010/main">
-                <a:solidFill>
-                  <a:srgbClr val="FFFFFF"/>
-                </a:solidFill>
-              </a14:hiddenFill>
-            </a:ext>
-          </a:extLst>
-        </p:spPr>
-      </p:pic>
-      <p:pic>
-        <p:nvPicPr>
-          <p:cNvPr id="15" name="Picture 6">
-            <a:extLst>
-              <a:ext uri="{FF2B5EF4-FFF2-40B4-BE49-F238E27FC236}">
-                <a16:creationId xmlns:a16="http://schemas.microsoft.com/office/drawing/2014/main" id="{FB26C0E4-5AE1-EE49-92B6-5E9AC062B914}"/>
-              </a:ext>
-            </a:extLst>
-          </p:cNvPr>
-          <p:cNvPicPr>
-            <a:picLocks noChangeAspect="1" noChangeArrowheads="1"/>
-          </p:cNvPicPr>
-          <p:nvPr/>
-        </p:nvPicPr>
-        <p:blipFill rotWithShape="1">
-          <a:blip r:embed="rId3">
-            <a:extLst>
-              <a:ext uri="{28A0092B-C50C-407E-A947-70E740481C1C}">
-                <a14:useLocalDpi xmlns:a14="http://schemas.microsoft.com/office/drawing/2010/main" val="0"/>
-              </a:ext>
-            </a:extLst>
-          </a:blip>
-          <a:srcRect b="93868"/>
-          <a:stretch/>
-        </p:blipFill>
-        <p:spPr bwMode="auto">
-          <a:xfrm>
-            <a:off x="5442" y="-10413"/>
-            <a:ext cx="9144000" cy="323777"/>
-          </a:xfrm>
-          <a:prstGeom prst="rect">
-            <a:avLst/>
-          </a:prstGeom>
-          <a:noFill/>
-          <a:extLst>
-            <a:ext uri="{909E8E84-426E-40DD-AFC4-6F175D3DCCD1}">
-              <a14:hiddenFill xmlns:a14="http://schemas.microsoft.com/office/drawing/2010/main">
-                <a:solidFill>
-                  <a:srgbClr val="FFFFFF"/>
-                </a:solidFill>
-              </a14:hiddenFill>
-            </a:ext>
-          </a:extLst>
-        </p:spPr>
-      </p:pic>
-      <p:pic>
-        <p:nvPicPr>
-          <p:cNvPr id="16" name="Picture 6">
-            <a:extLst>
-              <a:ext uri="{FF2B5EF4-FFF2-40B4-BE49-F238E27FC236}">
-                <a16:creationId xmlns:a16="http://schemas.microsoft.com/office/drawing/2014/main" id="{D9F75605-45CC-C745-A56A-AB98244E7506}"/>
-              </a:ext>
-            </a:extLst>
-          </p:cNvPr>
-          <p:cNvPicPr>
-            <a:picLocks noChangeAspect="1" noChangeArrowheads="1"/>
-          </p:cNvPicPr>
-          <p:nvPr/>
-        </p:nvPicPr>
-        <p:blipFill rotWithShape="1">
-          <a:blip r:embed="rId3">
-            <a:extLst>
-              <a:ext uri="{28A0092B-C50C-407E-A947-70E740481C1C}">
-                <a14:useLocalDpi xmlns:a14="http://schemas.microsoft.com/office/drawing/2010/main" val="0"/>
-              </a:ext>
-            </a:extLst>
-          </a:blip>
-          <a:srcRect b="93868"/>
-          <a:stretch/>
-        </p:blipFill>
-        <p:spPr bwMode="auto">
-          <a:xfrm>
-            <a:off x="0" y="5839007"/>
-            <a:ext cx="9144000" cy="323777"/>
-          </a:xfrm>
-          <a:prstGeom prst="rect">
-            <a:avLst/>
-          </a:prstGeom>
-          <a:noFill/>
-          <a:extLst>
-            <a:ext uri="{909E8E84-426E-40DD-AFC4-6F175D3DCCD1}">
-              <a14:hiddenFill xmlns:a14="http://schemas.microsoft.com/office/drawing/2010/main">
-                <a:solidFill>
-                  <a:srgbClr val="FFFFFF"/>
-                </a:solidFill>
-              </a14:hiddenFill>
-            </a:ext>
-          </a:extLst>
-        </p:spPr>
-      </p:pic>
-      <p:pic>
-        <p:nvPicPr>
-          <p:cNvPr id="17" name="Picture 6">
-            <a:extLst>
-              <a:ext uri="{FF2B5EF4-FFF2-40B4-BE49-F238E27FC236}">
-                <a16:creationId xmlns:a16="http://schemas.microsoft.com/office/drawing/2014/main" id="{B23268CD-9ED3-4947-9D86-387A4887FE41}"/>
-              </a:ext>
-            </a:extLst>
-          </p:cNvPr>
-          <p:cNvPicPr>
-            <a:picLocks noChangeAspect="1" noChangeArrowheads="1"/>
-          </p:cNvPicPr>
-          <p:nvPr/>
-        </p:nvPicPr>
-        <p:blipFill rotWithShape="1">
-          <a:blip r:embed="rId3">
-            <a:extLst>
-              <a:ext uri="{28A0092B-C50C-407E-A947-70E740481C1C}">
-                <a14:useLocalDpi xmlns:a14="http://schemas.microsoft.com/office/drawing/2010/main" val="0"/>
-              </a:ext>
-            </a:extLst>
-          </a:blip>
-          <a:srcRect b="93868"/>
-          <a:stretch/>
-        </p:blipFill>
-        <p:spPr bwMode="auto">
-          <a:xfrm>
-            <a:off x="0" y="6140078"/>
-            <a:ext cx="9144000" cy="323777"/>
-          </a:xfrm>
-          <a:prstGeom prst="rect">
-            <a:avLst/>
-          </a:prstGeom>
-          <a:noFill/>
-          <a:extLst>
-            <a:ext uri="{909E8E84-426E-40DD-AFC4-6F175D3DCCD1}">
-              <a14:hiddenFill xmlns:a14="http://schemas.microsoft.com/office/drawing/2010/main">
-                <a:solidFill>
-                  <a:srgbClr val="FFFFFF"/>
-                </a:solidFill>
-              </a14:hiddenFill>
-            </a:ext>
-          </a:extLst>
-        </p:spPr>
-      </p:pic>
-      <p:pic>
-        <p:nvPicPr>
-          <p:cNvPr id="18" name="Picture 6">
-            <a:extLst>
-              <a:ext uri="{FF2B5EF4-FFF2-40B4-BE49-F238E27FC236}">
-                <a16:creationId xmlns:a16="http://schemas.microsoft.com/office/drawing/2014/main" id="{6AC48B6A-59B7-9E42-B2C8-6113470B9B2C}"/>
-              </a:ext>
-            </a:extLst>
-          </p:cNvPr>
-          <p:cNvPicPr>
-            <a:picLocks noChangeAspect="1" noChangeArrowheads="1"/>
-          </p:cNvPicPr>
-          <p:nvPr/>
-        </p:nvPicPr>
-        <p:blipFill rotWithShape="1">
-          <a:blip r:embed="rId3">
-            <a:extLst>
-              <a:ext uri="{28A0092B-C50C-407E-A947-70E740481C1C}">
-                <a14:useLocalDpi xmlns:a14="http://schemas.microsoft.com/office/drawing/2010/main" val="0"/>
-              </a:ext>
-            </a:extLst>
-          </a:blip>
-          <a:srcRect b="93868"/>
-          <a:stretch/>
-        </p:blipFill>
-        <p:spPr bwMode="auto">
-          <a:xfrm>
-            <a:off x="0" y="6185490"/>
-            <a:ext cx="9144000" cy="323777"/>
-          </a:xfrm>
-          <a:prstGeom prst="rect">
-            <a:avLst/>
-          </a:prstGeom>
-          <a:noFill/>
-          <a:extLst>
-            <a:ext uri="{909E8E84-426E-40DD-AFC4-6F175D3DCCD1}">
-              <a14:hiddenFill xmlns:a14="http://schemas.microsoft.com/office/drawing/2010/main">
-                <a:solidFill>
-                  <a:srgbClr val="FFFFFF"/>
-                </a:solidFill>
-              </a14:hiddenFill>
-            </a:ext>
-          </a:extLst>
-        </p:spPr>
-      </p:pic>
-      <p:pic>
-        <p:nvPicPr>
-          <p:cNvPr id="21" name="Picture 6">
-            <a:extLst>
-              <a:ext uri="{FF2B5EF4-FFF2-40B4-BE49-F238E27FC236}">
-                <a16:creationId xmlns:a16="http://schemas.microsoft.com/office/drawing/2014/main" id="{3FA703D4-F576-F941-9A3A-2CD0AFEF7BD5}"/>
-              </a:ext>
-            </a:extLst>
-          </p:cNvPr>
-          <p:cNvPicPr>
-            <a:picLocks noChangeAspect="1" noChangeArrowheads="1"/>
-          </p:cNvPicPr>
-          <p:nvPr/>
-        </p:nvPicPr>
-        <p:blipFill rotWithShape="1">
-          <a:blip r:embed="rId3">
-            <a:extLst>
-              <a:ext uri="{28A0092B-C50C-407E-A947-70E740481C1C}">
-                <a14:useLocalDpi xmlns:a14="http://schemas.microsoft.com/office/drawing/2010/main" val="0"/>
-              </a:ext>
-            </a:extLst>
-          </a:blip>
-          <a:srcRect l="9689" t="77164" r="78406" b="1559"/>
-          <a:stretch/>
-        </p:blipFill>
-        <p:spPr bwMode="auto">
-          <a:xfrm>
-            <a:off x="8055429" y="4704248"/>
-            <a:ext cx="1088571" cy="1123406"/>
-          </a:xfrm>
-          <a:prstGeom prst="rect">
-            <a:avLst/>
-          </a:prstGeom>
-          <a:noFill/>
-          <a:extLst>
-            <a:ext uri="{909E8E84-426E-40DD-AFC4-6F175D3DCCD1}">
-              <a14:hiddenFill xmlns:a14="http://schemas.microsoft.com/office/drawing/2010/main">
-                <a:solidFill>
-                  <a:srgbClr val="FFFFFF"/>
-                </a:solidFill>
-              </a14:hiddenFill>
-            </a:ext>
-          </a:extLst>
-        </p:spPr>
-      </p:pic>
-      <p:sp>
-        <p:nvSpPr>
-          <p:cNvPr id="22" name="Rectángulo 3">
-            <a:extLst>
-              <a:ext uri="{FF2B5EF4-FFF2-40B4-BE49-F238E27FC236}">
-                <a16:creationId xmlns:a16="http://schemas.microsoft.com/office/drawing/2014/main" id="{678C829F-AF36-ED4C-A450-5B7AB312F728}"/>
-              </a:ext>
-            </a:extLst>
-          </p:cNvPr>
-          <p:cNvSpPr/>
-          <p:nvPr/>
-        </p:nvSpPr>
-        <p:spPr bwMode="auto">
-          <a:xfrm>
-            <a:off x="-8709" y="6468835"/>
-            <a:ext cx="9152709" cy="389165"/>
-          </a:xfrm>
-          <a:prstGeom prst="rect">
-            <a:avLst/>
-          </a:prstGeom>
-          <a:solidFill>
-            <a:srgbClr val="04A0D1"/>
-          </a:solidFill>
-          <a:ln w="9525" cap="flat" cmpd="sng" algn="ctr">
-            <a:solidFill>
-              <a:srgbClr val="04A0D1"/>
-            </a:solidFill>
-            <a:prstDash val="solid"/>
-            <a:round/>
-            <a:headEnd type="none" w="med" len="med"/>
-            <a:tailEnd type="none" w="med" len="med"/>
-          </a:ln>
-          <a:effectLst/>
-        </p:spPr>
-        <p:txBody>
-          <a:bodyPr vert="horz" wrap="square" lIns="91440" tIns="45720" rIns="91440" bIns="45720" numCol="1" rtlCol="0" anchor="t" anchorCtr="0" compatLnSpc="1">
-            <a:prstTxWarp prst="textNoShape">
-              <a:avLst/>
-            </a:prstTxWarp>
-          </a:bodyPr>
-          <a:lstStyle/>
-          <a:p>
-            <a:pPr marL="0" marR="0" indent="0" algn="r" defTabSz="914400" rtl="0" eaLnBrk="1" fontAlgn="base" latinLnBrk="0" hangingPunct="1">
-              <a:lnSpc>
-                <a:spcPct val="100000"/>
-              </a:lnSpc>
-              <a:spcBef>
-                <a:spcPct val="0"/>
-              </a:spcBef>
-              <a:spcAft>
-                <a:spcPct val="0"/>
-              </a:spcAft>
-              <a:buClrTx/>
-              <a:buSzTx/>
-              <a:buFontTx/>
-              <a:buNone/>
-              <a:tabLst/>
-            </a:pPr>
-            <a:endParaRPr kumimoji="0" lang="es-ES" sz="1800" b="0" i="0" u="none" strike="noStrike" cap="none" normalizeH="0" baseline="0" dirty="0">
-              <a:ln>
-                <a:noFill/>
-              </a:ln>
-              <a:solidFill>
-                <a:schemeClr val="tx1"/>
-              </a:solidFill>
-              <a:effectLst/>
-              <a:latin typeface="Arial" charset="0"/>
-            </a:endParaRPr>
-          </a:p>
-        </p:txBody>
-      </p:sp>
-      <p:sp>
-        <p:nvSpPr>
-          <p:cNvPr id="23" name="Título 2">
-            <a:extLst>
-              <a:ext uri="{FF2B5EF4-FFF2-40B4-BE49-F238E27FC236}">
-                <a16:creationId xmlns:a16="http://schemas.microsoft.com/office/drawing/2014/main" id="{90220C61-F4E3-0444-9A17-DDD6BCE7DA6E}"/>
+                <a16:creationId xmlns:a16="http://schemas.microsoft.com/office/drawing/2014/main" id="{96D83FBA-5D5A-7540-BCBC-06E15297A006}"/>
               </a:ext>
             </a:extLst>
           </p:cNvPr>
@@ -7794,7 +7986,7 @@
                   <a:schemeClr val="bg1"/>
                 </a:solidFill>
               </a:rPr>
-              <a:t>2</a:t>
+              <a:t>1</a:t>
             </a:r>
             <a:endParaRPr lang="es-ES" kern="0" dirty="0">
               <a:solidFill>
@@ -7807,7 +7999,7 @@
     </p:spTree>
     <p:extLst>
       <p:ext uri="{BB962C8B-B14F-4D97-AF65-F5344CB8AC3E}">
-        <p14:creationId xmlns:p14="http://schemas.microsoft.com/office/powerpoint/2010/main" val="336522187"/>
+        <p14:creationId xmlns:p14="http://schemas.microsoft.com/office/powerpoint/2010/main" val="400029553"/>
       </p:ext>
     </p:extLst>
   </p:cSld>
@@ -7977,6 +8169,368 @@
           </a:p>
         </p:txBody>
       </p:sp>
+      <p:pic>
+        <p:nvPicPr>
+          <p:cNvPr id="3078" name="Picture 6">
+            <a:extLst>
+              <a:ext uri="{FF2B5EF4-FFF2-40B4-BE49-F238E27FC236}">
+                <a16:creationId xmlns:a16="http://schemas.microsoft.com/office/drawing/2014/main" id="{06FCBB42-3F5B-244A-B61A-BCB5BEF84846}"/>
+              </a:ext>
+            </a:extLst>
+          </p:cNvPr>
+          <p:cNvPicPr>
+            <a:picLocks noChangeAspect="1" noChangeArrowheads="1"/>
+          </p:cNvPicPr>
+          <p:nvPr/>
+        </p:nvPicPr>
+        <p:blipFill>
+          <a:blip r:embed="rId3">
+            <a:extLst>
+              <a:ext uri="{28A0092B-C50C-407E-A947-70E740481C1C}">
+                <a14:useLocalDpi xmlns:a14="http://schemas.microsoft.com/office/drawing/2010/main" val="0"/>
+              </a:ext>
+            </a:extLst>
+          </a:blip>
+          <a:srcRect/>
+          <a:stretch>
+            <a:fillRect/>
+          </a:stretch>
+        </p:blipFill>
+        <p:spPr bwMode="auto">
+          <a:xfrm>
+            <a:off x="0" y="627099"/>
+            <a:ext cx="9144000" cy="5280025"/>
+          </a:xfrm>
+          <a:prstGeom prst="rect">
+            <a:avLst/>
+          </a:prstGeom>
+          <a:noFill/>
+          <a:extLst>
+            <a:ext uri="{909E8E84-426E-40DD-AFC4-6F175D3DCCD1}">
+              <a14:hiddenFill xmlns:a14="http://schemas.microsoft.com/office/drawing/2010/main">
+                <a:solidFill>
+                  <a:srgbClr val="FFFFFF"/>
+                </a:solidFill>
+              </a14:hiddenFill>
+            </a:ext>
+          </a:extLst>
+        </p:spPr>
+      </p:pic>
+      <p:pic>
+        <p:nvPicPr>
+          <p:cNvPr id="13" name="Picture 6">
+            <a:extLst>
+              <a:ext uri="{FF2B5EF4-FFF2-40B4-BE49-F238E27FC236}">
+                <a16:creationId xmlns:a16="http://schemas.microsoft.com/office/drawing/2014/main" id="{4CE26B16-53B5-8B46-800E-826BB33C7285}"/>
+              </a:ext>
+            </a:extLst>
+          </p:cNvPr>
+          <p:cNvPicPr>
+            <a:picLocks noChangeAspect="1" noChangeArrowheads="1"/>
+          </p:cNvPicPr>
+          <p:nvPr/>
+        </p:nvPicPr>
+        <p:blipFill rotWithShape="1">
+          <a:blip r:embed="rId3">
+            <a:extLst>
+              <a:ext uri="{28A0092B-C50C-407E-A947-70E740481C1C}">
+                <a14:useLocalDpi xmlns:a14="http://schemas.microsoft.com/office/drawing/2010/main" val="0"/>
+              </a:ext>
+            </a:extLst>
+          </a:blip>
+          <a:srcRect b="93868"/>
+          <a:stretch/>
+        </p:blipFill>
+        <p:spPr bwMode="auto">
+          <a:xfrm>
+            <a:off x="0" y="394145"/>
+            <a:ext cx="9144000" cy="323777"/>
+          </a:xfrm>
+          <a:prstGeom prst="rect">
+            <a:avLst/>
+          </a:prstGeom>
+          <a:noFill/>
+          <a:extLst>
+            <a:ext uri="{909E8E84-426E-40DD-AFC4-6F175D3DCCD1}">
+              <a14:hiddenFill xmlns:a14="http://schemas.microsoft.com/office/drawing/2010/main">
+                <a:solidFill>
+                  <a:srgbClr val="FFFFFF"/>
+                </a:solidFill>
+              </a14:hiddenFill>
+            </a:ext>
+          </a:extLst>
+        </p:spPr>
+      </p:pic>
+      <p:pic>
+        <p:nvPicPr>
+          <p:cNvPr id="14" name="Picture 6">
+            <a:extLst>
+              <a:ext uri="{FF2B5EF4-FFF2-40B4-BE49-F238E27FC236}">
+                <a16:creationId xmlns:a16="http://schemas.microsoft.com/office/drawing/2014/main" id="{C3CC6EAB-6E81-D849-B8EC-03FAAB884B81}"/>
+              </a:ext>
+            </a:extLst>
+          </p:cNvPr>
+          <p:cNvPicPr>
+            <a:picLocks noChangeAspect="1" noChangeArrowheads="1"/>
+          </p:cNvPicPr>
+          <p:nvPr/>
+        </p:nvPicPr>
+        <p:blipFill rotWithShape="1">
+          <a:blip r:embed="rId3">
+            <a:extLst>
+              <a:ext uri="{28A0092B-C50C-407E-A947-70E740481C1C}">
+                <a14:useLocalDpi xmlns:a14="http://schemas.microsoft.com/office/drawing/2010/main" val="0"/>
+              </a:ext>
+            </a:extLst>
+          </a:blip>
+          <a:srcRect b="93868"/>
+          <a:stretch/>
+        </p:blipFill>
+        <p:spPr bwMode="auto">
+          <a:xfrm>
+            <a:off x="0" y="74187"/>
+            <a:ext cx="9144000" cy="323777"/>
+          </a:xfrm>
+          <a:prstGeom prst="rect">
+            <a:avLst/>
+          </a:prstGeom>
+          <a:noFill/>
+          <a:extLst>
+            <a:ext uri="{909E8E84-426E-40DD-AFC4-6F175D3DCCD1}">
+              <a14:hiddenFill xmlns:a14="http://schemas.microsoft.com/office/drawing/2010/main">
+                <a:solidFill>
+                  <a:srgbClr val="FFFFFF"/>
+                </a:solidFill>
+              </a14:hiddenFill>
+            </a:ext>
+          </a:extLst>
+        </p:spPr>
+      </p:pic>
+      <p:pic>
+        <p:nvPicPr>
+          <p:cNvPr id="15" name="Picture 6">
+            <a:extLst>
+              <a:ext uri="{FF2B5EF4-FFF2-40B4-BE49-F238E27FC236}">
+                <a16:creationId xmlns:a16="http://schemas.microsoft.com/office/drawing/2014/main" id="{FB26C0E4-5AE1-EE49-92B6-5E9AC062B914}"/>
+              </a:ext>
+            </a:extLst>
+          </p:cNvPr>
+          <p:cNvPicPr>
+            <a:picLocks noChangeAspect="1" noChangeArrowheads="1"/>
+          </p:cNvPicPr>
+          <p:nvPr/>
+        </p:nvPicPr>
+        <p:blipFill rotWithShape="1">
+          <a:blip r:embed="rId3">
+            <a:extLst>
+              <a:ext uri="{28A0092B-C50C-407E-A947-70E740481C1C}">
+                <a14:useLocalDpi xmlns:a14="http://schemas.microsoft.com/office/drawing/2010/main" val="0"/>
+              </a:ext>
+            </a:extLst>
+          </a:blip>
+          <a:srcRect b="93868"/>
+          <a:stretch/>
+        </p:blipFill>
+        <p:spPr bwMode="auto">
+          <a:xfrm>
+            <a:off x="5442" y="-10413"/>
+            <a:ext cx="9144000" cy="323777"/>
+          </a:xfrm>
+          <a:prstGeom prst="rect">
+            <a:avLst/>
+          </a:prstGeom>
+          <a:noFill/>
+          <a:extLst>
+            <a:ext uri="{909E8E84-426E-40DD-AFC4-6F175D3DCCD1}">
+              <a14:hiddenFill xmlns:a14="http://schemas.microsoft.com/office/drawing/2010/main">
+                <a:solidFill>
+                  <a:srgbClr val="FFFFFF"/>
+                </a:solidFill>
+              </a14:hiddenFill>
+            </a:ext>
+          </a:extLst>
+        </p:spPr>
+      </p:pic>
+      <p:pic>
+        <p:nvPicPr>
+          <p:cNvPr id="16" name="Picture 6">
+            <a:extLst>
+              <a:ext uri="{FF2B5EF4-FFF2-40B4-BE49-F238E27FC236}">
+                <a16:creationId xmlns:a16="http://schemas.microsoft.com/office/drawing/2014/main" id="{D9F75605-45CC-C745-A56A-AB98244E7506}"/>
+              </a:ext>
+            </a:extLst>
+          </p:cNvPr>
+          <p:cNvPicPr>
+            <a:picLocks noChangeAspect="1" noChangeArrowheads="1"/>
+          </p:cNvPicPr>
+          <p:nvPr/>
+        </p:nvPicPr>
+        <p:blipFill rotWithShape="1">
+          <a:blip r:embed="rId3">
+            <a:extLst>
+              <a:ext uri="{28A0092B-C50C-407E-A947-70E740481C1C}">
+                <a14:useLocalDpi xmlns:a14="http://schemas.microsoft.com/office/drawing/2010/main" val="0"/>
+              </a:ext>
+            </a:extLst>
+          </a:blip>
+          <a:srcRect b="93868"/>
+          <a:stretch/>
+        </p:blipFill>
+        <p:spPr bwMode="auto">
+          <a:xfrm>
+            <a:off x="0" y="5839007"/>
+            <a:ext cx="9144000" cy="323777"/>
+          </a:xfrm>
+          <a:prstGeom prst="rect">
+            <a:avLst/>
+          </a:prstGeom>
+          <a:noFill/>
+          <a:extLst>
+            <a:ext uri="{909E8E84-426E-40DD-AFC4-6F175D3DCCD1}">
+              <a14:hiddenFill xmlns:a14="http://schemas.microsoft.com/office/drawing/2010/main">
+                <a:solidFill>
+                  <a:srgbClr val="FFFFFF"/>
+                </a:solidFill>
+              </a14:hiddenFill>
+            </a:ext>
+          </a:extLst>
+        </p:spPr>
+      </p:pic>
+      <p:pic>
+        <p:nvPicPr>
+          <p:cNvPr id="17" name="Picture 6">
+            <a:extLst>
+              <a:ext uri="{FF2B5EF4-FFF2-40B4-BE49-F238E27FC236}">
+                <a16:creationId xmlns:a16="http://schemas.microsoft.com/office/drawing/2014/main" id="{B23268CD-9ED3-4947-9D86-387A4887FE41}"/>
+              </a:ext>
+            </a:extLst>
+          </p:cNvPr>
+          <p:cNvPicPr>
+            <a:picLocks noChangeAspect="1" noChangeArrowheads="1"/>
+          </p:cNvPicPr>
+          <p:nvPr/>
+        </p:nvPicPr>
+        <p:blipFill rotWithShape="1">
+          <a:blip r:embed="rId3">
+            <a:extLst>
+              <a:ext uri="{28A0092B-C50C-407E-A947-70E740481C1C}">
+                <a14:useLocalDpi xmlns:a14="http://schemas.microsoft.com/office/drawing/2010/main" val="0"/>
+              </a:ext>
+            </a:extLst>
+          </a:blip>
+          <a:srcRect b="93868"/>
+          <a:stretch/>
+        </p:blipFill>
+        <p:spPr bwMode="auto">
+          <a:xfrm>
+            <a:off x="0" y="6140078"/>
+            <a:ext cx="9144000" cy="323777"/>
+          </a:xfrm>
+          <a:prstGeom prst="rect">
+            <a:avLst/>
+          </a:prstGeom>
+          <a:noFill/>
+          <a:extLst>
+            <a:ext uri="{909E8E84-426E-40DD-AFC4-6F175D3DCCD1}">
+              <a14:hiddenFill xmlns:a14="http://schemas.microsoft.com/office/drawing/2010/main">
+                <a:solidFill>
+                  <a:srgbClr val="FFFFFF"/>
+                </a:solidFill>
+              </a14:hiddenFill>
+            </a:ext>
+          </a:extLst>
+        </p:spPr>
+      </p:pic>
+      <p:pic>
+        <p:nvPicPr>
+          <p:cNvPr id="18" name="Picture 6">
+            <a:extLst>
+              <a:ext uri="{FF2B5EF4-FFF2-40B4-BE49-F238E27FC236}">
+                <a16:creationId xmlns:a16="http://schemas.microsoft.com/office/drawing/2014/main" id="{6AC48B6A-59B7-9E42-B2C8-6113470B9B2C}"/>
+              </a:ext>
+            </a:extLst>
+          </p:cNvPr>
+          <p:cNvPicPr>
+            <a:picLocks noChangeAspect="1" noChangeArrowheads="1"/>
+          </p:cNvPicPr>
+          <p:nvPr/>
+        </p:nvPicPr>
+        <p:blipFill rotWithShape="1">
+          <a:blip r:embed="rId3">
+            <a:extLst>
+              <a:ext uri="{28A0092B-C50C-407E-A947-70E740481C1C}">
+                <a14:useLocalDpi xmlns:a14="http://schemas.microsoft.com/office/drawing/2010/main" val="0"/>
+              </a:ext>
+            </a:extLst>
+          </a:blip>
+          <a:srcRect b="93868"/>
+          <a:stretch/>
+        </p:blipFill>
+        <p:spPr bwMode="auto">
+          <a:xfrm>
+            <a:off x="0" y="6185490"/>
+            <a:ext cx="9144000" cy="323777"/>
+          </a:xfrm>
+          <a:prstGeom prst="rect">
+            <a:avLst/>
+          </a:prstGeom>
+          <a:noFill/>
+          <a:extLst>
+            <a:ext uri="{909E8E84-426E-40DD-AFC4-6F175D3DCCD1}">
+              <a14:hiddenFill xmlns:a14="http://schemas.microsoft.com/office/drawing/2010/main">
+                <a:solidFill>
+                  <a:srgbClr val="FFFFFF"/>
+                </a:solidFill>
+              </a14:hiddenFill>
+            </a:ext>
+          </a:extLst>
+        </p:spPr>
+      </p:pic>
+      <p:pic>
+        <p:nvPicPr>
+          <p:cNvPr id="21" name="Picture 6">
+            <a:extLst>
+              <a:ext uri="{FF2B5EF4-FFF2-40B4-BE49-F238E27FC236}">
+                <a16:creationId xmlns:a16="http://schemas.microsoft.com/office/drawing/2014/main" id="{3FA703D4-F576-F941-9A3A-2CD0AFEF7BD5}"/>
+              </a:ext>
+            </a:extLst>
+          </p:cNvPr>
+          <p:cNvPicPr>
+            <a:picLocks noChangeAspect="1" noChangeArrowheads="1"/>
+          </p:cNvPicPr>
+          <p:nvPr/>
+        </p:nvPicPr>
+        <p:blipFill rotWithShape="1">
+          <a:blip r:embed="rId3">
+            <a:extLst>
+              <a:ext uri="{28A0092B-C50C-407E-A947-70E740481C1C}">
+                <a14:useLocalDpi xmlns:a14="http://schemas.microsoft.com/office/drawing/2010/main" val="0"/>
+              </a:ext>
+            </a:extLst>
+          </a:blip>
+          <a:srcRect l="9689" t="77164" r="78406" b="1559"/>
+          <a:stretch/>
+        </p:blipFill>
+        <p:spPr bwMode="auto">
+          <a:xfrm>
+            <a:off x="8055429" y="4704248"/>
+            <a:ext cx="1088571" cy="1123406"/>
+          </a:xfrm>
+          <a:prstGeom prst="rect">
+            <a:avLst/>
+          </a:prstGeom>
+          <a:noFill/>
+          <a:extLst>
+            <a:ext uri="{909E8E84-426E-40DD-AFC4-6F175D3DCCD1}">
+              <a14:hiddenFill xmlns:a14="http://schemas.microsoft.com/office/drawing/2010/main">
+                <a:solidFill>
+                  <a:srgbClr val="FFFFFF"/>
+                </a:solidFill>
+              </a14:hiddenFill>
+            </a:ext>
+          </a:extLst>
+        </p:spPr>
+      </p:pic>
       <p:sp>
         <p:nvSpPr>
           <p:cNvPr id="22" name="Rectángulo 3">
@@ -8050,360 +8604,10 @@
       </p:sp>
       <p:sp>
         <p:nvSpPr>
-          <p:cNvPr id="19" name="TextBox 18">
+          <p:cNvPr id="23" name="Título 2">
             <a:extLst>
               <a:ext uri="{FF2B5EF4-FFF2-40B4-BE49-F238E27FC236}">
-                <a16:creationId xmlns:a16="http://schemas.microsoft.com/office/drawing/2014/main" id="{CDD3795F-50CB-D24E-8DD0-5400EAEA7768}"/>
-              </a:ext>
-            </a:extLst>
-          </p:cNvPr>
-          <p:cNvSpPr txBox="1"/>
-          <p:nvPr/>
-        </p:nvSpPr>
-        <p:spPr>
-          <a:xfrm>
-            <a:off x="870716" y="483069"/>
-            <a:ext cx="7393858" cy="461665"/>
-          </a:xfrm>
-          <a:prstGeom prst="rect">
-            <a:avLst/>
-          </a:prstGeom>
-          <a:noFill/>
-        </p:spPr>
-        <p:txBody>
-          <a:bodyPr wrap="square" rtlCol="0">
-            <a:spAutoFit/>
-          </a:bodyPr>
-          <a:lstStyle/>
-          <a:p>
-            <a:pPr algn="ctr"/>
-            <a:r>
-              <a:rPr lang="es-ES" sz="2400" b="1" dirty="0">
-                <a:solidFill>
-                  <a:srgbClr val="04A0D1"/>
-                </a:solidFill>
-              </a:rPr>
-              <a:t>Arquitectura</a:t>
-            </a:r>
-            <a:endParaRPr lang="en-ES" sz="2400" dirty="0">
-              <a:solidFill>
-                <a:srgbClr val="04A0D1"/>
-              </a:solidFill>
-            </a:endParaRPr>
-          </a:p>
-        </p:txBody>
-      </p:sp>
-      <p:pic>
-        <p:nvPicPr>
-          <p:cNvPr id="6146" name="Picture 2" descr="Icono De datos del servidor en WHCompare Isometric Web Hosting &amp; Servers">
-            <a:extLst>
-              <a:ext uri="{FF2B5EF4-FFF2-40B4-BE49-F238E27FC236}">
-                <a16:creationId xmlns:a16="http://schemas.microsoft.com/office/drawing/2014/main" id="{D3B0538A-2835-114F-A15E-E564C3366A76}"/>
-              </a:ext>
-            </a:extLst>
-          </p:cNvPr>
-          <p:cNvPicPr>
-            <a:picLocks noChangeAspect="1" noChangeArrowheads="1"/>
-          </p:cNvPicPr>
-          <p:nvPr/>
-        </p:nvPicPr>
-        <p:blipFill>
-          <a:blip r:embed="rId3">
-            <a:extLst>
-              <a:ext uri="{28A0092B-C50C-407E-A947-70E740481C1C}">
-                <a14:useLocalDpi xmlns:a14="http://schemas.microsoft.com/office/drawing/2010/main" val="0"/>
-              </a:ext>
-            </a:extLst>
-          </a:blip>
-          <a:srcRect/>
-          <a:stretch>
-            <a:fillRect/>
-          </a:stretch>
-        </p:blipFill>
-        <p:spPr bwMode="auto">
-          <a:xfrm>
-            <a:off x="7144729" y="2427205"/>
-            <a:ext cx="1999271" cy="1999271"/>
-          </a:xfrm>
-          <a:prstGeom prst="rect">
-            <a:avLst/>
-          </a:prstGeom>
-          <a:noFill/>
-          <a:extLst>
-            <a:ext uri="{909E8E84-426E-40DD-AFC4-6F175D3DCCD1}">
-              <a14:hiddenFill xmlns:a14="http://schemas.microsoft.com/office/drawing/2010/main">
-                <a:solidFill>
-                  <a:srgbClr val="FFFFFF"/>
-                </a:solidFill>
-              </a14:hiddenFill>
-            </a:ext>
-          </a:extLst>
-        </p:spPr>
-      </p:pic>
-      <p:pic>
-        <p:nvPicPr>
-          <p:cNvPr id="6148" name="Picture 4" descr="Open notebook pc icon isometric style Royalty Free Vector">
-            <a:extLst>
-              <a:ext uri="{FF2B5EF4-FFF2-40B4-BE49-F238E27FC236}">
-                <a16:creationId xmlns:a16="http://schemas.microsoft.com/office/drawing/2014/main" id="{96DD489E-7D9A-884F-AE36-72B73191BE33}"/>
-              </a:ext>
-            </a:extLst>
-          </p:cNvPr>
-          <p:cNvPicPr>
-            <a:picLocks noChangeAspect="1" noChangeArrowheads="1"/>
-          </p:cNvPicPr>
-          <p:nvPr/>
-        </p:nvPicPr>
-        <p:blipFill rotWithShape="1">
-          <a:blip r:embed="rId4">
-            <a:extLst>
-              <a:ext uri="{28A0092B-C50C-407E-A947-70E740481C1C}">
-                <a14:useLocalDpi xmlns:a14="http://schemas.microsoft.com/office/drawing/2010/main" val="0"/>
-              </a:ext>
-            </a:extLst>
-          </a:blip>
-          <a:srcRect b="8839"/>
-          <a:stretch/>
-        </p:blipFill>
-        <p:spPr bwMode="auto">
-          <a:xfrm>
-            <a:off x="313228" y="2546920"/>
-            <a:ext cx="1789612" cy="1759841"/>
-          </a:xfrm>
-          <a:prstGeom prst="rect">
-            <a:avLst/>
-          </a:prstGeom>
-          <a:noFill/>
-          <a:extLst>
-            <a:ext uri="{909E8E84-426E-40DD-AFC4-6F175D3DCCD1}">
-              <a14:hiddenFill xmlns:a14="http://schemas.microsoft.com/office/drawing/2010/main">
-                <a:solidFill>
-                  <a:srgbClr val="FFFFFF"/>
-                </a:solidFill>
-              </a14:hiddenFill>
-            </a:ext>
-          </a:extLst>
-        </p:spPr>
-      </p:pic>
-      <p:pic>
-        <p:nvPicPr>
-          <p:cNvPr id="6150" name="Picture 6" descr="Icono Api en sistemas">
-            <a:extLst>
-              <a:ext uri="{FF2B5EF4-FFF2-40B4-BE49-F238E27FC236}">
-                <a16:creationId xmlns:a16="http://schemas.microsoft.com/office/drawing/2014/main" id="{9A1C5F9A-46FB-E642-AC1C-CBD303A0C828}"/>
-              </a:ext>
-            </a:extLst>
-          </p:cNvPr>
-          <p:cNvPicPr>
-            <a:picLocks noChangeAspect="1" noChangeArrowheads="1"/>
-          </p:cNvPicPr>
-          <p:nvPr/>
-        </p:nvPicPr>
-        <p:blipFill>
-          <a:blip r:embed="rId5">
-            <a:extLst>
-              <a:ext uri="{28A0092B-C50C-407E-A947-70E740481C1C}">
-                <a14:useLocalDpi xmlns:a14="http://schemas.microsoft.com/office/drawing/2010/main" val="0"/>
-              </a:ext>
-            </a:extLst>
-          </a:blip>
-          <a:srcRect/>
-          <a:stretch>
-            <a:fillRect/>
-          </a:stretch>
-        </p:blipFill>
-        <p:spPr bwMode="auto">
-          <a:xfrm>
-            <a:off x="4284743" y="2851803"/>
-            <a:ext cx="1150076" cy="1150076"/>
-          </a:xfrm>
-          <a:prstGeom prst="rect">
-            <a:avLst/>
-          </a:prstGeom>
-          <a:noFill/>
-          <a:extLst>
-            <a:ext uri="{909E8E84-426E-40DD-AFC4-6F175D3DCCD1}">
-              <a14:hiddenFill xmlns:a14="http://schemas.microsoft.com/office/drawing/2010/main">
-                <a:solidFill>
-                  <a:srgbClr val="FFFFFF"/>
-                </a:solidFill>
-              </a14:hiddenFill>
-            </a:ext>
-          </a:extLst>
-        </p:spPr>
-      </p:pic>
-      <p:cxnSp>
-        <p:nvCxnSpPr>
-          <p:cNvPr id="3" name="Straight Arrow Connector 2">
-            <a:extLst>
-              <a:ext uri="{FF2B5EF4-FFF2-40B4-BE49-F238E27FC236}">
-                <a16:creationId xmlns:a16="http://schemas.microsoft.com/office/drawing/2014/main" id="{6CF699AF-D6ED-684E-9425-097A651070DD}"/>
-              </a:ext>
-            </a:extLst>
-          </p:cNvPr>
-          <p:cNvCxnSpPr>
-            <a:stCxn id="6148" idx="3"/>
-            <a:endCxn id="6150" idx="1"/>
-          </p:cNvCxnSpPr>
-          <p:nvPr/>
-        </p:nvCxnSpPr>
-        <p:spPr bwMode="auto">
-          <a:xfrm>
-            <a:off x="2102840" y="3426841"/>
-            <a:ext cx="2181903" cy="0"/>
-          </a:xfrm>
-          <a:prstGeom prst="straightConnector1">
-            <a:avLst/>
-          </a:prstGeom>
-          <a:solidFill>
-            <a:schemeClr val="accent1"/>
-          </a:solidFill>
-          <a:ln w="57150" cap="flat" cmpd="sng" algn="ctr">
-            <a:solidFill>
-              <a:srgbClr val="04A0D1"/>
-            </a:solidFill>
-            <a:prstDash val="solid"/>
-            <a:round/>
-            <a:headEnd type="triangle"/>
-            <a:tailEnd type="triangle"/>
-          </a:ln>
-          <a:effectLst/>
-        </p:spPr>
-      </p:cxnSp>
-      <p:cxnSp>
-        <p:nvCxnSpPr>
-          <p:cNvPr id="5" name="Straight Arrow Connector 4">
-            <a:extLst>
-              <a:ext uri="{FF2B5EF4-FFF2-40B4-BE49-F238E27FC236}">
-                <a16:creationId xmlns:a16="http://schemas.microsoft.com/office/drawing/2014/main" id="{E616A873-D0BA-5D4E-A87A-39B237E69085}"/>
-              </a:ext>
-            </a:extLst>
-          </p:cNvPr>
-          <p:cNvCxnSpPr>
-            <a:stCxn id="6150" idx="3"/>
-            <a:endCxn id="6146" idx="1"/>
-          </p:cNvCxnSpPr>
-          <p:nvPr/>
-        </p:nvCxnSpPr>
-        <p:spPr bwMode="auto">
-          <a:xfrm>
-            <a:off x="5434819" y="3426841"/>
-            <a:ext cx="1709910" cy="0"/>
-          </a:xfrm>
-          <a:prstGeom prst="straightConnector1">
-            <a:avLst/>
-          </a:prstGeom>
-          <a:solidFill>
-            <a:schemeClr val="accent1"/>
-          </a:solidFill>
-          <a:ln w="57150" cap="flat" cmpd="sng" algn="ctr">
-            <a:solidFill>
-              <a:srgbClr val="04A0D1"/>
-            </a:solidFill>
-            <a:prstDash val="solid"/>
-            <a:round/>
-            <a:headEnd type="triangle"/>
-            <a:tailEnd type="triangle"/>
-          </a:ln>
-          <a:effectLst/>
-        </p:spPr>
-      </p:cxnSp>
-      <p:sp>
-        <p:nvSpPr>
-          <p:cNvPr id="23" name="TextBox 22">
-            <a:extLst>
-              <a:ext uri="{FF2B5EF4-FFF2-40B4-BE49-F238E27FC236}">
-                <a16:creationId xmlns:a16="http://schemas.microsoft.com/office/drawing/2014/main" id="{29DB9313-C0CE-7144-9600-D7AF35E86647}"/>
-              </a:ext>
-            </a:extLst>
-          </p:cNvPr>
-          <p:cNvSpPr txBox="1"/>
-          <p:nvPr/>
-        </p:nvSpPr>
-        <p:spPr>
-          <a:xfrm>
-            <a:off x="-2488895" y="4529514"/>
-            <a:ext cx="7393858" cy="461665"/>
-          </a:xfrm>
-          <a:prstGeom prst="rect">
-            <a:avLst/>
-          </a:prstGeom>
-          <a:noFill/>
-        </p:spPr>
-        <p:txBody>
-          <a:bodyPr wrap="square" rtlCol="0">
-            <a:spAutoFit/>
-          </a:bodyPr>
-          <a:lstStyle/>
-          <a:p>
-            <a:pPr algn="ctr"/>
-            <a:r>
-              <a:rPr lang="es-ES" sz="2400" b="1" dirty="0">
-                <a:solidFill>
-                  <a:srgbClr val="04A0D1"/>
-                </a:solidFill>
-              </a:rPr>
-              <a:t>Cliente</a:t>
-            </a:r>
-            <a:endParaRPr lang="en-ES" sz="2400" dirty="0">
-              <a:solidFill>
-                <a:srgbClr val="04A0D1"/>
-              </a:solidFill>
-            </a:endParaRPr>
-          </a:p>
-        </p:txBody>
-      </p:sp>
-      <p:sp>
-        <p:nvSpPr>
-          <p:cNvPr id="24" name="TextBox 23">
-            <a:extLst>
-              <a:ext uri="{FF2B5EF4-FFF2-40B4-BE49-F238E27FC236}">
-                <a16:creationId xmlns:a16="http://schemas.microsoft.com/office/drawing/2014/main" id="{16E572FE-F787-D54A-A0A0-E2A664821E7E}"/>
-              </a:ext>
-            </a:extLst>
-          </p:cNvPr>
-          <p:cNvSpPr txBox="1"/>
-          <p:nvPr/>
-        </p:nvSpPr>
-        <p:spPr>
-          <a:xfrm>
-            <a:off x="4447435" y="4664750"/>
-            <a:ext cx="7393858" cy="461665"/>
-          </a:xfrm>
-          <a:prstGeom prst="rect">
-            <a:avLst/>
-          </a:prstGeom>
-          <a:noFill/>
-        </p:spPr>
-        <p:txBody>
-          <a:bodyPr wrap="square" rtlCol="0">
-            <a:spAutoFit/>
-          </a:bodyPr>
-          <a:lstStyle/>
-          <a:p>
-            <a:pPr algn="ctr"/>
-            <a:r>
-              <a:rPr lang="es-ES" sz="2400" b="1" dirty="0">
-                <a:solidFill>
-                  <a:srgbClr val="04A0D1"/>
-                </a:solidFill>
-              </a:rPr>
-              <a:t>Servidor</a:t>
-            </a:r>
-            <a:endParaRPr lang="en-ES" sz="2400" dirty="0">
-              <a:solidFill>
-                <a:srgbClr val="04A0D1"/>
-              </a:solidFill>
-            </a:endParaRPr>
-          </a:p>
-        </p:txBody>
-      </p:sp>
-      <p:sp>
-        <p:nvSpPr>
-          <p:cNvPr id="36" name="Título 2">
-            <a:extLst>
-              <a:ext uri="{FF2B5EF4-FFF2-40B4-BE49-F238E27FC236}">
-                <a16:creationId xmlns:a16="http://schemas.microsoft.com/office/drawing/2014/main" id="{23C93F6F-E479-664F-8B89-FAD5BBA67D6A}"/>
+                <a16:creationId xmlns:a16="http://schemas.microsoft.com/office/drawing/2014/main" id="{90220C61-F4E3-0444-9A17-DDD6BCE7DA6E}"/>
               </a:ext>
             </a:extLst>
           </p:cNvPr>
@@ -8588,7 +8792,7 @@
                   <a:schemeClr val="bg1"/>
                 </a:solidFill>
               </a:rPr>
-              <a:t>3</a:t>
+              <a:t>2</a:t>
             </a:r>
             <a:endParaRPr lang="es-ES" kern="0" dirty="0">
               <a:solidFill>
@@ -8601,7 +8805,7 @@
     </p:spTree>
     <p:extLst>
       <p:ext uri="{BB962C8B-B14F-4D97-AF65-F5344CB8AC3E}">
-        <p14:creationId xmlns:p14="http://schemas.microsoft.com/office/powerpoint/2010/main" val="4215169995"/>
+        <p14:creationId xmlns:p14="http://schemas.microsoft.com/office/powerpoint/2010/main" val="336522187"/>
       </p:ext>
     </p:extLst>
   </p:cSld>
@@ -8936,6 +9140,51 @@
       </p:pic>
       <p:pic>
         <p:nvPicPr>
+          <p:cNvPr id="6148" name="Picture 4" descr="Open notebook pc icon isometric style Royalty Free Vector">
+            <a:extLst>
+              <a:ext uri="{FF2B5EF4-FFF2-40B4-BE49-F238E27FC236}">
+                <a16:creationId xmlns:a16="http://schemas.microsoft.com/office/drawing/2014/main" id="{96DD489E-7D9A-884F-AE36-72B73191BE33}"/>
+              </a:ext>
+            </a:extLst>
+          </p:cNvPr>
+          <p:cNvPicPr>
+            <a:picLocks noChangeAspect="1" noChangeArrowheads="1"/>
+          </p:cNvPicPr>
+          <p:nvPr/>
+        </p:nvPicPr>
+        <p:blipFill rotWithShape="1">
+          <a:blip r:embed="rId4">
+            <a:extLst>
+              <a:ext uri="{28A0092B-C50C-407E-A947-70E740481C1C}">
+                <a14:useLocalDpi xmlns:a14="http://schemas.microsoft.com/office/drawing/2010/main" val="0"/>
+              </a:ext>
+            </a:extLst>
+          </a:blip>
+          <a:srcRect b="8839"/>
+          <a:stretch/>
+        </p:blipFill>
+        <p:spPr bwMode="auto">
+          <a:xfrm>
+            <a:off x="313228" y="2546920"/>
+            <a:ext cx="1789612" cy="1759841"/>
+          </a:xfrm>
+          <a:prstGeom prst="rect">
+            <a:avLst/>
+          </a:prstGeom>
+          <a:noFill/>
+          <a:extLst>
+            <a:ext uri="{909E8E84-426E-40DD-AFC4-6F175D3DCCD1}">
+              <a14:hiddenFill xmlns:a14="http://schemas.microsoft.com/office/drawing/2010/main">
+                <a:solidFill>
+                  <a:srgbClr val="FFFFFF"/>
+                </a:solidFill>
+              </a14:hiddenFill>
+            </a:ext>
+          </a:extLst>
+        </p:spPr>
+      </p:pic>
+      <p:pic>
+        <p:nvPicPr>
           <p:cNvPr id="6150" name="Picture 6" descr="Icono Api en sistemas">
             <a:extLst>
               <a:ext uri="{FF2B5EF4-FFF2-40B4-BE49-F238E27FC236}">
@@ -8949,7 +9198,7 @@
           <p:nvPr/>
         </p:nvPicPr>
         <p:blipFill>
-          <a:blip r:embed="rId4">
+          <a:blip r:embed="rId5">
             <a:extLst>
               <a:ext uri="{28A0092B-C50C-407E-A947-70E740481C1C}">
                 <a14:useLocalDpi xmlns:a14="http://schemas.microsoft.com/office/drawing/2010/main" val="0"/>
@@ -8963,7 +9212,7 @@
         </p:blipFill>
         <p:spPr bwMode="auto">
           <a:xfrm>
-            <a:off x="5071136" y="2851803"/>
+            <a:off x="4284743" y="2851803"/>
             <a:ext cx="1150076" cy="1150076"/>
           </a:xfrm>
           <a:prstGeom prst="rect">
@@ -8983,23 +9232,23 @@
       </p:pic>
       <p:cxnSp>
         <p:nvCxnSpPr>
-          <p:cNvPr id="5" name="Straight Arrow Connector 4">
+          <p:cNvPr id="3" name="Straight Arrow Connector 2">
             <a:extLst>
               <a:ext uri="{FF2B5EF4-FFF2-40B4-BE49-F238E27FC236}">
-                <a16:creationId xmlns:a16="http://schemas.microsoft.com/office/drawing/2014/main" id="{E616A873-D0BA-5D4E-A87A-39B237E69085}"/>
+                <a16:creationId xmlns:a16="http://schemas.microsoft.com/office/drawing/2014/main" id="{6CF699AF-D6ED-684E-9425-097A651070DD}"/>
               </a:ext>
             </a:extLst>
           </p:cNvPr>
           <p:cNvCxnSpPr>
-            <a:stCxn id="6150" idx="3"/>
-            <a:endCxn id="6146" idx="1"/>
+            <a:stCxn id="6148" idx="3"/>
+            <a:endCxn id="6150" idx="1"/>
           </p:cNvCxnSpPr>
           <p:nvPr/>
         </p:nvCxnSpPr>
         <p:spPr bwMode="auto">
           <a:xfrm>
-            <a:off x="6221212" y="3426841"/>
-            <a:ext cx="923517" cy="0"/>
+            <a:off x="2102840" y="3426841"/>
+            <a:ext cx="2181903" cy="0"/>
           </a:xfrm>
           <a:prstGeom prst="straightConnector1">
             <a:avLst/>
@@ -9019,160 +9268,25 @@
           <a:effectLst/>
         </p:spPr>
       </p:cxnSp>
-      <p:sp>
-        <p:nvSpPr>
-          <p:cNvPr id="23" name="TextBox 22">
-            <a:extLst>
-              <a:ext uri="{FF2B5EF4-FFF2-40B4-BE49-F238E27FC236}">
-                <a16:creationId xmlns:a16="http://schemas.microsoft.com/office/drawing/2014/main" id="{29DB9313-C0CE-7144-9600-D7AF35E86647}"/>
-              </a:ext>
-            </a:extLst>
-          </p:cNvPr>
-          <p:cNvSpPr txBox="1"/>
-          <p:nvPr/>
-        </p:nvSpPr>
-        <p:spPr>
-          <a:xfrm>
-            <a:off x="-1549778" y="4572362"/>
-            <a:ext cx="7393858" cy="461665"/>
-          </a:xfrm>
-          <a:prstGeom prst="rect">
-            <a:avLst/>
-          </a:prstGeom>
-          <a:noFill/>
-        </p:spPr>
-        <p:txBody>
-          <a:bodyPr wrap="square" rtlCol="0">
-            <a:spAutoFit/>
-          </a:bodyPr>
-          <a:lstStyle/>
-          <a:p>
-            <a:pPr algn="ctr"/>
-            <a:r>
-              <a:rPr lang="es-ES" sz="2400" b="1" dirty="0">
-                <a:solidFill>
-                  <a:srgbClr val="04A0D1"/>
-                </a:solidFill>
-              </a:rPr>
-              <a:t>Cliente</a:t>
-            </a:r>
-            <a:endParaRPr lang="en-ES" sz="2400" dirty="0">
-              <a:solidFill>
-                <a:srgbClr val="04A0D1"/>
-              </a:solidFill>
-            </a:endParaRPr>
-          </a:p>
-        </p:txBody>
-      </p:sp>
-      <p:sp>
-        <p:nvSpPr>
-          <p:cNvPr id="24" name="TextBox 23">
-            <a:extLst>
-              <a:ext uri="{FF2B5EF4-FFF2-40B4-BE49-F238E27FC236}">
-                <a16:creationId xmlns:a16="http://schemas.microsoft.com/office/drawing/2014/main" id="{16E572FE-F787-D54A-A0A0-E2A664821E7E}"/>
-              </a:ext>
-            </a:extLst>
-          </p:cNvPr>
-          <p:cNvSpPr txBox="1"/>
-          <p:nvPr/>
-        </p:nvSpPr>
-        <p:spPr>
-          <a:xfrm>
-            <a:off x="4447435" y="4664750"/>
-            <a:ext cx="7393858" cy="461665"/>
-          </a:xfrm>
-          <a:prstGeom prst="rect">
-            <a:avLst/>
-          </a:prstGeom>
-          <a:noFill/>
-        </p:spPr>
-        <p:txBody>
-          <a:bodyPr wrap="square" rtlCol="0">
-            <a:spAutoFit/>
-          </a:bodyPr>
-          <a:lstStyle/>
-          <a:p>
-            <a:pPr algn="ctr"/>
-            <a:r>
-              <a:rPr lang="es-ES" sz="2400" b="1" dirty="0">
-                <a:solidFill>
-                  <a:srgbClr val="04A0D1"/>
-                </a:solidFill>
-              </a:rPr>
-              <a:t>Servidor</a:t>
-            </a:r>
-            <a:endParaRPr lang="en-ES" sz="2400" dirty="0">
-              <a:solidFill>
-                <a:srgbClr val="04A0D1"/>
-              </a:solidFill>
-            </a:endParaRPr>
-          </a:p>
-        </p:txBody>
-      </p:sp>
-      <p:pic>
-        <p:nvPicPr>
-          <p:cNvPr id="13" name="Picture 8">
-            <a:extLst>
-              <a:ext uri="{FF2B5EF4-FFF2-40B4-BE49-F238E27FC236}">
-                <a16:creationId xmlns:a16="http://schemas.microsoft.com/office/drawing/2014/main" id="{722D429E-F2AA-C14A-B2EF-B88CABFA4AD9}"/>
-              </a:ext>
-            </a:extLst>
-          </p:cNvPr>
-          <p:cNvPicPr>
-            <a:picLocks noChangeAspect="1" noChangeArrowheads="1"/>
-          </p:cNvPicPr>
-          <p:nvPr/>
-        </p:nvPicPr>
-        <p:blipFill rotWithShape="1">
-          <a:blip r:embed="rId5">
-            <a:extLst>
-              <a:ext uri="{28A0092B-C50C-407E-A947-70E740481C1C}">
-                <a14:useLocalDpi xmlns:a14="http://schemas.microsoft.com/office/drawing/2010/main" val="0"/>
-              </a:ext>
-            </a:extLst>
-          </a:blip>
-          <a:srcRect l="33428" t="37682" r="33155" b="8646"/>
-          <a:stretch/>
-        </p:blipFill>
-        <p:spPr bwMode="auto">
-          <a:xfrm>
-            <a:off x="2405809" y="2490136"/>
-            <a:ext cx="2090289" cy="1888460"/>
-          </a:xfrm>
-          <a:prstGeom prst="rect">
-            <a:avLst/>
-          </a:prstGeom>
-          <a:noFill/>
-          <a:extLst>
-            <a:ext uri="{909E8E84-426E-40DD-AFC4-6F175D3DCCD1}">
-              <a14:hiddenFill xmlns:a14="http://schemas.microsoft.com/office/drawing/2010/main">
-                <a:solidFill>
-                  <a:srgbClr val="FFFFFF"/>
-                </a:solidFill>
-              </a14:hiddenFill>
-            </a:ext>
-          </a:extLst>
-        </p:spPr>
-      </p:pic>
       <p:cxnSp>
         <p:nvCxnSpPr>
-          <p:cNvPr id="3" name="Straight Arrow Connector 2">
+          <p:cNvPr id="5" name="Straight Arrow Connector 4">
             <a:extLst>
               <a:ext uri="{FF2B5EF4-FFF2-40B4-BE49-F238E27FC236}">
-                <a16:creationId xmlns:a16="http://schemas.microsoft.com/office/drawing/2014/main" id="{6CF699AF-D6ED-684E-9425-097A651070DD}"/>
+                <a16:creationId xmlns:a16="http://schemas.microsoft.com/office/drawing/2014/main" id="{E616A873-D0BA-5D4E-A87A-39B237E69085}"/>
               </a:ext>
             </a:extLst>
           </p:cNvPr>
           <p:cNvCxnSpPr>
-            <a:cxnSpLocks/>
-            <a:endCxn id="6150" idx="1"/>
+            <a:stCxn id="6150" idx="3"/>
+            <a:endCxn id="6146" idx="1"/>
           </p:cNvCxnSpPr>
           <p:nvPr/>
         </p:nvCxnSpPr>
         <p:spPr bwMode="auto">
-          <a:xfrm flipV="1">
-            <a:off x="4221941" y="3426841"/>
-            <a:ext cx="849195" cy="7525"/>
+          <a:xfrm>
+            <a:off x="5434819" y="3426841"/>
+            <a:ext cx="1709910" cy="0"/>
           </a:xfrm>
           <a:prstGeom prst="straightConnector1">
             <a:avLst/>
@@ -9192,24 +9306,698 @@
           <a:effectLst/>
         </p:spPr>
       </p:cxnSp>
+      <p:sp>
+        <p:nvSpPr>
+          <p:cNvPr id="23" name="TextBox 22">
+            <a:extLst>
+              <a:ext uri="{FF2B5EF4-FFF2-40B4-BE49-F238E27FC236}">
+                <a16:creationId xmlns:a16="http://schemas.microsoft.com/office/drawing/2014/main" id="{29DB9313-C0CE-7144-9600-D7AF35E86647}"/>
+              </a:ext>
+            </a:extLst>
+          </p:cNvPr>
+          <p:cNvSpPr txBox="1"/>
+          <p:nvPr/>
+        </p:nvSpPr>
+        <p:spPr>
+          <a:xfrm>
+            <a:off x="-2488895" y="4529514"/>
+            <a:ext cx="7393858" cy="461665"/>
+          </a:xfrm>
+          <a:prstGeom prst="rect">
+            <a:avLst/>
+          </a:prstGeom>
+          <a:noFill/>
+        </p:spPr>
+        <p:txBody>
+          <a:bodyPr wrap="square" rtlCol="0">
+            <a:spAutoFit/>
+          </a:bodyPr>
+          <a:lstStyle/>
+          <a:p>
+            <a:pPr algn="ctr"/>
+            <a:r>
+              <a:rPr lang="es-ES" sz="2400" b="1" dirty="0">
+                <a:solidFill>
+                  <a:srgbClr val="04A0D1"/>
+                </a:solidFill>
+              </a:rPr>
+              <a:t>Cliente</a:t>
+            </a:r>
+            <a:endParaRPr lang="en-ES" sz="2400" dirty="0">
+              <a:solidFill>
+                <a:srgbClr val="04A0D1"/>
+              </a:solidFill>
+            </a:endParaRPr>
+          </a:p>
+        </p:txBody>
+      </p:sp>
+      <p:sp>
+        <p:nvSpPr>
+          <p:cNvPr id="24" name="TextBox 23">
+            <a:extLst>
+              <a:ext uri="{FF2B5EF4-FFF2-40B4-BE49-F238E27FC236}">
+                <a16:creationId xmlns:a16="http://schemas.microsoft.com/office/drawing/2014/main" id="{16E572FE-F787-D54A-A0A0-E2A664821E7E}"/>
+              </a:ext>
+            </a:extLst>
+          </p:cNvPr>
+          <p:cNvSpPr txBox="1"/>
+          <p:nvPr/>
+        </p:nvSpPr>
+        <p:spPr>
+          <a:xfrm>
+            <a:off x="4447435" y="4664750"/>
+            <a:ext cx="7393858" cy="461665"/>
+          </a:xfrm>
+          <a:prstGeom prst="rect">
+            <a:avLst/>
+          </a:prstGeom>
+          <a:noFill/>
+        </p:spPr>
+        <p:txBody>
+          <a:bodyPr wrap="square" rtlCol="0">
+            <a:spAutoFit/>
+          </a:bodyPr>
+          <a:lstStyle/>
+          <a:p>
+            <a:pPr algn="ctr"/>
+            <a:r>
+              <a:rPr lang="es-ES" sz="2400" b="1" dirty="0">
+                <a:solidFill>
+                  <a:srgbClr val="04A0D1"/>
+                </a:solidFill>
+              </a:rPr>
+              <a:t>Servidor</a:t>
+            </a:r>
+            <a:endParaRPr lang="en-ES" sz="2400" dirty="0">
+              <a:solidFill>
+                <a:srgbClr val="04A0D1"/>
+              </a:solidFill>
+            </a:endParaRPr>
+          </a:p>
+        </p:txBody>
+      </p:sp>
+      <p:sp>
+        <p:nvSpPr>
+          <p:cNvPr id="36" name="Título 2">
+            <a:extLst>
+              <a:ext uri="{FF2B5EF4-FFF2-40B4-BE49-F238E27FC236}">
+                <a16:creationId xmlns:a16="http://schemas.microsoft.com/office/drawing/2014/main" id="{23C93F6F-E479-664F-8B89-FAD5BBA67D6A}"/>
+              </a:ext>
+            </a:extLst>
+          </p:cNvPr>
+          <p:cNvSpPr txBox="1">
+            <a:spLocks/>
+          </p:cNvSpPr>
+          <p:nvPr/>
+        </p:nvSpPr>
+        <p:spPr bwMode="auto">
+          <a:xfrm>
+            <a:off x="8657731" y="6420938"/>
+            <a:ext cx="489474" cy="596226"/>
+          </a:xfrm>
+          <a:prstGeom prst="rect">
+            <a:avLst/>
+          </a:prstGeom>
+          <a:noFill/>
+          <a:ln>
+            <a:noFill/>
+          </a:ln>
+          <a:extLst>
+            <a:ext uri="{909E8E84-426E-40DD-AFC4-6F175D3DCCD1}">
+              <a14:hiddenFill xmlns:a14="http://schemas.microsoft.com/office/drawing/2010/main">
+                <a:solidFill>
+                  <a:srgbClr val="FFFFFF"/>
+                </a:solidFill>
+              </a14:hiddenFill>
+            </a:ext>
+            <a:ext uri="{91240B29-F687-4F45-9708-019B960494DF}">
+              <a14:hiddenLine xmlns:a14="http://schemas.microsoft.com/office/drawing/2010/main" w="9525">
+                <a:solidFill>
+                  <a:srgbClr val="000000"/>
+                </a:solidFill>
+                <a:miter lim="800000"/>
+                <a:headEnd/>
+                <a:tailEnd/>
+              </a14:hiddenLine>
+            </a:ext>
+          </a:extLst>
+        </p:spPr>
+        <p:txBody>
+          <a:bodyPr vert="horz" wrap="square" lIns="72000" tIns="36000" rIns="72000" bIns="36000" numCol="1" anchor="t" anchorCtr="0" compatLnSpc="1">
+            <a:prstTxWarp prst="textNoShape">
+              <a:avLst/>
+            </a:prstTxWarp>
+          </a:bodyPr>
+          <a:lstStyle>
+            <a:lvl1pPr algn="l" rtl="0" eaLnBrk="1" fontAlgn="base" hangingPunct="1">
+              <a:spcBef>
+                <a:spcPts val="300"/>
+              </a:spcBef>
+              <a:spcAft>
+                <a:spcPct val="0"/>
+              </a:spcAft>
+              <a:defRPr sz="4000" b="1" baseline="0">
+                <a:solidFill>
+                  <a:schemeClr val="tx1"/>
+                </a:solidFill>
+                <a:latin typeface="Calibri" pitchFamily="34" charset="0"/>
+                <a:ea typeface="+mj-ea"/>
+                <a:cs typeface="Calibri" pitchFamily="34" charset="0"/>
+              </a:defRPr>
+            </a:lvl1pPr>
+            <a:lvl2pPr algn="l" rtl="0" eaLnBrk="1" fontAlgn="base" hangingPunct="1">
+              <a:spcBef>
+                <a:spcPct val="0"/>
+              </a:spcBef>
+              <a:spcAft>
+                <a:spcPct val="0"/>
+              </a:spcAft>
+              <a:defRPr sz="4400">
+                <a:solidFill>
+                  <a:schemeClr val="tx1"/>
+                </a:solidFill>
+                <a:latin typeface="Arial" charset="0"/>
+              </a:defRPr>
+            </a:lvl2pPr>
+            <a:lvl3pPr algn="l" rtl="0" eaLnBrk="1" fontAlgn="base" hangingPunct="1">
+              <a:spcBef>
+                <a:spcPct val="0"/>
+              </a:spcBef>
+              <a:spcAft>
+                <a:spcPct val="0"/>
+              </a:spcAft>
+              <a:defRPr sz="4400">
+                <a:solidFill>
+                  <a:schemeClr val="tx1"/>
+                </a:solidFill>
+                <a:latin typeface="Arial" charset="0"/>
+              </a:defRPr>
+            </a:lvl3pPr>
+            <a:lvl4pPr algn="l" rtl="0" eaLnBrk="1" fontAlgn="base" hangingPunct="1">
+              <a:spcBef>
+                <a:spcPct val="0"/>
+              </a:spcBef>
+              <a:spcAft>
+                <a:spcPct val="0"/>
+              </a:spcAft>
+              <a:defRPr sz="4400">
+                <a:solidFill>
+                  <a:schemeClr val="tx1"/>
+                </a:solidFill>
+                <a:latin typeface="Arial" charset="0"/>
+              </a:defRPr>
+            </a:lvl4pPr>
+            <a:lvl5pPr algn="l" rtl="0" eaLnBrk="1" fontAlgn="base" hangingPunct="1">
+              <a:spcBef>
+                <a:spcPct val="0"/>
+              </a:spcBef>
+              <a:spcAft>
+                <a:spcPct val="0"/>
+              </a:spcAft>
+              <a:defRPr sz="4400">
+                <a:solidFill>
+                  <a:schemeClr val="tx1"/>
+                </a:solidFill>
+                <a:latin typeface="Arial" charset="0"/>
+              </a:defRPr>
+            </a:lvl5pPr>
+            <a:lvl6pPr marL="457200" algn="l" rtl="0" eaLnBrk="1" fontAlgn="base" hangingPunct="1">
+              <a:spcBef>
+                <a:spcPct val="0"/>
+              </a:spcBef>
+              <a:spcAft>
+                <a:spcPct val="0"/>
+              </a:spcAft>
+              <a:defRPr sz="4400">
+                <a:solidFill>
+                  <a:schemeClr val="tx1"/>
+                </a:solidFill>
+                <a:latin typeface="Arial" charset="0"/>
+              </a:defRPr>
+            </a:lvl6pPr>
+            <a:lvl7pPr marL="914400" algn="l" rtl="0" eaLnBrk="1" fontAlgn="base" hangingPunct="1">
+              <a:spcBef>
+                <a:spcPct val="0"/>
+              </a:spcBef>
+              <a:spcAft>
+                <a:spcPct val="0"/>
+              </a:spcAft>
+              <a:defRPr sz="4400">
+                <a:solidFill>
+                  <a:schemeClr val="tx1"/>
+                </a:solidFill>
+                <a:latin typeface="Arial" charset="0"/>
+              </a:defRPr>
+            </a:lvl7pPr>
+            <a:lvl8pPr marL="1371600" algn="l" rtl="0" eaLnBrk="1" fontAlgn="base" hangingPunct="1">
+              <a:spcBef>
+                <a:spcPct val="0"/>
+              </a:spcBef>
+              <a:spcAft>
+                <a:spcPct val="0"/>
+              </a:spcAft>
+              <a:defRPr sz="4400">
+                <a:solidFill>
+                  <a:schemeClr val="tx1"/>
+                </a:solidFill>
+                <a:latin typeface="Arial" charset="0"/>
+              </a:defRPr>
+            </a:lvl8pPr>
+            <a:lvl9pPr marL="1828800" algn="l" rtl="0" eaLnBrk="1" fontAlgn="base" hangingPunct="1">
+              <a:spcBef>
+                <a:spcPct val="0"/>
+              </a:spcBef>
+              <a:spcAft>
+                <a:spcPct val="0"/>
+              </a:spcAft>
+              <a:defRPr sz="4400">
+                <a:solidFill>
+                  <a:schemeClr val="tx1"/>
+                </a:solidFill>
+                <a:latin typeface="Arial" charset="0"/>
+              </a:defRPr>
+            </a:lvl9pPr>
+          </a:lstStyle>
+          <a:p>
+            <a:pPr algn="ctr"/>
+            <a:r>
+              <a:rPr lang="es-ES" sz="2800" kern="0" dirty="0">
+                <a:solidFill>
+                  <a:schemeClr val="bg1"/>
+                </a:solidFill>
+              </a:rPr>
+              <a:t>3</a:t>
+            </a:r>
+            <a:endParaRPr lang="es-ES" kern="0" dirty="0">
+              <a:solidFill>
+                <a:schemeClr val="bg1"/>
+              </a:solidFill>
+            </a:endParaRPr>
+          </a:p>
+        </p:txBody>
+      </p:sp>
+    </p:spTree>
+    <p:extLst>
+      <p:ext uri="{BB962C8B-B14F-4D97-AF65-F5344CB8AC3E}">
+        <p14:creationId xmlns:p14="http://schemas.microsoft.com/office/powerpoint/2010/main" val="4215169995"/>
+      </p:ext>
+    </p:extLst>
+  </p:cSld>
+  <p:clrMapOvr>
+    <a:masterClrMapping/>
+  </p:clrMapOvr>
+  <p:transition/>
+</p:sld>
+</file>
+
+<file path=ppt/slides/slide6.xml><?xml version="1.0" encoding="utf-8"?>
+<p:sld xmlns:a="http://schemas.openxmlformats.org/drawingml/2006/main" xmlns:r="http://schemas.openxmlformats.org/officeDocument/2006/relationships" xmlns:p="http://schemas.openxmlformats.org/presentationml/2006/main">
+  <p:cSld>
+    <p:spTree>
+      <p:nvGrpSpPr>
+        <p:cNvPr id="1" name=""/>
+        <p:cNvGrpSpPr/>
+        <p:nvPr/>
+      </p:nvGrpSpPr>
+      <p:grpSpPr>
+        <a:xfrm>
+          <a:off x="0" y="0"/>
+          <a:ext cx="0" cy="0"/>
+          <a:chOff x="0" y="0"/>
+          <a:chExt cx="0" cy="0"/>
+        </a:xfrm>
+      </p:grpSpPr>
+      <p:sp>
+        <p:nvSpPr>
+          <p:cNvPr id="6" name="Rectángulo 5">
+            <a:extLst>
+              <a:ext uri="{FF2B5EF4-FFF2-40B4-BE49-F238E27FC236}">
+                <a16:creationId xmlns:a16="http://schemas.microsoft.com/office/drawing/2014/main" id="{160B991A-7491-7642-9ECB-16720472F0B7}"/>
+              </a:ext>
+            </a:extLst>
+          </p:cNvPr>
+          <p:cNvSpPr/>
+          <p:nvPr/>
+        </p:nvSpPr>
+        <p:spPr bwMode="auto">
+          <a:xfrm>
+            <a:off x="0" y="6523980"/>
+            <a:ext cx="5143499" cy="309154"/>
+          </a:xfrm>
+          <a:prstGeom prst="rect">
+            <a:avLst/>
+          </a:prstGeom>
+          <a:solidFill>
+            <a:srgbClr val="B10C38"/>
+          </a:solidFill>
+          <a:ln w="9525" cap="flat" cmpd="sng" algn="ctr">
+            <a:solidFill>
+              <a:srgbClr val="B10C38"/>
+            </a:solidFill>
+            <a:prstDash val="solid"/>
+            <a:round/>
+            <a:headEnd type="none" w="med" len="med"/>
+            <a:tailEnd type="none" w="med" len="med"/>
+          </a:ln>
+          <a:effectLst/>
+        </p:spPr>
+        <p:txBody>
+          <a:bodyPr vert="horz" wrap="square" lIns="91440" tIns="45720" rIns="91440" bIns="45720" numCol="1" rtlCol="0" anchor="t" anchorCtr="0" compatLnSpc="1">
+            <a:prstTxWarp prst="textNoShape">
+              <a:avLst/>
+            </a:prstTxWarp>
+          </a:bodyPr>
+          <a:lstStyle/>
+          <a:p>
+            <a:pPr marL="0" marR="0" indent="0" algn="r" defTabSz="914400" rtl="0" eaLnBrk="1" fontAlgn="base" latinLnBrk="0" hangingPunct="1">
+              <a:lnSpc>
+                <a:spcPct val="100000"/>
+              </a:lnSpc>
+              <a:spcBef>
+                <a:spcPct val="0"/>
+              </a:spcBef>
+              <a:spcAft>
+                <a:spcPct val="0"/>
+              </a:spcAft>
+              <a:buClrTx/>
+              <a:buSzTx/>
+              <a:buFontTx/>
+              <a:buNone/>
+              <a:tabLst/>
+            </a:pPr>
+            <a:endParaRPr kumimoji="0" lang="es-ES" sz="1800" b="0" i="0" u="none" strike="noStrike" cap="none" normalizeH="0" baseline="0" dirty="0">
+              <a:ln>
+                <a:noFill/>
+              </a:ln>
+              <a:solidFill>
+                <a:schemeClr val="tx1"/>
+              </a:solidFill>
+              <a:effectLst/>
+              <a:latin typeface="Arial" charset="0"/>
+            </a:endParaRPr>
+          </a:p>
+        </p:txBody>
+      </p:sp>
+      <p:sp>
+        <p:nvSpPr>
+          <p:cNvPr id="10" name="Rectángulo 9">
+            <a:extLst>
+              <a:ext uri="{FF2B5EF4-FFF2-40B4-BE49-F238E27FC236}">
+                <a16:creationId xmlns:a16="http://schemas.microsoft.com/office/drawing/2014/main" id="{B0D1FBB7-E132-48A3-9874-C3548AC82486}"/>
+              </a:ext>
+            </a:extLst>
+          </p:cNvPr>
+          <p:cNvSpPr/>
+          <p:nvPr/>
+        </p:nvSpPr>
+        <p:spPr bwMode="auto">
+          <a:xfrm>
+            <a:off x="3709181" y="5752547"/>
+            <a:ext cx="1725638" cy="309154"/>
+          </a:xfrm>
+          <a:prstGeom prst="rect">
+            <a:avLst/>
+          </a:prstGeom>
+          <a:solidFill>
+            <a:schemeClr val="bg1"/>
+          </a:solidFill>
+          <a:ln w="9525" cap="flat" cmpd="sng" algn="ctr">
+            <a:solidFill>
+              <a:schemeClr val="bg1"/>
+            </a:solidFill>
+            <a:prstDash val="solid"/>
+            <a:round/>
+            <a:headEnd type="none" w="med" len="med"/>
+            <a:tailEnd type="none" w="med" len="med"/>
+          </a:ln>
+          <a:effectLst/>
+        </p:spPr>
+        <p:txBody>
+          <a:bodyPr vert="horz" wrap="square" lIns="91440" tIns="45720" rIns="91440" bIns="45720" numCol="1" rtlCol="0" anchor="t" anchorCtr="0" compatLnSpc="1">
+            <a:prstTxWarp prst="textNoShape">
+              <a:avLst/>
+            </a:prstTxWarp>
+          </a:bodyPr>
+          <a:lstStyle/>
+          <a:p>
+            <a:pPr marL="0" marR="0" indent="0" algn="r" defTabSz="914400" rtl="0" eaLnBrk="1" fontAlgn="base" latinLnBrk="0" hangingPunct="1">
+              <a:lnSpc>
+                <a:spcPct val="100000"/>
+              </a:lnSpc>
+              <a:spcBef>
+                <a:spcPct val="0"/>
+              </a:spcBef>
+              <a:spcAft>
+                <a:spcPct val="0"/>
+              </a:spcAft>
+              <a:buClrTx/>
+              <a:buSzTx/>
+              <a:buFontTx/>
+              <a:buNone/>
+              <a:tabLst/>
+            </a:pPr>
+            <a:endParaRPr kumimoji="0" lang="es-ES" sz="1800" b="0" i="0" u="none" strike="noStrike" cap="none" normalizeH="0" baseline="0">
+              <a:ln>
+                <a:noFill/>
+              </a:ln>
+              <a:solidFill>
+                <a:schemeClr val="tx1"/>
+              </a:solidFill>
+              <a:effectLst/>
+              <a:latin typeface="Arial" charset="0"/>
+            </a:endParaRPr>
+          </a:p>
+        </p:txBody>
+      </p:sp>
+      <p:sp>
+        <p:nvSpPr>
+          <p:cNvPr id="22" name="Rectángulo 3">
+            <a:extLst>
+              <a:ext uri="{FF2B5EF4-FFF2-40B4-BE49-F238E27FC236}">
+                <a16:creationId xmlns:a16="http://schemas.microsoft.com/office/drawing/2014/main" id="{678C829F-AF36-ED4C-A450-5B7AB312F728}"/>
+              </a:ext>
+            </a:extLst>
+          </p:cNvPr>
+          <p:cNvSpPr/>
+          <p:nvPr/>
+        </p:nvSpPr>
+        <p:spPr bwMode="auto">
+          <a:xfrm>
+            <a:off x="-8709" y="6468835"/>
+            <a:ext cx="9152709" cy="389165"/>
+          </a:xfrm>
+          <a:prstGeom prst="rect">
+            <a:avLst/>
+          </a:prstGeom>
+          <a:solidFill>
+            <a:srgbClr val="04A0D1"/>
+          </a:solidFill>
+          <a:ln w="9525" cap="flat" cmpd="sng" algn="ctr">
+            <a:solidFill>
+              <a:srgbClr val="04A0D1"/>
+            </a:solidFill>
+            <a:prstDash val="solid"/>
+            <a:round/>
+            <a:headEnd type="none" w="med" len="med"/>
+            <a:tailEnd type="none" w="med" len="med"/>
+          </a:ln>
+          <a:effectLst/>
+        </p:spPr>
+        <p:txBody>
+          <a:bodyPr vert="horz" wrap="square" lIns="91440" tIns="45720" rIns="91440" bIns="45720" numCol="1" rtlCol="0" anchor="t" anchorCtr="0" compatLnSpc="1">
+            <a:prstTxWarp prst="textNoShape">
+              <a:avLst/>
+            </a:prstTxWarp>
+          </a:bodyPr>
+          <a:lstStyle/>
+          <a:p>
+            <a:pPr marL="0" marR="0" indent="0" algn="r" defTabSz="914400" rtl="0" eaLnBrk="1" fontAlgn="base" latinLnBrk="0" hangingPunct="1">
+              <a:lnSpc>
+                <a:spcPct val="100000"/>
+              </a:lnSpc>
+              <a:spcBef>
+                <a:spcPct val="0"/>
+              </a:spcBef>
+              <a:spcAft>
+                <a:spcPct val="0"/>
+              </a:spcAft>
+              <a:buClrTx/>
+              <a:buSzTx/>
+              <a:buFontTx/>
+              <a:buNone/>
+              <a:tabLst/>
+            </a:pPr>
+            <a:endParaRPr kumimoji="0" lang="es-ES" sz="1800" b="0" i="0" u="none" strike="noStrike" cap="none" normalizeH="0" baseline="0" dirty="0">
+              <a:ln>
+                <a:noFill/>
+              </a:ln>
+              <a:solidFill>
+                <a:schemeClr val="tx1"/>
+              </a:solidFill>
+              <a:effectLst/>
+              <a:latin typeface="Arial" charset="0"/>
+            </a:endParaRPr>
+          </a:p>
+        </p:txBody>
+      </p:sp>
+      <p:sp>
+        <p:nvSpPr>
+          <p:cNvPr id="19" name="TextBox 18">
+            <a:extLst>
+              <a:ext uri="{FF2B5EF4-FFF2-40B4-BE49-F238E27FC236}">
+                <a16:creationId xmlns:a16="http://schemas.microsoft.com/office/drawing/2014/main" id="{CDD3795F-50CB-D24E-8DD0-5400EAEA7768}"/>
+              </a:ext>
+            </a:extLst>
+          </p:cNvPr>
+          <p:cNvSpPr txBox="1"/>
+          <p:nvPr/>
+        </p:nvSpPr>
+        <p:spPr>
+          <a:xfrm>
+            <a:off x="870716" y="483069"/>
+            <a:ext cx="7393858" cy="461665"/>
+          </a:xfrm>
+          <a:prstGeom prst="rect">
+            <a:avLst/>
+          </a:prstGeom>
+          <a:noFill/>
+        </p:spPr>
+        <p:txBody>
+          <a:bodyPr wrap="square" rtlCol="0">
+            <a:spAutoFit/>
+          </a:bodyPr>
+          <a:lstStyle/>
+          <a:p>
+            <a:pPr algn="ctr"/>
+            <a:r>
+              <a:rPr lang="es-ES" sz="2400" b="1" dirty="0">
+                <a:solidFill>
+                  <a:srgbClr val="04A0D1"/>
+                </a:solidFill>
+              </a:rPr>
+              <a:t>Arquitectura</a:t>
+            </a:r>
+            <a:endParaRPr lang="en-ES" sz="2400" dirty="0">
+              <a:solidFill>
+                <a:srgbClr val="04A0D1"/>
+              </a:solidFill>
+            </a:endParaRPr>
+          </a:p>
+        </p:txBody>
+      </p:sp>
+      <p:pic>
+        <p:nvPicPr>
+          <p:cNvPr id="6146" name="Picture 2" descr="Icono De datos del servidor en WHCompare Isometric Web Hosting &amp; Servers">
+            <a:extLst>
+              <a:ext uri="{FF2B5EF4-FFF2-40B4-BE49-F238E27FC236}">
+                <a16:creationId xmlns:a16="http://schemas.microsoft.com/office/drawing/2014/main" id="{D3B0538A-2835-114F-A15E-E564C3366A76}"/>
+              </a:ext>
+            </a:extLst>
+          </p:cNvPr>
+          <p:cNvPicPr>
+            <a:picLocks noChangeAspect="1" noChangeArrowheads="1"/>
+          </p:cNvPicPr>
+          <p:nvPr/>
+        </p:nvPicPr>
+        <p:blipFill>
+          <a:blip r:embed="rId3">
+            <a:extLst>
+              <a:ext uri="{28A0092B-C50C-407E-A947-70E740481C1C}">
+                <a14:useLocalDpi xmlns:a14="http://schemas.microsoft.com/office/drawing/2010/main" val="0"/>
+              </a:ext>
+            </a:extLst>
+          </a:blip>
+          <a:srcRect/>
+          <a:stretch>
+            <a:fillRect/>
+          </a:stretch>
+        </p:blipFill>
+        <p:spPr bwMode="auto">
+          <a:xfrm>
+            <a:off x="7144729" y="2427205"/>
+            <a:ext cx="1999271" cy="1999271"/>
+          </a:xfrm>
+          <a:prstGeom prst="rect">
+            <a:avLst/>
+          </a:prstGeom>
+          <a:noFill/>
+          <a:extLst>
+            <a:ext uri="{909E8E84-426E-40DD-AFC4-6F175D3DCCD1}">
+              <a14:hiddenFill xmlns:a14="http://schemas.microsoft.com/office/drawing/2010/main">
+                <a:solidFill>
+                  <a:srgbClr val="FFFFFF"/>
+                </a:solidFill>
+              </a14:hiddenFill>
+            </a:ext>
+          </a:extLst>
+        </p:spPr>
+      </p:pic>
+      <p:pic>
+        <p:nvPicPr>
+          <p:cNvPr id="6150" name="Picture 6" descr="Icono Api en sistemas">
+            <a:extLst>
+              <a:ext uri="{FF2B5EF4-FFF2-40B4-BE49-F238E27FC236}">
+                <a16:creationId xmlns:a16="http://schemas.microsoft.com/office/drawing/2014/main" id="{9A1C5F9A-46FB-E642-AC1C-CBD303A0C828}"/>
+              </a:ext>
+            </a:extLst>
+          </p:cNvPr>
+          <p:cNvPicPr>
+            <a:picLocks noChangeAspect="1" noChangeArrowheads="1"/>
+          </p:cNvPicPr>
+          <p:nvPr/>
+        </p:nvPicPr>
+        <p:blipFill>
+          <a:blip r:embed="rId4">
+            <a:extLst>
+              <a:ext uri="{28A0092B-C50C-407E-A947-70E740481C1C}">
+                <a14:useLocalDpi xmlns:a14="http://schemas.microsoft.com/office/drawing/2010/main" val="0"/>
+              </a:ext>
+            </a:extLst>
+          </a:blip>
+          <a:srcRect/>
+          <a:stretch>
+            <a:fillRect/>
+          </a:stretch>
+        </p:blipFill>
+        <p:spPr bwMode="auto">
+          <a:xfrm>
+            <a:off x="5071136" y="2851803"/>
+            <a:ext cx="1150076" cy="1150076"/>
+          </a:xfrm>
+          <a:prstGeom prst="rect">
+            <a:avLst/>
+          </a:prstGeom>
+          <a:noFill/>
+          <a:extLst>
+            <a:ext uri="{909E8E84-426E-40DD-AFC4-6F175D3DCCD1}">
+              <a14:hiddenFill xmlns:a14="http://schemas.microsoft.com/office/drawing/2010/main">
+                <a:solidFill>
+                  <a:srgbClr val="FFFFFF"/>
+                </a:solidFill>
+              </a14:hiddenFill>
+            </a:ext>
+          </a:extLst>
+        </p:spPr>
+      </p:pic>
       <p:cxnSp>
         <p:nvCxnSpPr>
-          <p:cNvPr id="20" name="Straight Arrow Connector 19">
+          <p:cNvPr id="5" name="Straight Arrow Connector 4">
             <a:extLst>
               <a:ext uri="{FF2B5EF4-FFF2-40B4-BE49-F238E27FC236}">
-                <a16:creationId xmlns:a16="http://schemas.microsoft.com/office/drawing/2014/main" id="{5F498839-CB71-2742-BD6C-6C97D0095BBB}"/>
+                <a16:creationId xmlns:a16="http://schemas.microsoft.com/office/drawing/2014/main" id="{E616A873-D0BA-5D4E-A87A-39B237E69085}"/>
               </a:ext>
             </a:extLst>
           </p:cNvPr>
           <p:cNvCxnSpPr>
-            <a:cxnSpLocks/>
+            <a:stCxn id="6150" idx="3"/>
+            <a:endCxn id="6146" idx="1"/>
           </p:cNvCxnSpPr>
           <p:nvPr/>
         </p:nvCxnSpPr>
         <p:spPr bwMode="auto">
-          <a:xfrm flipV="1">
-            <a:off x="1722554" y="3434366"/>
-            <a:ext cx="849195" cy="7525"/>
+          <a:xfrm>
+            <a:off x="6221212" y="3426841"/>
+            <a:ext cx="923517" cy="0"/>
           </a:xfrm>
           <a:prstGeom prst="straightConnector1">
             <a:avLst/>
@@ -9229,6 +10017,216 @@
           <a:effectLst/>
         </p:spPr>
       </p:cxnSp>
+      <p:sp>
+        <p:nvSpPr>
+          <p:cNvPr id="23" name="TextBox 22">
+            <a:extLst>
+              <a:ext uri="{FF2B5EF4-FFF2-40B4-BE49-F238E27FC236}">
+                <a16:creationId xmlns:a16="http://schemas.microsoft.com/office/drawing/2014/main" id="{29DB9313-C0CE-7144-9600-D7AF35E86647}"/>
+              </a:ext>
+            </a:extLst>
+          </p:cNvPr>
+          <p:cNvSpPr txBox="1"/>
+          <p:nvPr/>
+        </p:nvSpPr>
+        <p:spPr>
+          <a:xfrm>
+            <a:off x="-1549778" y="4572362"/>
+            <a:ext cx="7393858" cy="461665"/>
+          </a:xfrm>
+          <a:prstGeom prst="rect">
+            <a:avLst/>
+          </a:prstGeom>
+          <a:noFill/>
+        </p:spPr>
+        <p:txBody>
+          <a:bodyPr wrap="square" rtlCol="0">
+            <a:spAutoFit/>
+          </a:bodyPr>
+          <a:lstStyle/>
+          <a:p>
+            <a:pPr algn="ctr"/>
+            <a:r>
+              <a:rPr lang="es-ES" sz="2400" b="1" dirty="0">
+                <a:solidFill>
+                  <a:srgbClr val="04A0D1"/>
+                </a:solidFill>
+              </a:rPr>
+              <a:t>Cliente</a:t>
+            </a:r>
+            <a:endParaRPr lang="en-ES" sz="2400" dirty="0">
+              <a:solidFill>
+                <a:srgbClr val="04A0D1"/>
+              </a:solidFill>
+            </a:endParaRPr>
+          </a:p>
+        </p:txBody>
+      </p:sp>
+      <p:sp>
+        <p:nvSpPr>
+          <p:cNvPr id="24" name="TextBox 23">
+            <a:extLst>
+              <a:ext uri="{FF2B5EF4-FFF2-40B4-BE49-F238E27FC236}">
+                <a16:creationId xmlns:a16="http://schemas.microsoft.com/office/drawing/2014/main" id="{16E572FE-F787-D54A-A0A0-E2A664821E7E}"/>
+              </a:ext>
+            </a:extLst>
+          </p:cNvPr>
+          <p:cNvSpPr txBox="1"/>
+          <p:nvPr/>
+        </p:nvSpPr>
+        <p:spPr>
+          <a:xfrm>
+            <a:off x="4447435" y="4664750"/>
+            <a:ext cx="7393858" cy="461665"/>
+          </a:xfrm>
+          <a:prstGeom prst="rect">
+            <a:avLst/>
+          </a:prstGeom>
+          <a:noFill/>
+        </p:spPr>
+        <p:txBody>
+          <a:bodyPr wrap="square" rtlCol="0">
+            <a:spAutoFit/>
+          </a:bodyPr>
+          <a:lstStyle/>
+          <a:p>
+            <a:pPr algn="ctr"/>
+            <a:r>
+              <a:rPr lang="es-ES" sz="2400" b="1" dirty="0">
+                <a:solidFill>
+                  <a:srgbClr val="04A0D1"/>
+                </a:solidFill>
+              </a:rPr>
+              <a:t>Servidor</a:t>
+            </a:r>
+            <a:endParaRPr lang="en-ES" sz="2400" dirty="0">
+              <a:solidFill>
+                <a:srgbClr val="04A0D1"/>
+              </a:solidFill>
+            </a:endParaRPr>
+          </a:p>
+        </p:txBody>
+      </p:sp>
+      <p:pic>
+        <p:nvPicPr>
+          <p:cNvPr id="13" name="Picture 8">
+            <a:extLst>
+              <a:ext uri="{FF2B5EF4-FFF2-40B4-BE49-F238E27FC236}">
+                <a16:creationId xmlns:a16="http://schemas.microsoft.com/office/drawing/2014/main" id="{722D429E-F2AA-C14A-B2EF-B88CABFA4AD9}"/>
+              </a:ext>
+            </a:extLst>
+          </p:cNvPr>
+          <p:cNvPicPr>
+            <a:picLocks noChangeAspect="1" noChangeArrowheads="1"/>
+          </p:cNvPicPr>
+          <p:nvPr/>
+        </p:nvPicPr>
+        <p:blipFill rotWithShape="1">
+          <a:blip r:embed="rId5">
+            <a:extLst>
+              <a:ext uri="{28A0092B-C50C-407E-A947-70E740481C1C}">
+                <a14:useLocalDpi xmlns:a14="http://schemas.microsoft.com/office/drawing/2010/main" val="0"/>
+              </a:ext>
+            </a:extLst>
+          </a:blip>
+          <a:srcRect l="33428" t="37682" r="33155" b="8646"/>
+          <a:stretch/>
+        </p:blipFill>
+        <p:spPr bwMode="auto">
+          <a:xfrm>
+            <a:off x="2405809" y="2490136"/>
+            <a:ext cx="2090289" cy="1888460"/>
+          </a:xfrm>
+          <a:prstGeom prst="rect">
+            <a:avLst/>
+          </a:prstGeom>
+          <a:noFill/>
+          <a:extLst>
+            <a:ext uri="{909E8E84-426E-40DD-AFC4-6F175D3DCCD1}">
+              <a14:hiddenFill xmlns:a14="http://schemas.microsoft.com/office/drawing/2010/main">
+                <a:solidFill>
+                  <a:srgbClr val="FFFFFF"/>
+                </a:solidFill>
+              </a14:hiddenFill>
+            </a:ext>
+          </a:extLst>
+        </p:spPr>
+      </p:pic>
+      <p:cxnSp>
+        <p:nvCxnSpPr>
+          <p:cNvPr id="3" name="Straight Arrow Connector 2">
+            <a:extLst>
+              <a:ext uri="{FF2B5EF4-FFF2-40B4-BE49-F238E27FC236}">
+                <a16:creationId xmlns:a16="http://schemas.microsoft.com/office/drawing/2014/main" id="{6CF699AF-D6ED-684E-9425-097A651070DD}"/>
+              </a:ext>
+            </a:extLst>
+          </p:cNvPr>
+          <p:cNvCxnSpPr>
+            <a:cxnSpLocks/>
+            <a:endCxn id="6150" idx="1"/>
+          </p:cNvCxnSpPr>
+          <p:nvPr/>
+        </p:nvCxnSpPr>
+        <p:spPr bwMode="auto">
+          <a:xfrm flipV="1">
+            <a:off x="4221941" y="3426841"/>
+            <a:ext cx="849195" cy="7525"/>
+          </a:xfrm>
+          <a:prstGeom prst="straightConnector1">
+            <a:avLst/>
+          </a:prstGeom>
+          <a:solidFill>
+            <a:schemeClr val="accent1"/>
+          </a:solidFill>
+          <a:ln w="57150" cap="flat" cmpd="sng" algn="ctr">
+            <a:solidFill>
+              <a:srgbClr val="04A0D1"/>
+            </a:solidFill>
+            <a:prstDash val="solid"/>
+            <a:round/>
+            <a:headEnd type="triangle"/>
+            <a:tailEnd type="triangle"/>
+          </a:ln>
+          <a:effectLst/>
+        </p:spPr>
+      </p:cxnSp>
+      <p:cxnSp>
+        <p:nvCxnSpPr>
+          <p:cNvPr id="20" name="Straight Arrow Connector 19">
+            <a:extLst>
+              <a:ext uri="{FF2B5EF4-FFF2-40B4-BE49-F238E27FC236}">
+                <a16:creationId xmlns:a16="http://schemas.microsoft.com/office/drawing/2014/main" id="{5F498839-CB71-2742-BD6C-6C97D0095BBB}"/>
+              </a:ext>
+            </a:extLst>
+          </p:cNvPr>
+          <p:cNvCxnSpPr>
+            <a:cxnSpLocks/>
+          </p:cNvCxnSpPr>
+          <p:nvPr/>
+        </p:nvCxnSpPr>
+        <p:spPr bwMode="auto">
+          <a:xfrm flipV="1">
+            <a:off x="1722554" y="3434366"/>
+            <a:ext cx="849195" cy="7525"/>
+          </a:xfrm>
+          <a:prstGeom prst="straightConnector1">
+            <a:avLst/>
+          </a:prstGeom>
+          <a:solidFill>
+            <a:schemeClr val="accent1"/>
+          </a:solidFill>
+          <a:ln w="57150" cap="flat" cmpd="sng" algn="ctr">
+            <a:solidFill>
+              <a:srgbClr val="04A0D1"/>
+            </a:solidFill>
+            <a:prstDash val="solid"/>
+            <a:round/>
+            <a:headEnd type="triangle"/>
+            <a:tailEnd type="triangle"/>
+          </a:ln>
+          <a:effectLst/>
+        </p:spPr>
+      </p:cxnSp>
       <p:pic>
         <p:nvPicPr>
           <p:cNvPr id="21" name="Picture 10" descr="Comprar Amazon Echo Dot 3.ª Gen Negro Antracita - Altavoz Inteligente Alexa  - PowerPlanetOnline">
@@ -9488,7 +10486,7 @@
 </p:sld>
 </file>
 
-<file path=ppt/slides/slide6.xml><?xml version="1.0" encoding="utf-8"?>
+<file path=ppt/slides/slide7.xml><?xml version="1.0" encoding="utf-8"?>
 <p:sld xmlns:a="http://schemas.openxmlformats.org/drawingml/2006/main" xmlns:r="http://schemas.openxmlformats.org/officeDocument/2006/relationships" xmlns:p="http://schemas.openxmlformats.org/presentationml/2006/main">
   <p:cSld>
     <p:spTree>
@@ -10170,542 +11168,6 @@
 </p:sld>
 </file>
 
-<file path=ppt/slides/slide7.xml><?xml version="1.0" encoding="utf-8"?>
-<p:sld xmlns:a="http://schemas.openxmlformats.org/drawingml/2006/main" xmlns:r="http://schemas.openxmlformats.org/officeDocument/2006/relationships" xmlns:p="http://schemas.openxmlformats.org/presentationml/2006/main">
-  <p:cSld>
-    <p:spTree>
-      <p:nvGrpSpPr>
-        <p:cNvPr id="1" name=""/>
-        <p:cNvGrpSpPr/>
-        <p:nvPr/>
-      </p:nvGrpSpPr>
-      <p:grpSpPr>
-        <a:xfrm>
-          <a:off x="0" y="0"/>
-          <a:ext cx="0" cy="0"/>
-          <a:chOff x="0" y="0"/>
-          <a:chExt cx="0" cy="0"/>
-        </a:xfrm>
-      </p:grpSpPr>
-      <p:sp>
-        <p:nvSpPr>
-          <p:cNvPr id="6" name="Rectángulo 5">
-            <a:extLst>
-              <a:ext uri="{FF2B5EF4-FFF2-40B4-BE49-F238E27FC236}">
-                <a16:creationId xmlns:a16="http://schemas.microsoft.com/office/drawing/2014/main" id="{160B991A-7491-7642-9ECB-16720472F0B7}"/>
-              </a:ext>
-            </a:extLst>
-          </p:cNvPr>
-          <p:cNvSpPr/>
-          <p:nvPr/>
-        </p:nvSpPr>
-        <p:spPr bwMode="auto">
-          <a:xfrm>
-            <a:off x="0" y="6523980"/>
-            <a:ext cx="5143499" cy="309154"/>
-          </a:xfrm>
-          <a:prstGeom prst="rect">
-            <a:avLst/>
-          </a:prstGeom>
-          <a:solidFill>
-            <a:srgbClr val="B10C38"/>
-          </a:solidFill>
-          <a:ln w="9525" cap="flat" cmpd="sng" algn="ctr">
-            <a:solidFill>
-              <a:srgbClr val="B10C38"/>
-            </a:solidFill>
-            <a:prstDash val="solid"/>
-            <a:round/>
-            <a:headEnd type="none" w="med" len="med"/>
-            <a:tailEnd type="none" w="med" len="med"/>
-          </a:ln>
-          <a:effectLst/>
-        </p:spPr>
-        <p:txBody>
-          <a:bodyPr vert="horz" wrap="square" lIns="91440" tIns="45720" rIns="91440" bIns="45720" numCol="1" rtlCol="0" anchor="t" anchorCtr="0" compatLnSpc="1">
-            <a:prstTxWarp prst="textNoShape">
-              <a:avLst/>
-            </a:prstTxWarp>
-          </a:bodyPr>
-          <a:lstStyle/>
-          <a:p>
-            <a:pPr marL="0" marR="0" indent="0" algn="r" defTabSz="914400" rtl="0" eaLnBrk="1" fontAlgn="base" latinLnBrk="0" hangingPunct="1">
-              <a:lnSpc>
-                <a:spcPct val="100000"/>
-              </a:lnSpc>
-              <a:spcBef>
-                <a:spcPct val="0"/>
-              </a:spcBef>
-              <a:spcAft>
-                <a:spcPct val="0"/>
-              </a:spcAft>
-              <a:buClrTx/>
-              <a:buSzTx/>
-              <a:buFontTx/>
-              <a:buNone/>
-              <a:tabLst/>
-            </a:pPr>
-            <a:endParaRPr kumimoji="0" lang="es-ES" sz="1800" b="0" i="0" u="none" strike="noStrike" cap="none" normalizeH="0" baseline="0" dirty="0">
-              <a:ln>
-                <a:noFill/>
-              </a:ln>
-              <a:solidFill>
-                <a:schemeClr val="tx1"/>
-              </a:solidFill>
-              <a:effectLst/>
-              <a:latin typeface="Arial" charset="0"/>
-            </a:endParaRPr>
-          </a:p>
-        </p:txBody>
-      </p:sp>
-      <p:sp>
-        <p:nvSpPr>
-          <p:cNvPr id="10" name="Rectángulo 9">
-            <a:extLst>
-              <a:ext uri="{FF2B5EF4-FFF2-40B4-BE49-F238E27FC236}">
-                <a16:creationId xmlns:a16="http://schemas.microsoft.com/office/drawing/2014/main" id="{B0D1FBB7-E132-48A3-9874-C3548AC82486}"/>
-              </a:ext>
-            </a:extLst>
-          </p:cNvPr>
-          <p:cNvSpPr/>
-          <p:nvPr/>
-        </p:nvSpPr>
-        <p:spPr bwMode="auto">
-          <a:xfrm>
-            <a:off x="3709181" y="5752547"/>
-            <a:ext cx="1725638" cy="309154"/>
-          </a:xfrm>
-          <a:prstGeom prst="rect">
-            <a:avLst/>
-          </a:prstGeom>
-          <a:solidFill>
-            <a:schemeClr val="bg1"/>
-          </a:solidFill>
-          <a:ln w="9525" cap="flat" cmpd="sng" algn="ctr">
-            <a:solidFill>
-              <a:schemeClr val="bg1"/>
-            </a:solidFill>
-            <a:prstDash val="solid"/>
-            <a:round/>
-            <a:headEnd type="none" w="med" len="med"/>
-            <a:tailEnd type="none" w="med" len="med"/>
-          </a:ln>
-          <a:effectLst/>
-        </p:spPr>
-        <p:txBody>
-          <a:bodyPr vert="horz" wrap="square" lIns="91440" tIns="45720" rIns="91440" bIns="45720" numCol="1" rtlCol="0" anchor="t" anchorCtr="0" compatLnSpc="1">
-            <a:prstTxWarp prst="textNoShape">
-              <a:avLst/>
-            </a:prstTxWarp>
-          </a:bodyPr>
-          <a:lstStyle/>
-          <a:p>
-            <a:pPr marL="0" marR="0" indent="0" algn="r" defTabSz="914400" rtl="0" eaLnBrk="1" fontAlgn="base" latinLnBrk="0" hangingPunct="1">
-              <a:lnSpc>
-                <a:spcPct val="100000"/>
-              </a:lnSpc>
-              <a:spcBef>
-                <a:spcPct val="0"/>
-              </a:spcBef>
-              <a:spcAft>
-                <a:spcPct val="0"/>
-              </a:spcAft>
-              <a:buClrTx/>
-              <a:buSzTx/>
-              <a:buFontTx/>
-              <a:buNone/>
-              <a:tabLst/>
-            </a:pPr>
-            <a:endParaRPr kumimoji="0" lang="es-ES" sz="1800" b="0" i="0" u="none" strike="noStrike" cap="none" normalizeH="0" baseline="0">
-              <a:ln>
-                <a:noFill/>
-              </a:ln>
-              <a:solidFill>
-                <a:schemeClr val="tx1"/>
-              </a:solidFill>
-              <a:effectLst/>
-              <a:latin typeface="Arial" charset="0"/>
-            </a:endParaRPr>
-          </a:p>
-        </p:txBody>
-      </p:sp>
-      <p:sp>
-        <p:nvSpPr>
-          <p:cNvPr id="12" name="Rectángulo 3">
-            <a:extLst>
-              <a:ext uri="{FF2B5EF4-FFF2-40B4-BE49-F238E27FC236}">
-                <a16:creationId xmlns:a16="http://schemas.microsoft.com/office/drawing/2014/main" id="{45AE9004-0209-F94F-AC7A-CB04255A7B0E}"/>
-              </a:ext>
-            </a:extLst>
-          </p:cNvPr>
-          <p:cNvSpPr/>
-          <p:nvPr/>
-        </p:nvSpPr>
-        <p:spPr bwMode="auto">
-          <a:xfrm>
-            <a:off x="-8709" y="6468835"/>
-            <a:ext cx="9152709" cy="389165"/>
-          </a:xfrm>
-          <a:prstGeom prst="rect">
-            <a:avLst/>
-          </a:prstGeom>
-          <a:solidFill>
-            <a:srgbClr val="04A0D1"/>
-          </a:solidFill>
-          <a:ln w="9525" cap="flat" cmpd="sng" algn="ctr">
-            <a:solidFill>
-              <a:srgbClr val="04A0D1"/>
-            </a:solidFill>
-            <a:prstDash val="solid"/>
-            <a:round/>
-            <a:headEnd type="none" w="med" len="med"/>
-            <a:tailEnd type="none" w="med" len="med"/>
-          </a:ln>
-          <a:effectLst/>
-        </p:spPr>
-        <p:txBody>
-          <a:bodyPr vert="horz" wrap="square" lIns="91440" tIns="45720" rIns="91440" bIns="45720" numCol="1" rtlCol="0" anchor="t" anchorCtr="0" compatLnSpc="1">
-            <a:prstTxWarp prst="textNoShape">
-              <a:avLst/>
-            </a:prstTxWarp>
-          </a:bodyPr>
-          <a:lstStyle/>
-          <a:p>
-            <a:pPr marL="0" marR="0" indent="0" algn="r" defTabSz="914400" rtl="0" eaLnBrk="1" fontAlgn="base" latinLnBrk="0" hangingPunct="1">
-              <a:lnSpc>
-                <a:spcPct val="100000"/>
-              </a:lnSpc>
-              <a:spcBef>
-                <a:spcPct val="0"/>
-              </a:spcBef>
-              <a:spcAft>
-                <a:spcPct val="0"/>
-              </a:spcAft>
-              <a:buClrTx/>
-              <a:buSzTx/>
-              <a:buFontTx/>
-              <a:buNone/>
-              <a:tabLst/>
-            </a:pPr>
-            <a:endParaRPr kumimoji="0" lang="es-ES" sz="1800" b="0" i="0" u="none" strike="noStrike" cap="none" normalizeH="0" baseline="0" dirty="0">
-              <a:ln>
-                <a:noFill/>
-              </a:ln>
-              <a:solidFill>
-                <a:schemeClr val="tx1"/>
-              </a:solidFill>
-              <a:effectLst/>
-              <a:latin typeface="Arial" charset="0"/>
-            </a:endParaRPr>
-          </a:p>
-        </p:txBody>
-      </p:sp>
-      <p:pic>
-        <p:nvPicPr>
-          <p:cNvPr id="4100" name="Picture 4">
-            <a:extLst>
-              <a:ext uri="{FF2B5EF4-FFF2-40B4-BE49-F238E27FC236}">
-                <a16:creationId xmlns:a16="http://schemas.microsoft.com/office/drawing/2014/main" id="{331D9917-F616-2E41-888B-8F5692CCE243}"/>
-              </a:ext>
-            </a:extLst>
-          </p:cNvPr>
-          <p:cNvPicPr>
-            <a:picLocks noChangeAspect="1" noChangeArrowheads="1"/>
-          </p:cNvPicPr>
-          <p:nvPr/>
-        </p:nvPicPr>
-        <p:blipFill>
-          <a:blip r:embed="rId3">
-            <a:extLst>
-              <a:ext uri="{28A0092B-C50C-407E-A947-70E740481C1C}">
-                <a14:useLocalDpi xmlns:a14="http://schemas.microsoft.com/office/drawing/2010/main" val="0"/>
-              </a:ext>
-            </a:extLst>
-          </a:blip>
-          <a:srcRect/>
-          <a:stretch>
-            <a:fillRect/>
-          </a:stretch>
-        </p:blipFill>
-        <p:spPr bwMode="auto">
-          <a:xfrm>
-            <a:off x="0" y="1189038"/>
-            <a:ext cx="9144000" cy="4479925"/>
-          </a:xfrm>
-          <a:prstGeom prst="rect">
-            <a:avLst/>
-          </a:prstGeom>
-          <a:noFill/>
-          <a:extLst>
-            <a:ext uri="{909E8E84-426E-40DD-AFC4-6F175D3DCCD1}">
-              <a14:hiddenFill xmlns:a14="http://schemas.microsoft.com/office/drawing/2010/main">
-                <a:solidFill>
-                  <a:srgbClr val="FFFFFF"/>
-                </a:solidFill>
-              </a14:hiddenFill>
-            </a:ext>
-          </a:extLst>
-        </p:spPr>
-      </p:pic>
-      <p:sp>
-        <p:nvSpPr>
-          <p:cNvPr id="22" name="TextBox 21">
-            <a:extLst>
-              <a:ext uri="{FF2B5EF4-FFF2-40B4-BE49-F238E27FC236}">
-                <a16:creationId xmlns:a16="http://schemas.microsoft.com/office/drawing/2014/main" id="{E3C27D9C-0294-7A43-B22B-35BE96E70A1C}"/>
-              </a:ext>
-            </a:extLst>
-          </p:cNvPr>
-          <p:cNvSpPr txBox="1"/>
-          <p:nvPr/>
-        </p:nvSpPr>
-        <p:spPr>
-          <a:xfrm>
-            <a:off x="684428" y="292974"/>
-            <a:ext cx="7393858" cy="461665"/>
-          </a:xfrm>
-          <a:prstGeom prst="rect">
-            <a:avLst/>
-          </a:prstGeom>
-          <a:noFill/>
-        </p:spPr>
-        <p:txBody>
-          <a:bodyPr wrap="square" rtlCol="0">
-            <a:spAutoFit/>
-          </a:bodyPr>
-          <a:lstStyle/>
-          <a:p>
-            <a:pPr algn="ctr"/>
-            <a:r>
-              <a:rPr lang="en-ES" sz="2400" b="1" dirty="0">
-                <a:solidFill>
-                  <a:srgbClr val="04A0D1"/>
-                </a:solidFill>
-              </a:rPr>
-              <a:t>¿Cómo se interactura con una Skill?</a:t>
-            </a:r>
-            <a:endParaRPr lang="en-ES" sz="2400" dirty="0">
-              <a:solidFill>
-                <a:srgbClr val="04A0D1"/>
-              </a:solidFill>
-            </a:endParaRPr>
-          </a:p>
-        </p:txBody>
-      </p:sp>
-      <p:sp>
-        <p:nvSpPr>
-          <p:cNvPr id="23" name="Título 2">
-            <a:extLst>
-              <a:ext uri="{FF2B5EF4-FFF2-40B4-BE49-F238E27FC236}">
-                <a16:creationId xmlns:a16="http://schemas.microsoft.com/office/drawing/2014/main" id="{82A9BEC4-859A-C94D-8BA3-94F0047DA8CD}"/>
-              </a:ext>
-            </a:extLst>
-          </p:cNvPr>
-          <p:cNvSpPr txBox="1">
-            <a:spLocks/>
-          </p:cNvSpPr>
-          <p:nvPr/>
-        </p:nvSpPr>
-        <p:spPr bwMode="auto">
-          <a:xfrm>
-            <a:off x="8657731" y="6420938"/>
-            <a:ext cx="489474" cy="596226"/>
-          </a:xfrm>
-          <a:prstGeom prst="rect">
-            <a:avLst/>
-          </a:prstGeom>
-          <a:noFill/>
-          <a:ln>
-            <a:noFill/>
-          </a:ln>
-          <a:extLst>
-            <a:ext uri="{909E8E84-426E-40DD-AFC4-6F175D3DCCD1}">
-              <a14:hiddenFill xmlns:a14="http://schemas.microsoft.com/office/drawing/2010/main">
-                <a:solidFill>
-                  <a:srgbClr val="FFFFFF"/>
-                </a:solidFill>
-              </a14:hiddenFill>
-            </a:ext>
-            <a:ext uri="{91240B29-F687-4F45-9708-019B960494DF}">
-              <a14:hiddenLine xmlns:a14="http://schemas.microsoft.com/office/drawing/2010/main" w="9525">
-                <a:solidFill>
-                  <a:srgbClr val="000000"/>
-                </a:solidFill>
-                <a:miter lim="800000"/>
-                <a:headEnd/>
-                <a:tailEnd/>
-              </a14:hiddenLine>
-            </a:ext>
-          </a:extLst>
-        </p:spPr>
-        <p:txBody>
-          <a:bodyPr vert="horz" wrap="square" lIns="72000" tIns="36000" rIns="72000" bIns="36000" numCol="1" anchor="t" anchorCtr="0" compatLnSpc="1">
-            <a:prstTxWarp prst="textNoShape">
-              <a:avLst/>
-            </a:prstTxWarp>
-          </a:bodyPr>
-          <a:lstStyle>
-            <a:lvl1pPr algn="l" rtl="0" eaLnBrk="1" fontAlgn="base" hangingPunct="1">
-              <a:spcBef>
-                <a:spcPts val="300"/>
-              </a:spcBef>
-              <a:spcAft>
-                <a:spcPct val="0"/>
-              </a:spcAft>
-              <a:defRPr sz="4000" b="1" baseline="0">
-                <a:solidFill>
-                  <a:schemeClr val="tx1"/>
-                </a:solidFill>
-                <a:latin typeface="Calibri" pitchFamily="34" charset="0"/>
-                <a:ea typeface="+mj-ea"/>
-                <a:cs typeface="Calibri" pitchFamily="34" charset="0"/>
-              </a:defRPr>
-            </a:lvl1pPr>
-            <a:lvl2pPr algn="l" rtl="0" eaLnBrk="1" fontAlgn="base" hangingPunct="1">
-              <a:spcBef>
-                <a:spcPct val="0"/>
-              </a:spcBef>
-              <a:spcAft>
-                <a:spcPct val="0"/>
-              </a:spcAft>
-              <a:defRPr sz="4400">
-                <a:solidFill>
-                  <a:schemeClr val="tx1"/>
-                </a:solidFill>
-                <a:latin typeface="Arial" charset="0"/>
-              </a:defRPr>
-            </a:lvl2pPr>
-            <a:lvl3pPr algn="l" rtl="0" eaLnBrk="1" fontAlgn="base" hangingPunct="1">
-              <a:spcBef>
-                <a:spcPct val="0"/>
-              </a:spcBef>
-              <a:spcAft>
-                <a:spcPct val="0"/>
-              </a:spcAft>
-              <a:defRPr sz="4400">
-                <a:solidFill>
-                  <a:schemeClr val="tx1"/>
-                </a:solidFill>
-                <a:latin typeface="Arial" charset="0"/>
-              </a:defRPr>
-            </a:lvl3pPr>
-            <a:lvl4pPr algn="l" rtl="0" eaLnBrk="1" fontAlgn="base" hangingPunct="1">
-              <a:spcBef>
-                <a:spcPct val="0"/>
-              </a:spcBef>
-              <a:spcAft>
-                <a:spcPct val="0"/>
-              </a:spcAft>
-              <a:defRPr sz="4400">
-                <a:solidFill>
-                  <a:schemeClr val="tx1"/>
-                </a:solidFill>
-                <a:latin typeface="Arial" charset="0"/>
-              </a:defRPr>
-            </a:lvl4pPr>
-            <a:lvl5pPr algn="l" rtl="0" eaLnBrk="1" fontAlgn="base" hangingPunct="1">
-              <a:spcBef>
-                <a:spcPct val="0"/>
-              </a:spcBef>
-              <a:spcAft>
-                <a:spcPct val="0"/>
-              </a:spcAft>
-              <a:defRPr sz="4400">
-                <a:solidFill>
-                  <a:schemeClr val="tx1"/>
-                </a:solidFill>
-                <a:latin typeface="Arial" charset="0"/>
-              </a:defRPr>
-            </a:lvl5pPr>
-            <a:lvl6pPr marL="457200" algn="l" rtl="0" eaLnBrk="1" fontAlgn="base" hangingPunct="1">
-              <a:spcBef>
-                <a:spcPct val="0"/>
-              </a:spcBef>
-              <a:spcAft>
-                <a:spcPct val="0"/>
-              </a:spcAft>
-              <a:defRPr sz="4400">
-                <a:solidFill>
-                  <a:schemeClr val="tx1"/>
-                </a:solidFill>
-                <a:latin typeface="Arial" charset="0"/>
-              </a:defRPr>
-            </a:lvl6pPr>
-            <a:lvl7pPr marL="914400" algn="l" rtl="0" eaLnBrk="1" fontAlgn="base" hangingPunct="1">
-              <a:spcBef>
-                <a:spcPct val="0"/>
-              </a:spcBef>
-              <a:spcAft>
-                <a:spcPct val="0"/>
-              </a:spcAft>
-              <a:defRPr sz="4400">
-                <a:solidFill>
-                  <a:schemeClr val="tx1"/>
-                </a:solidFill>
-                <a:latin typeface="Arial" charset="0"/>
-              </a:defRPr>
-            </a:lvl7pPr>
-            <a:lvl8pPr marL="1371600" algn="l" rtl="0" eaLnBrk="1" fontAlgn="base" hangingPunct="1">
-              <a:spcBef>
-                <a:spcPct val="0"/>
-              </a:spcBef>
-              <a:spcAft>
-                <a:spcPct val="0"/>
-              </a:spcAft>
-              <a:defRPr sz="4400">
-                <a:solidFill>
-                  <a:schemeClr val="tx1"/>
-                </a:solidFill>
-                <a:latin typeface="Arial" charset="0"/>
-              </a:defRPr>
-            </a:lvl8pPr>
-            <a:lvl9pPr marL="1828800" algn="l" rtl="0" eaLnBrk="1" fontAlgn="base" hangingPunct="1">
-              <a:spcBef>
-                <a:spcPct val="0"/>
-              </a:spcBef>
-              <a:spcAft>
-                <a:spcPct val="0"/>
-              </a:spcAft>
-              <a:defRPr sz="4400">
-                <a:solidFill>
-                  <a:schemeClr val="tx1"/>
-                </a:solidFill>
-                <a:latin typeface="Arial" charset="0"/>
-              </a:defRPr>
-            </a:lvl9pPr>
-          </a:lstStyle>
-          <a:p>
-            <a:pPr algn="ctr"/>
-            <a:r>
-              <a:rPr lang="es-ES" sz="2800" kern="0" dirty="0">
-                <a:solidFill>
-                  <a:schemeClr val="bg1"/>
-                </a:solidFill>
-              </a:rPr>
-              <a:t>6</a:t>
-            </a:r>
-            <a:endParaRPr lang="es-ES" kern="0" dirty="0">
-              <a:solidFill>
-                <a:schemeClr val="bg1"/>
-              </a:solidFill>
-            </a:endParaRPr>
-          </a:p>
-        </p:txBody>
-      </p:sp>
-    </p:spTree>
-    <p:extLst>
-      <p:ext uri="{BB962C8B-B14F-4D97-AF65-F5344CB8AC3E}">
-        <p14:creationId xmlns:p14="http://schemas.microsoft.com/office/powerpoint/2010/main" val="2516048782"/>
-      </p:ext>
-    </p:extLst>
-  </p:cSld>
-  <p:clrMapOvr>
-    <a:masterClrMapping/>
-  </p:clrMapOvr>
-  <p:transition/>
-</p:sld>
-</file>
-
 <file path=ppt/slides/slide8.xml><?xml version="1.0" encoding="utf-8"?>
 <p:sld xmlns:a="http://schemas.openxmlformats.org/drawingml/2006/main" xmlns:r="http://schemas.openxmlformats.org/officeDocument/2006/relationships" xmlns:p="http://schemas.openxmlformats.org/presentationml/2006/main">
   <p:cSld>
@@ -10936,57 +11398,12 @@
           </a:p>
         </p:txBody>
       </p:sp>
-      <p:sp>
-        <p:nvSpPr>
-          <p:cNvPr id="22" name="TextBox 21">
-            <a:extLst>
-              <a:ext uri="{FF2B5EF4-FFF2-40B4-BE49-F238E27FC236}">
-                <a16:creationId xmlns:a16="http://schemas.microsoft.com/office/drawing/2014/main" id="{E3C27D9C-0294-7A43-B22B-35BE96E70A1C}"/>
-              </a:ext>
-            </a:extLst>
-          </p:cNvPr>
-          <p:cNvSpPr txBox="1"/>
-          <p:nvPr/>
-        </p:nvSpPr>
-        <p:spPr>
-          <a:xfrm>
-            <a:off x="-1630118" y="361430"/>
-            <a:ext cx="7393858" cy="461665"/>
-          </a:xfrm>
-          <a:prstGeom prst="rect">
-            <a:avLst/>
-          </a:prstGeom>
-          <a:noFill/>
-        </p:spPr>
-        <p:txBody>
-          <a:bodyPr wrap="square" rtlCol="0">
-            <a:spAutoFit/>
-          </a:bodyPr>
-          <a:lstStyle/>
-          <a:p>
-            <a:pPr algn="ctr"/>
-            <a:r>
-              <a:rPr lang="en-ES" sz="2400" b="1" dirty="0">
-                <a:solidFill>
-                  <a:srgbClr val="04A0D1"/>
-                </a:solidFill>
-              </a:rPr>
-              <a:t>DEMO</a:t>
-            </a:r>
-            <a:endParaRPr lang="en-ES" sz="2400" dirty="0">
-              <a:solidFill>
-                <a:srgbClr val="04A0D1"/>
-              </a:solidFill>
-            </a:endParaRPr>
-          </a:p>
-        </p:txBody>
-      </p:sp>
       <p:pic>
         <p:nvPicPr>
-          <p:cNvPr id="9222" name="Picture 6" descr="Automatizar encendido y apagado de máquinas EC2 con Lambda AWS - FOCUSOFT">
+          <p:cNvPr id="4100" name="Picture 4">
             <a:extLst>
               <a:ext uri="{FF2B5EF4-FFF2-40B4-BE49-F238E27FC236}">
-                <a16:creationId xmlns:a16="http://schemas.microsoft.com/office/drawing/2014/main" id="{F7A6351E-569B-3345-901C-D659044DD74E}"/>
+                <a16:creationId xmlns:a16="http://schemas.microsoft.com/office/drawing/2014/main" id="{331D9917-F616-2E41-888B-8F5692CCE243}"/>
               </a:ext>
             </a:extLst>
           </p:cNvPr>
@@ -11010,8 +11427,8 @@
         </p:blipFill>
         <p:spPr bwMode="auto">
           <a:xfrm>
-            <a:off x="466566" y="3515237"/>
-            <a:ext cx="917119" cy="917119"/>
+            <a:off x="0" y="1189038"/>
+            <a:ext cx="9144000" cy="4479925"/>
           </a:xfrm>
           <a:prstGeom prst="rect">
             <a:avLst/>
@@ -11028,247 +11445,12 @@
           </a:extLst>
         </p:spPr>
       </p:pic>
-      <p:pic>
-        <p:nvPicPr>
-          <p:cNvPr id="9224" name="Picture 8" descr="Amazon DynamoDB: Building NoSQL Database-Driven Applications | Coursera">
-            <a:extLst>
-              <a:ext uri="{FF2B5EF4-FFF2-40B4-BE49-F238E27FC236}">
-                <a16:creationId xmlns:a16="http://schemas.microsoft.com/office/drawing/2014/main" id="{E783F719-FD30-604D-90C8-9E3F385470F1}"/>
-              </a:ext>
-            </a:extLst>
-          </p:cNvPr>
-          <p:cNvPicPr>
-            <a:picLocks noChangeAspect="1" noChangeArrowheads="1"/>
-          </p:cNvPicPr>
-          <p:nvPr/>
-        </p:nvPicPr>
-        <p:blipFill>
-          <a:blip r:embed="rId4">
-            <a:extLst>
-              <a:ext uri="{28A0092B-C50C-407E-A947-70E740481C1C}">
-                <a14:useLocalDpi xmlns:a14="http://schemas.microsoft.com/office/drawing/2010/main" val="0"/>
-              </a:ext>
-            </a:extLst>
-          </a:blip>
-          <a:srcRect/>
-          <a:stretch>
-            <a:fillRect/>
-          </a:stretch>
-        </p:blipFill>
-        <p:spPr bwMode="auto">
-          <a:xfrm>
-            <a:off x="5434817" y="1971491"/>
-            <a:ext cx="917119" cy="917119"/>
-          </a:xfrm>
-          <a:prstGeom prst="rect">
-            <a:avLst/>
-          </a:prstGeom>
-          <a:noFill/>
-          <a:extLst>
-            <a:ext uri="{909E8E84-426E-40DD-AFC4-6F175D3DCCD1}">
-              <a14:hiddenFill xmlns:a14="http://schemas.microsoft.com/office/drawing/2010/main">
-                <a:solidFill>
-                  <a:srgbClr val="FFFFFF"/>
-                </a:solidFill>
-              </a14:hiddenFill>
-            </a:ext>
-          </a:extLst>
-        </p:spPr>
-      </p:pic>
-      <p:pic>
-        <p:nvPicPr>
-          <p:cNvPr id="9226" name="Picture 10" descr="AWS X-Ray vs Thundra | What are the differences?">
-            <a:extLst>
-              <a:ext uri="{FF2B5EF4-FFF2-40B4-BE49-F238E27FC236}">
-                <a16:creationId xmlns:a16="http://schemas.microsoft.com/office/drawing/2014/main" id="{147EE5C8-8BB4-A44E-A668-EE224D02D1A6}"/>
-              </a:ext>
-            </a:extLst>
-          </p:cNvPr>
-          <p:cNvPicPr>
-            <a:picLocks noChangeAspect="1" noChangeArrowheads="1"/>
-          </p:cNvPicPr>
-          <p:nvPr/>
-        </p:nvPicPr>
-        <p:blipFill>
-          <a:blip r:embed="rId5">
-            <a:extLst>
-              <a:ext uri="{28A0092B-C50C-407E-A947-70E740481C1C}">
-                <a14:useLocalDpi xmlns:a14="http://schemas.microsoft.com/office/drawing/2010/main" val="0"/>
-              </a:ext>
-            </a:extLst>
-          </a:blip>
-          <a:srcRect/>
-          <a:stretch>
-            <a:fillRect/>
-          </a:stretch>
-        </p:blipFill>
-        <p:spPr bwMode="auto">
-          <a:xfrm>
-            <a:off x="5434817" y="3515237"/>
-            <a:ext cx="917120" cy="917120"/>
-          </a:xfrm>
-          <a:prstGeom prst="rect">
-            <a:avLst/>
-          </a:prstGeom>
-          <a:noFill/>
-          <a:extLst>
-            <a:ext uri="{909E8E84-426E-40DD-AFC4-6F175D3DCCD1}">
-              <a14:hiddenFill xmlns:a14="http://schemas.microsoft.com/office/drawing/2010/main">
-                <a:solidFill>
-                  <a:srgbClr val="FFFFFF"/>
-                </a:solidFill>
-              </a14:hiddenFill>
-            </a:ext>
-          </a:extLst>
-        </p:spPr>
-      </p:pic>
-      <p:pic>
-        <p:nvPicPr>
-          <p:cNvPr id="9230" name="Picture 14" descr="Alexa Skills Kit Official Site: Build Skills for Voice">
-            <a:extLst>
-              <a:ext uri="{FF2B5EF4-FFF2-40B4-BE49-F238E27FC236}">
-                <a16:creationId xmlns:a16="http://schemas.microsoft.com/office/drawing/2014/main" id="{466FB0AE-3923-004E-8B55-646228428AB9}"/>
-              </a:ext>
-            </a:extLst>
-          </p:cNvPr>
-          <p:cNvPicPr>
-            <a:picLocks noChangeAspect="1" noChangeArrowheads="1"/>
-          </p:cNvPicPr>
-          <p:nvPr/>
-        </p:nvPicPr>
-        <p:blipFill>
-          <a:blip r:embed="rId6">
-            <a:extLst>
-              <a:ext uri="{28A0092B-C50C-407E-A947-70E740481C1C}">
-                <a14:useLocalDpi xmlns:a14="http://schemas.microsoft.com/office/drawing/2010/main" val="0"/>
-              </a:ext>
-            </a:extLst>
-          </a:blip>
-          <a:srcRect/>
-          <a:stretch>
-            <a:fillRect/>
-          </a:stretch>
-        </p:blipFill>
-        <p:spPr bwMode="auto">
-          <a:xfrm>
-            <a:off x="1592437" y="4876299"/>
-            <a:ext cx="2203268" cy="1468845"/>
-          </a:xfrm>
-          <a:prstGeom prst="rect">
-            <a:avLst/>
-          </a:prstGeom>
-          <a:noFill/>
-          <a:extLst>
-            <a:ext uri="{909E8E84-426E-40DD-AFC4-6F175D3DCCD1}">
-              <a14:hiddenFill xmlns:a14="http://schemas.microsoft.com/office/drawing/2010/main">
-                <a:solidFill>
-                  <a:srgbClr val="FFFFFF"/>
-                </a:solidFill>
-              </a14:hiddenFill>
-            </a:ext>
-          </a:extLst>
-        </p:spPr>
-      </p:pic>
-      <p:pic>
-        <p:nvPicPr>
-          <p:cNvPr id="13314" name="Picture 2" descr="Amazon Web Services (@awscloud) / Twitter">
-            <a:extLst>
-              <a:ext uri="{FF2B5EF4-FFF2-40B4-BE49-F238E27FC236}">
-                <a16:creationId xmlns:a16="http://schemas.microsoft.com/office/drawing/2014/main" id="{3525AEE5-0C89-224E-805C-CE29843F348F}"/>
-              </a:ext>
-            </a:extLst>
-          </p:cNvPr>
-          <p:cNvPicPr>
-            <a:picLocks noChangeAspect="1" noChangeArrowheads="1"/>
-          </p:cNvPicPr>
-          <p:nvPr/>
-        </p:nvPicPr>
-        <p:blipFill>
-          <a:blip r:embed="rId7">
-            <a:extLst>
-              <a:ext uri="{28A0092B-C50C-407E-A947-70E740481C1C}">
-                <a14:useLocalDpi xmlns:a14="http://schemas.microsoft.com/office/drawing/2010/main" val="0"/>
-              </a:ext>
-            </a:extLst>
-          </a:blip>
-          <a:srcRect/>
-          <a:stretch>
-            <a:fillRect/>
-          </a:stretch>
-        </p:blipFill>
-        <p:spPr bwMode="auto">
-          <a:xfrm>
-            <a:off x="376888" y="137118"/>
-            <a:ext cx="1044222" cy="1044222"/>
-          </a:xfrm>
-          <a:prstGeom prst="roundRect">
-            <a:avLst/>
-          </a:prstGeom>
-          <a:noFill/>
-          <a:extLst>
-            <a:ext uri="{909E8E84-426E-40DD-AFC4-6F175D3DCCD1}">
-              <a14:hiddenFill xmlns:a14="http://schemas.microsoft.com/office/drawing/2010/main">
-                <a:solidFill>
-                  <a:srgbClr val="FFFFFF"/>
-                </a:solidFill>
-              </a14:hiddenFill>
-            </a:ext>
-          </a:extLst>
-        </p:spPr>
-      </p:pic>
-      <p:pic>
-        <p:nvPicPr>
-          <p:cNvPr id="13316" name="Picture 4" descr="AWS API Gateway - AWS Networking &amp; Content Delivery - AWS Video Catalog">
-            <a:extLst>
-              <a:ext uri="{FF2B5EF4-FFF2-40B4-BE49-F238E27FC236}">
-                <a16:creationId xmlns:a16="http://schemas.microsoft.com/office/drawing/2014/main" id="{5DA61D3D-0CA8-6A49-8AC4-76BCE80908DA}"/>
-              </a:ext>
-            </a:extLst>
-          </p:cNvPr>
-          <p:cNvPicPr>
-            <a:picLocks noChangeAspect="1" noChangeArrowheads="1"/>
-          </p:cNvPicPr>
-          <p:nvPr/>
-        </p:nvPicPr>
-        <p:blipFill>
-          <a:blip r:embed="rId8">
-            <a:extLst>
-              <a:ext uri="{28A0092B-C50C-407E-A947-70E740481C1C}">
-                <a14:useLocalDpi xmlns:a14="http://schemas.microsoft.com/office/drawing/2010/main" val="0"/>
-              </a:ext>
-            </a:extLst>
-          </a:blip>
-          <a:srcRect/>
-          <a:stretch>
-            <a:fillRect/>
-          </a:stretch>
-        </p:blipFill>
-        <p:spPr bwMode="auto">
-          <a:xfrm>
-            <a:off x="466565" y="1967084"/>
-            <a:ext cx="917120" cy="917120"/>
-          </a:xfrm>
-          <a:prstGeom prst="rect">
-            <a:avLst/>
-          </a:prstGeom>
-          <a:noFill/>
-          <a:extLst>
-            <a:ext uri="{909E8E84-426E-40DD-AFC4-6F175D3DCCD1}">
-              <a14:hiddenFill xmlns:a14="http://schemas.microsoft.com/office/drawing/2010/main">
-                <a:solidFill>
-                  <a:srgbClr val="FFFFFF"/>
-                </a:solidFill>
-              </a14:hiddenFill>
-            </a:ext>
-          </a:extLst>
-        </p:spPr>
-      </p:pic>
       <p:sp>
         <p:nvSpPr>
-          <p:cNvPr id="14" name="TextBox 13">
+          <p:cNvPr id="22" name="TextBox 21">
             <a:extLst>
               <a:ext uri="{FF2B5EF4-FFF2-40B4-BE49-F238E27FC236}">
-                <a16:creationId xmlns:a16="http://schemas.microsoft.com/office/drawing/2014/main" id="{B8CC9F45-BC2E-E444-B803-7C10462EACAD}"/>
+                <a16:creationId xmlns:a16="http://schemas.microsoft.com/office/drawing/2014/main" id="{E3C27D9C-0294-7A43-B22B-35BE96E70A1C}"/>
               </a:ext>
             </a:extLst>
           </p:cNvPr>
@@ -11277,8 +11459,8 @@
         </p:nvSpPr>
         <p:spPr>
           <a:xfrm>
-            <a:off x="1447236" y="2150108"/>
-            <a:ext cx="2493671" cy="461665"/>
+            <a:off x="684428" y="292974"/>
+            <a:ext cx="7393858" cy="461665"/>
           </a:xfrm>
           <a:prstGeom prst="rect">
             <a:avLst/>
@@ -11295,14 +11477,14 @@
             <a:r>
               <a:rPr lang="en-ES" sz="2400" b="1" dirty="0">
                 <a:solidFill>
-                  <a:srgbClr val="262E3B"/>
+                  <a:srgbClr val="04A0D1"/>
                 </a:solidFill>
               </a:rPr>
-              <a:t>API GATEWAY</a:t>
+              <a:t>¿Cómo se interactura con una Skill?</a:t>
             </a:r>
             <a:endParaRPr lang="en-ES" sz="2400" dirty="0">
               <a:solidFill>
-                <a:srgbClr val="262E3B"/>
+                <a:srgbClr val="04A0D1"/>
               </a:solidFill>
             </a:endParaRPr>
           </a:p>
@@ -11310,190 +11492,10 @@
       </p:sp>
       <p:sp>
         <p:nvSpPr>
-          <p:cNvPr id="15" name="TextBox 14">
+          <p:cNvPr id="23" name="Título 2">
             <a:extLst>
               <a:ext uri="{FF2B5EF4-FFF2-40B4-BE49-F238E27FC236}">
-                <a16:creationId xmlns:a16="http://schemas.microsoft.com/office/drawing/2014/main" id="{B4255F83-83AD-704C-8260-BC6982F0842E}"/>
-              </a:ext>
-            </a:extLst>
-          </p:cNvPr>
-          <p:cNvSpPr txBox="1"/>
-          <p:nvPr/>
-        </p:nvSpPr>
-        <p:spPr>
-          <a:xfrm>
-            <a:off x="1146537" y="3742644"/>
-            <a:ext cx="2493671" cy="461665"/>
-          </a:xfrm>
-          <a:prstGeom prst="rect">
-            <a:avLst/>
-          </a:prstGeom>
-          <a:noFill/>
-        </p:spPr>
-        <p:txBody>
-          <a:bodyPr wrap="square" rtlCol="0">
-            <a:spAutoFit/>
-          </a:bodyPr>
-          <a:lstStyle/>
-          <a:p>
-            <a:pPr algn="ctr"/>
-            <a:r>
-              <a:rPr lang="en-ES" sz="2400" b="1" dirty="0">
-                <a:solidFill>
-                  <a:srgbClr val="262E3B"/>
-                </a:solidFill>
-              </a:rPr>
-              <a:t>LAMBDA</a:t>
-            </a:r>
-            <a:endParaRPr lang="en-ES" sz="2400" dirty="0">
-              <a:solidFill>
-                <a:srgbClr val="262E3B"/>
-              </a:solidFill>
-            </a:endParaRPr>
-          </a:p>
-        </p:txBody>
-      </p:sp>
-      <p:sp>
-        <p:nvSpPr>
-          <p:cNvPr id="16" name="TextBox 15">
-            <a:extLst>
-              <a:ext uri="{FF2B5EF4-FFF2-40B4-BE49-F238E27FC236}">
-                <a16:creationId xmlns:a16="http://schemas.microsoft.com/office/drawing/2014/main" id="{73B08596-ED84-0F4C-9235-73AA96005FEF}"/>
-              </a:ext>
-            </a:extLst>
-          </p:cNvPr>
-          <p:cNvSpPr txBox="1"/>
-          <p:nvPr/>
-        </p:nvSpPr>
-        <p:spPr>
-          <a:xfrm>
-            <a:off x="6351936" y="2190510"/>
-            <a:ext cx="2493671" cy="461665"/>
-          </a:xfrm>
-          <a:prstGeom prst="rect">
-            <a:avLst/>
-          </a:prstGeom>
-          <a:noFill/>
-        </p:spPr>
-        <p:txBody>
-          <a:bodyPr wrap="square" rtlCol="0">
-            <a:spAutoFit/>
-          </a:bodyPr>
-          <a:lstStyle/>
-          <a:p>
-            <a:pPr algn="ctr"/>
-            <a:r>
-              <a:rPr lang="en-ES" sz="2400" b="1" dirty="0">
-                <a:solidFill>
-                  <a:srgbClr val="262E3B"/>
-                </a:solidFill>
-              </a:rPr>
-              <a:t>DYNAMODB</a:t>
-            </a:r>
-            <a:endParaRPr lang="en-ES" sz="2400" dirty="0">
-              <a:solidFill>
-                <a:srgbClr val="262E3B"/>
-              </a:solidFill>
-            </a:endParaRPr>
-          </a:p>
-        </p:txBody>
-      </p:sp>
-      <p:sp>
-        <p:nvSpPr>
-          <p:cNvPr id="17" name="TextBox 16">
-            <a:extLst>
-              <a:ext uri="{FF2B5EF4-FFF2-40B4-BE49-F238E27FC236}">
-                <a16:creationId xmlns:a16="http://schemas.microsoft.com/office/drawing/2014/main" id="{8EA2881E-1F90-E04D-8C5F-0A20348E891A}"/>
-              </a:ext>
-            </a:extLst>
-          </p:cNvPr>
-          <p:cNvSpPr txBox="1"/>
-          <p:nvPr/>
-        </p:nvSpPr>
-        <p:spPr>
-          <a:xfrm>
-            <a:off x="6404329" y="3742644"/>
-            <a:ext cx="1490851" cy="461665"/>
-          </a:xfrm>
-          <a:prstGeom prst="rect">
-            <a:avLst/>
-          </a:prstGeom>
-          <a:noFill/>
-        </p:spPr>
-        <p:txBody>
-          <a:bodyPr wrap="square" rtlCol="0">
-            <a:spAutoFit/>
-          </a:bodyPr>
-          <a:lstStyle/>
-          <a:p>
-            <a:pPr algn="ctr"/>
-            <a:r>
-              <a:rPr lang="en-ES" sz="2400" b="1" dirty="0">
-                <a:solidFill>
-                  <a:srgbClr val="262E3B"/>
-                </a:solidFill>
-              </a:rPr>
-              <a:t>XRAY</a:t>
-            </a:r>
-            <a:endParaRPr lang="en-ES" sz="2400" dirty="0">
-              <a:solidFill>
-                <a:srgbClr val="262E3B"/>
-              </a:solidFill>
-            </a:endParaRPr>
-          </a:p>
-        </p:txBody>
-      </p:sp>
-      <p:sp>
-        <p:nvSpPr>
-          <p:cNvPr id="25" name="TextBox 24">
-            <a:extLst>
-              <a:ext uri="{FF2B5EF4-FFF2-40B4-BE49-F238E27FC236}">
-                <a16:creationId xmlns:a16="http://schemas.microsoft.com/office/drawing/2014/main" id="{A9C3A4B1-73F0-BC41-897B-F8FAB37018B9}"/>
-              </a:ext>
-            </a:extLst>
-          </p:cNvPr>
-          <p:cNvSpPr txBox="1"/>
-          <p:nvPr/>
-        </p:nvSpPr>
-        <p:spPr>
-          <a:xfrm>
-            <a:off x="3320682" y="5398023"/>
-            <a:ext cx="4886115" cy="461665"/>
-          </a:xfrm>
-          <a:prstGeom prst="rect">
-            <a:avLst/>
-          </a:prstGeom>
-          <a:noFill/>
-        </p:spPr>
-        <p:txBody>
-          <a:bodyPr wrap="square" rtlCol="0">
-            <a:spAutoFit/>
-          </a:bodyPr>
-          <a:lstStyle/>
-          <a:p>
-            <a:pPr algn="ctr"/>
-            <a:r>
-              <a:rPr lang="en-ES" sz="2400" b="1" dirty="0">
-                <a:solidFill>
-                  <a:srgbClr val="262E3B"/>
-                </a:solidFill>
-              </a:rPr>
-              <a:t>DEVELOPER CONSOLE</a:t>
-            </a:r>
-            <a:endParaRPr lang="en-ES" sz="2400" dirty="0">
-              <a:solidFill>
-                <a:srgbClr val="262E3B"/>
-              </a:solidFill>
-            </a:endParaRPr>
-          </a:p>
-        </p:txBody>
-      </p:sp>
-      <p:sp>
-        <p:nvSpPr>
-          <p:cNvPr id="26" name="Título 2">
-            <a:extLst>
-              <a:ext uri="{FF2B5EF4-FFF2-40B4-BE49-F238E27FC236}">
-                <a16:creationId xmlns:a16="http://schemas.microsoft.com/office/drawing/2014/main" id="{B6A90A93-97B5-5247-A9B8-371F389732D9}"/>
+                <a16:creationId xmlns:a16="http://schemas.microsoft.com/office/drawing/2014/main" id="{82A9BEC4-859A-C94D-8BA3-94F0047DA8CD}"/>
               </a:ext>
             </a:extLst>
           </p:cNvPr>
@@ -11678,7 +11680,7 @@
                   <a:schemeClr val="bg1"/>
                 </a:solidFill>
               </a:rPr>
-              <a:t>7</a:t>
+              <a:t>6</a:t>
             </a:r>
             <a:endParaRPr lang="es-ES" kern="0" dirty="0">
               <a:solidFill>
@@ -11691,7 +11693,7 @@
     </p:spTree>
     <p:extLst>
       <p:ext uri="{BB962C8B-B14F-4D97-AF65-F5344CB8AC3E}">
-        <p14:creationId xmlns:p14="http://schemas.microsoft.com/office/powerpoint/2010/main" val="3402597495"/>
+        <p14:creationId xmlns:p14="http://schemas.microsoft.com/office/powerpoint/2010/main" val="2516048782"/>
       </p:ext>
     </p:extLst>
   </p:cSld>
@@ -11979,10 +11981,10 @@
       </p:sp>
       <p:pic>
         <p:nvPicPr>
-          <p:cNvPr id="13314" name="Picture 2" descr="Amazon Web Services (@awscloud) / Twitter">
+          <p:cNvPr id="9222" name="Picture 6" descr="Automatizar encendido y apagado de máquinas EC2 con Lambda AWS - FOCUSOFT">
             <a:extLst>
               <a:ext uri="{FF2B5EF4-FFF2-40B4-BE49-F238E27FC236}">
-                <a16:creationId xmlns:a16="http://schemas.microsoft.com/office/drawing/2014/main" id="{3525AEE5-0C89-224E-805C-CE29843F348F}"/>
+                <a16:creationId xmlns:a16="http://schemas.microsoft.com/office/drawing/2014/main" id="{F7A6351E-569B-3345-901C-D659044DD74E}"/>
               </a:ext>
             </a:extLst>
           </p:cNvPr>
@@ -12006,10 +12008,10 @@
         </p:blipFill>
         <p:spPr bwMode="auto">
           <a:xfrm>
-            <a:off x="376888" y="137118"/>
-            <a:ext cx="1044222" cy="1044222"/>
-          </a:xfrm>
-          <a:prstGeom prst="roundRect">
+            <a:off x="466566" y="3515237"/>
+            <a:ext cx="917119" cy="917119"/>
+          </a:xfrm>
+          <a:prstGeom prst="rect">
             <a:avLst/>
           </a:prstGeom>
           <a:noFill/>
@@ -12024,105 +12026,12 @@
           </a:extLst>
         </p:spPr>
       </p:pic>
-      <p:sp>
-        <p:nvSpPr>
-          <p:cNvPr id="17" name="TextBox 16">
-            <a:extLst>
-              <a:ext uri="{FF2B5EF4-FFF2-40B4-BE49-F238E27FC236}">
-                <a16:creationId xmlns:a16="http://schemas.microsoft.com/office/drawing/2014/main" id="{8EA2881E-1F90-E04D-8C5F-0A20348E891A}"/>
-              </a:ext>
-            </a:extLst>
-          </p:cNvPr>
-          <p:cNvSpPr txBox="1"/>
-          <p:nvPr/>
-        </p:nvSpPr>
-        <p:spPr>
-          <a:xfrm>
-            <a:off x="1938544" y="1530876"/>
-            <a:ext cx="5258202" cy="523220"/>
-          </a:xfrm>
-          <a:prstGeom prst="rect">
-            <a:avLst/>
-          </a:prstGeom>
-          <a:noFill/>
-        </p:spPr>
-        <p:txBody>
-          <a:bodyPr wrap="square" rtlCol="0">
-            <a:spAutoFit/>
-          </a:bodyPr>
-          <a:lstStyle/>
-          <a:p>
-            <a:pPr algn="ctr"/>
-            <a:r>
-              <a:rPr lang="en-ES" sz="2800" b="1" dirty="0">
-                <a:solidFill>
-                  <a:srgbClr val="122029"/>
-                </a:solidFill>
-              </a:rPr>
-              <a:t>Infraestructure as code (IaC)</a:t>
-            </a:r>
-            <a:endParaRPr lang="en-ES" sz="2800" dirty="0">
-              <a:solidFill>
-                <a:srgbClr val="122029"/>
-              </a:solidFill>
-            </a:endParaRPr>
-          </a:p>
-        </p:txBody>
-      </p:sp>
-      <p:sp>
-        <p:nvSpPr>
-          <p:cNvPr id="24" name="TextBox 23">
-            <a:extLst>
-              <a:ext uri="{FF2B5EF4-FFF2-40B4-BE49-F238E27FC236}">
-                <a16:creationId xmlns:a16="http://schemas.microsoft.com/office/drawing/2014/main" id="{3473FA21-B171-2F47-86FF-2B775B857399}"/>
-              </a:ext>
-            </a:extLst>
-          </p:cNvPr>
-          <p:cNvSpPr txBox="1"/>
-          <p:nvPr/>
-        </p:nvSpPr>
-        <p:spPr>
-          <a:xfrm>
-            <a:off x="5486696" y="4646982"/>
-            <a:ext cx="3420099" cy="707886"/>
-          </a:xfrm>
-          <a:prstGeom prst="rect">
-            <a:avLst/>
-          </a:prstGeom>
-          <a:noFill/>
-        </p:spPr>
-        <p:txBody>
-          <a:bodyPr wrap="square" rtlCol="0">
-            <a:spAutoFit/>
-          </a:bodyPr>
-          <a:lstStyle/>
-          <a:p>
-            <a:pPr algn="ctr"/>
-            <a:r>
-              <a:rPr lang="en-ES" sz="2000" b="1" dirty="0">
-                <a:solidFill>
-                  <a:srgbClr val="262E3B"/>
-                </a:solidFill>
-              </a:rPr>
-              <a:t>CLOUDFORMATION</a:t>
-            </a:r>
-          </a:p>
-          <a:p>
-            <a:pPr algn="ctr"/>
-            <a:endParaRPr lang="en-ES" sz="2000" dirty="0">
-              <a:solidFill>
-                <a:srgbClr val="262E3B"/>
-              </a:solidFill>
-            </a:endParaRPr>
-          </a:p>
-        </p:txBody>
-      </p:sp>
       <p:pic>
         <p:nvPicPr>
-          <p:cNvPr id="13324" name="Picture 12" descr="Serverless Framework – Getting Started | KAMP Blog Serverless Framework –  Getting Started">
+          <p:cNvPr id="9224" name="Picture 8" descr="Amazon DynamoDB: Building NoSQL Database-Driven Applications | Coursera">
             <a:extLst>
               <a:ext uri="{FF2B5EF4-FFF2-40B4-BE49-F238E27FC236}">
-                <a16:creationId xmlns:a16="http://schemas.microsoft.com/office/drawing/2014/main" id="{CE7B4420-2455-C149-A60F-DB847A0F99C6}"/>
+                <a16:creationId xmlns:a16="http://schemas.microsoft.com/office/drawing/2014/main" id="{E783F719-FD30-604D-90C8-9E3F385470F1}"/>
               </a:ext>
             </a:extLst>
           </p:cNvPr>
@@ -12146,8 +12055,8 @@
         </p:blipFill>
         <p:spPr bwMode="auto">
           <a:xfrm>
-            <a:off x="1421110" y="2732987"/>
-            <a:ext cx="1304798" cy="1304798"/>
+            <a:off x="5434817" y="1971491"/>
+            <a:ext cx="917119" cy="917119"/>
           </a:xfrm>
           <a:prstGeom prst="rect">
             <a:avLst/>
@@ -12166,10 +12075,10 @@
       </p:pic>
       <p:pic>
         <p:nvPicPr>
-          <p:cNvPr id="26" name="Picture 12" descr="cfn102">
+          <p:cNvPr id="9226" name="Picture 10" descr="AWS X-Ray vs Thundra | What are the differences?">
             <a:extLst>
               <a:ext uri="{FF2B5EF4-FFF2-40B4-BE49-F238E27FC236}">
-                <a16:creationId xmlns:a16="http://schemas.microsoft.com/office/drawing/2014/main" id="{D0316192-CDC7-0443-8883-0FC414D334AA}"/>
+                <a16:creationId xmlns:a16="http://schemas.microsoft.com/office/drawing/2014/main" id="{147EE5C8-8BB4-A44E-A668-EE224D02D1A6}"/>
               </a:ext>
             </a:extLst>
           </p:cNvPr>
@@ -12193,8 +12102,8 @@
         </p:blipFill>
         <p:spPr bwMode="auto">
           <a:xfrm>
-            <a:off x="6418092" y="2732987"/>
-            <a:ext cx="1304798" cy="1304798"/>
+            <a:off x="5434817" y="3515237"/>
+            <a:ext cx="917120" cy="917120"/>
           </a:xfrm>
           <a:prstGeom prst="rect">
             <a:avLst/>
@@ -12211,12 +12120,153 @@
           </a:extLst>
         </p:spPr>
       </p:pic>
+      <p:pic>
+        <p:nvPicPr>
+          <p:cNvPr id="9230" name="Picture 14" descr="Alexa Skills Kit Official Site: Build Skills for Voice">
+            <a:extLst>
+              <a:ext uri="{FF2B5EF4-FFF2-40B4-BE49-F238E27FC236}">
+                <a16:creationId xmlns:a16="http://schemas.microsoft.com/office/drawing/2014/main" id="{466FB0AE-3923-004E-8B55-646228428AB9}"/>
+              </a:ext>
+            </a:extLst>
+          </p:cNvPr>
+          <p:cNvPicPr>
+            <a:picLocks noChangeAspect="1" noChangeArrowheads="1"/>
+          </p:cNvPicPr>
+          <p:nvPr/>
+        </p:nvPicPr>
+        <p:blipFill>
+          <a:blip r:embed="rId6">
+            <a:extLst>
+              <a:ext uri="{28A0092B-C50C-407E-A947-70E740481C1C}">
+                <a14:useLocalDpi xmlns:a14="http://schemas.microsoft.com/office/drawing/2010/main" val="0"/>
+              </a:ext>
+            </a:extLst>
+          </a:blip>
+          <a:srcRect/>
+          <a:stretch>
+            <a:fillRect/>
+          </a:stretch>
+        </p:blipFill>
+        <p:spPr bwMode="auto">
+          <a:xfrm>
+            <a:off x="1592437" y="4876299"/>
+            <a:ext cx="2203268" cy="1468845"/>
+          </a:xfrm>
+          <a:prstGeom prst="rect">
+            <a:avLst/>
+          </a:prstGeom>
+          <a:noFill/>
+          <a:extLst>
+            <a:ext uri="{909E8E84-426E-40DD-AFC4-6F175D3DCCD1}">
+              <a14:hiddenFill xmlns:a14="http://schemas.microsoft.com/office/drawing/2010/main">
+                <a:solidFill>
+                  <a:srgbClr val="FFFFFF"/>
+                </a:solidFill>
+              </a14:hiddenFill>
+            </a:ext>
+          </a:extLst>
+        </p:spPr>
+      </p:pic>
+      <p:pic>
+        <p:nvPicPr>
+          <p:cNvPr id="13314" name="Picture 2" descr="Amazon Web Services (@awscloud) / Twitter">
+            <a:extLst>
+              <a:ext uri="{FF2B5EF4-FFF2-40B4-BE49-F238E27FC236}">
+                <a16:creationId xmlns:a16="http://schemas.microsoft.com/office/drawing/2014/main" id="{3525AEE5-0C89-224E-805C-CE29843F348F}"/>
+              </a:ext>
+            </a:extLst>
+          </p:cNvPr>
+          <p:cNvPicPr>
+            <a:picLocks noChangeAspect="1" noChangeArrowheads="1"/>
+          </p:cNvPicPr>
+          <p:nvPr/>
+        </p:nvPicPr>
+        <p:blipFill>
+          <a:blip r:embed="rId7">
+            <a:extLst>
+              <a:ext uri="{28A0092B-C50C-407E-A947-70E740481C1C}">
+                <a14:useLocalDpi xmlns:a14="http://schemas.microsoft.com/office/drawing/2010/main" val="0"/>
+              </a:ext>
+            </a:extLst>
+          </a:blip>
+          <a:srcRect/>
+          <a:stretch>
+            <a:fillRect/>
+          </a:stretch>
+        </p:blipFill>
+        <p:spPr bwMode="auto">
+          <a:xfrm>
+            <a:off x="376888" y="137118"/>
+            <a:ext cx="1044222" cy="1044222"/>
+          </a:xfrm>
+          <a:prstGeom prst="roundRect">
+            <a:avLst/>
+          </a:prstGeom>
+          <a:noFill/>
+          <a:extLst>
+            <a:ext uri="{909E8E84-426E-40DD-AFC4-6F175D3DCCD1}">
+              <a14:hiddenFill xmlns:a14="http://schemas.microsoft.com/office/drawing/2010/main">
+                <a:solidFill>
+                  <a:srgbClr val="FFFFFF"/>
+                </a:solidFill>
+              </a14:hiddenFill>
+            </a:ext>
+          </a:extLst>
+        </p:spPr>
+      </p:pic>
+      <p:pic>
+        <p:nvPicPr>
+          <p:cNvPr id="13316" name="Picture 4" descr="AWS API Gateway - AWS Networking &amp; Content Delivery - AWS Video Catalog">
+            <a:extLst>
+              <a:ext uri="{FF2B5EF4-FFF2-40B4-BE49-F238E27FC236}">
+                <a16:creationId xmlns:a16="http://schemas.microsoft.com/office/drawing/2014/main" id="{5DA61D3D-0CA8-6A49-8AC4-76BCE80908DA}"/>
+              </a:ext>
+            </a:extLst>
+          </p:cNvPr>
+          <p:cNvPicPr>
+            <a:picLocks noChangeAspect="1" noChangeArrowheads="1"/>
+          </p:cNvPicPr>
+          <p:nvPr/>
+        </p:nvPicPr>
+        <p:blipFill>
+          <a:blip r:embed="rId8">
+            <a:extLst>
+              <a:ext uri="{28A0092B-C50C-407E-A947-70E740481C1C}">
+                <a14:useLocalDpi xmlns:a14="http://schemas.microsoft.com/office/drawing/2010/main" val="0"/>
+              </a:ext>
+            </a:extLst>
+          </a:blip>
+          <a:srcRect/>
+          <a:stretch>
+            <a:fillRect/>
+          </a:stretch>
+        </p:blipFill>
+        <p:spPr bwMode="auto">
+          <a:xfrm>
+            <a:off x="466565" y="1967084"/>
+            <a:ext cx="917120" cy="917120"/>
+          </a:xfrm>
+          <a:prstGeom prst="rect">
+            <a:avLst/>
+          </a:prstGeom>
+          <a:noFill/>
+          <a:extLst>
+            <a:ext uri="{909E8E84-426E-40DD-AFC4-6F175D3DCCD1}">
+              <a14:hiddenFill xmlns:a14="http://schemas.microsoft.com/office/drawing/2010/main">
+                <a:solidFill>
+                  <a:srgbClr val="FFFFFF"/>
+                </a:solidFill>
+              </a14:hiddenFill>
+            </a:ext>
+          </a:extLst>
+        </p:spPr>
+      </p:pic>
       <p:sp>
         <p:nvSpPr>
-          <p:cNvPr id="27" name="TextBox 26">
+          <p:cNvPr id="14" name="TextBox 13">
             <a:extLst>
               <a:ext uri="{FF2B5EF4-FFF2-40B4-BE49-F238E27FC236}">
-                <a16:creationId xmlns:a16="http://schemas.microsoft.com/office/drawing/2014/main" id="{10F4A47D-B0D2-D745-90BE-F81AC223F782}"/>
+                <a16:creationId xmlns:a16="http://schemas.microsoft.com/office/drawing/2014/main" id="{B8CC9F45-BC2E-E444-B803-7C10462EACAD}"/>
               </a:ext>
             </a:extLst>
           </p:cNvPr>
@@ -12225,8 +12275,8 @@
         </p:nvSpPr>
         <p:spPr>
           <a:xfrm>
-            <a:off x="376888" y="4649440"/>
-            <a:ext cx="3420099" cy="1015663"/>
+            <a:off x="1447236" y="2150108"/>
+            <a:ext cx="2493671" cy="461665"/>
           </a:xfrm>
           <a:prstGeom prst="rect">
             <a:avLst/>
@@ -12241,17 +12291,14 @@
           <a:p>
             <a:pPr algn="ctr"/>
             <a:r>
-              <a:rPr lang="en-ES" sz="2000" b="1" dirty="0">
+              <a:rPr lang="en-ES" sz="2400" b="1" dirty="0">
                 <a:solidFill>
                   <a:srgbClr val="262E3B"/>
                 </a:solidFill>
               </a:rPr>
-              <a:t>SERVERLESS FRAMEWORK</a:t>
+              <a:t>API GATEWAY</a:t>
             </a:r>
-          </a:p>
-          <a:p>
-            <a:pPr algn="ctr"/>
-            <a:endParaRPr lang="en-ES" sz="2000" dirty="0">
+            <a:endParaRPr lang="en-ES" sz="2400" dirty="0">
               <a:solidFill>
                 <a:srgbClr val="262E3B"/>
               </a:solidFill>
@@ -12259,49 +12306,192 @@
           </a:p>
         </p:txBody>
       </p:sp>
-      <p:cxnSp>
-        <p:nvCxnSpPr>
-          <p:cNvPr id="28" name="Straight Arrow Connector 27">
+      <p:sp>
+        <p:nvSpPr>
+          <p:cNvPr id="15" name="TextBox 14">
             <a:extLst>
               <a:ext uri="{FF2B5EF4-FFF2-40B4-BE49-F238E27FC236}">
-                <a16:creationId xmlns:a16="http://schemas.microsoft.com/office/drawing/2014/main" id="{D100FD26-99A2-1949-AF68-05518C91222A}"/>
+                <a16:creationId xmlns:a16="http://schemas.microsoft.com/office/drawing/2014/main" id="{B4255F83-83AD-704C-8260-BC6982F0842E}"/>
               </a:ext>
             </a:extLst>
           </p:cNvPr>
-          <p:cNvCxnSpPr>
-            <a:cxnSpLocks/>
-          </p:cNvCxnSpPr>
+          <p:cNvSpPr txBox="1"/>
           <p:nvPr/>
-        </p:nvCxnSpPr>
-        <p:spPr bwMode="auto">
-          <a:xfrm flipV="1">
-            <a:off x="3395673" y="3399923"/>
-            <a:ext cx="2186522" cy="1"/>
-          </a:xfrm>
-          <a:prstGeom prst="straightConnector1">
+        </p:nvSpPr>
+        <p:spPr>
+          <a:xfrm>
+            <a:off x="1146537" y="3742644"/>
+            <a:ext cx="2493671" cy="461665"/>
+          </a:xfrm>
+          <a:prstGeom prst="rect">
             <a:avLst/>
           </a:prstGeom>
-          <a:solidFill>
-            <a:schemeClr val="accent1"/>
-          </a:solidFill>
-          <a:ln w="57150" cap="flat" cmpd="sng" algn="ctr">
-            <a:solidFill>
-              <a:srgbClr val="04A0D1"/>
-            </a:solidFill>
-            <a:prstDash val="solid"/>
-            <a:round/>
-            <a:headEnd type="none"/>
-            <a:tailEnd type="triangle"/>
-          </a:ln>
-          <a:effectLst/>
-        </p:spPr>
-      </p:cxnSp>
+          <a:noFill/>
+        </p:spPr>
+        <p:txBody>
+          <a:bodyPr wrap="square" rtlCol="0">
+            <a:spAutoFit/>
+          </a:bodyPr>
+          <a:lstStyle/>
+          <a:p>
+            <a:pPr algn="ctr"/>
+            <a:r>
+              <a:rPr lang="en-ES" sz="2400" b="1" dirty="0">
+                <a:solidFill>
+                  <a:srgbClr val="262E3B"/>
+                </a:solidFill>
+              </a:rPr>
+              <a:t>LAMBDA</a:t>
+            </a:r>
+            <a:endParaRPr lang="en-ES" sz="2400" dirty="0">
+              <a:solidFill>
+                <a:srgbClr val="262E3B"/>
+              </a:solidFill>
+            </a:endParaRPr>
+          </a:p>
+        </p:txBody>
+      </p:sp>
       <p:sp>
         <p:nvSpPr>
-          <p:cNvPr id="29" name="Título 2">
+          <p:cNvPr id="16" name="TextBox 15">
             <a:extLst>
               <a:ext uri="{FF2B5EF4-FFF2-40B4-BE49-F238E27FC236}">
-                <a16:creationId xmlns:a16="http://schemas.microsoft.com/office/drawing/2014/main" id="{291BD12E-E7A9-9E46-814F-E1962686AA39}"/>
+                <a16:creationId xmlns:a16="http://schemas.microsoft.com/office/drawing/2014/main" id="{73B08596-ED84-0F4C-9235-73AA96005FEF}"/>
+              </a:ext>
+            </a:extLst>
+          </p:cNvPr>
+          <p:cNvSpPr txBox="1"/>
+          <p:nvPr/>
+        </p:nvSpPr>
+        <p:spPr>
+          <a:xfrm>
+            <a:off x="6351936" y="2190510"/>
+            <a:ext cx="2493671" cy="461665"/>
+          </a:xfrm>
+          <a:prstGeom prst="rect">
+            <a:avLst/>
+          </a:prstGeom>
+          <a:noFill/>
+        </p:spPr>
+        <p:txBody>
+          <a:bodyPr wrap="square" rtlCol="0">
+            <a:spAutoFit/>
+          </a:bodyPr>
+          <a:lstStyle/>
+          <a:p>
+            <a:pPr algn="ctr"/>
+            <a:r>
+              <a:rPr lang="en-ES" sz="2400" b="1" dirty="0">
+                <a:solidFill>
+                  <a:srgbClr val="262E3B"/>
+                </a:solidFill>
+              </a:rPr>
+              <a:t>DYNAMODB</a:t>
+            </a:r>
+            <a:endParaRPr lang="en-ES" sz="2400" dirty="0">
+              <a:solidFill>
+                <a:srgbClr val="262E3B"/>
+              </a:solidFill>
+            </a:endParaRPr>
+          </a:p>
+        </p:txBody>
+      </p:sp>
+      <p:sp>
+        <p:nvSpPr>
+          <p:cNvPr id="17" name="TextBox 16">
+            <a:extLst>
+              <a:ext uri="{FF2B5EF4-FFF2-40B4-BE49-F238E27FC236}">
+                <a16:creationId xmlns:a16="http://schemas.microsoft.com/office/drawing/2014/main" id="{8EA2881E-1F90-E04D-8C5F-0A20348E891A}"/>
+              </a:ext>
+            </a:extLst>
+          </p:cNvPr>
+          <p:cNvSpPr txBox="1"/>
+          <p:nvPr/>
+        </p:nvSpPr>
+        <p:spPr>
+          <a:xfrm>
+            <a:off x="6404329" y="3742644"/>
+            <a:ext cx="1490851" cy="461665"/>
+          </a:xfrm>
+          <a:prstGeom prst="rect">
+            <a:avLst/>
+          </a:prstGeom>
+          <a:noFill/>
+        </p:spPr>
+        <p:txBody>
+          <a:bodyPr wrap="square" rtlCol="0">
+            <a:spAutoFit/>
+          </a:bodyPr>
+          <a:lstStyle/>
+          <a:p>
+            <a:pPr algn="ctr"/>
+            <a:r>
+              <a:rPr lang="en-ES" sz="2400" b="1" dirty="0">
+                <a:solidFill>
+                  <a:srgbClr val="262E3B"/>
+                </a:solidFill>
+              </a:rPr>
+              <a:t>XRAY</a:t>
+            </a:r>
+            <a:endParaRPr lang="en-ES" sz="2400" dirty="0">
+              <a:solidFill>
+                <a:srgbClr val="262E3B"/>
+              </a:solidFill>
+            </a:endParaRPr>
+          </a:p>
+        </p:txBody>
+      </p:sp>
+      <p:sp>
+        <p:nvSpPr>
+          <p:cNvPr id="25" name="TextBox 24">
+            <a:extLst>
+              <a:ext uri="{FF2B5EF4-FFF2-40B4-BE49-F238E27FC236}">
+                <a16:creationId xmlns:a16="http://schemas.microsoft.com/office/drawing/2014/main" id="{A9C3A4B1-73F0-BC41-897B-F8FAB37018B9}"/>
+              </a:ext>
+            </a:extLst>
+          </p:cNvPr>
+          <p:cNvSpPr txBox="1"/>
+          <p:nvPr/>
+        </p:nvSpPr>
+        <p:spPr>
+          <a:xfrm>
+            <a:off x="3320682" y="5398023"/>
+            <a:ext cx="4886115" cy="461665"/>
+          </a:xfrm>
+          <a:prstGeom prst="rect">
+            <a:avLst/>
+          </a:prstGeom>
+          <a:noFill/>
+        </p:spPr>
+        <p:txBody>
+          <a:bodyPr wrap="square" rtlCol="0">
+            <a:spAutoFit/>
+          </a:bodyPr>
+          <a:lstStyle/>
+          <a:p>
+            <a:pPr algn="ctr"/>
+            <a:r>
+              <a:rPr lang="en-ES" sz="2400" b="1" dirty="0">
+                <a:solidFill>
+                  <a:srgbClr val="262E3B"/>
+                </a:solidFill>
+              </a:rPr>
+              <a:t>DEVELOPER CONSOLE</a:t>
+            </a:r>
+            <a:endParaRPr lang="en-ES" sz="2400" dirty="0">
+              <a:solidFill>
+                <a:srgbClr val="262E3B"/>
+              </a:solidFill>
+            </a:endParaRPr>
+          </a:p>
+        </p:txBody>
+      </p:sp>
+      <p:sp>
+        <p:nvSpPr>
+          <p:cNvPr id="26" name="Título 2">
+            <a:extLst>
+              <a:ext uri="{FF2B5EF4-FFF2-40B4-BE49-F238E27FC236}">
+                <a16:creationId xmlns:a16="http://schemas.microsoft.com/office/drawing/2014/main" id="{B6A90A93-97B5-5247-A9B8-371F389732D9}"/>
               </a:ext>
             </a:extLst>
           </p:cNvPr>
@@ -12486,7 +12676,7 @@
                   <a:schemeClr val="bg1"/>
                 </a:solidFill>
               </a:rPr>
-              <a:t>8</a:t>
+              <a:t>7</a:t>
             </a:r>
             <a:endParaRPr lang="es-ES" kern="0" dirty="0">
               <a:solidFill>
@@ -12499,7 +12689,7 @@
     </p:spTree>
     <p:extLst>
       <p:ext uri="{BB962C8B-B14F-4D97-AF65-F5344CB8AC3E}">
-        <p14:creationId xmlns:p14="http://schemas.microsoft.com/office/powerpoint/2010/main" val="3381036466"/>
+        <p14:creationId xmlns:p14="http://schemas.microsoft.com/office/powerpoint/2010/main" val="3402597495"/>
       </p:ext>
     </p:extLst>
   </p:cSld>
@@ -13937,21 +14127,21 @@
 </file>
 
 <file path=customXml/item1.xml><?xml version="1.0" encoding="utf-8"?>
+<?mso-contentType ?>
+<FormTemplates xmlns="http://schemas.microsoft.com/sharepoint/v3/contenttype/forms">
+  <Display>DocumentLibraryForm</Display>
+  <Edit>DocumentLibraryForm</Edit>
+  <New>DocumentLibraryForm</New>
+</FormTemplates>
+</file>
+
+<file path=customXml/item2.xml><?xml version="1.0" encoding="utf-8"?>
 <p:properties xmlns:p="http://schemas.microsoft.com/office/2006/metadata/properties" xmlns:xsi="http://www.w3.org/2001/XMLSchema-instance" xmlns:pc="http://schemas.microsoft.com/office/infopath/2007/PartnerControls">
   <documentManagement>
     <_ip_UnifiedCompliancePolicyUIAction xmlns="http://schemas.microsoft.com/sharepoint/v3" xsi:nil="true"/>
     <_ip_UnifiedCompliancePolicyProperties xmlns="http://schemas.microsoft.com/sharepoint/v3" xsi:nil="true"/>
   </documentManagement>
 </p:properties>
-</file>
-
-<file path=customXml/item2.xml><?xml version="1.0" encoding="utf-8"?>
-<?mso-contentType ?>
-<FormTemplates xmlns="http://schemas.microsoft.com/sharepoint/v3/contenttype/forms">
-  <Display>DocumentLibraryForm</Display>
-  <Edit>DocumentLibraryForm</Edit>
-  <New>DocumentLibraryForm</New>
-</FormTemplates>
 </file>
 
 <file path=customXml/item3.xml><?xml version="1.0" encoding="utf-8"?>
@@ -14195,6 +14385,14 @@
 </file>
 
 <file path=customXml/itemProps1.xml><?xml version="1.0" encoding="utf-8"?>
+<ds:datastoreItem xmlns:ds="http://schemas.openxmlformats.org/officeDocument/2006/customXml" ds:itemID="{CE6E5D6F-DB46-466A-842E-479D6B4E73F2}">
+  <ds:schemaRefs>
+    <ds:schemaRef ds:uri="http://schemas.microsoft.com/sharepoint/v3/contenttype/forms"/>
+  </ds:schemaRefs>
+</ds:datastoreItem>
+</file>
+
+<file path=customXml/itemProps2.xml><?xml version="1.0" encoding="utf-8"?>
 <ds:datastoreItem xmlns:ds="http://schemas.openxmlformats.org/officeDocument/2006/customXml" ds:itemID="{205FFC52-B444-4C1F-8431-26AFC6EEF77C}">
   <ds:schemaRefs>
     <ds:schemaRef ds:uri="http://schemas.openxmlformats.org/package/2006/metadata/core-properties"/>
@@ -14208,14 +14406,6 @@
     <ds:schemaRef ds:uri="http://schemas.microsoft.com/sharepoint/v3"/>
     <ds:schemaRef ds:uri="http://schemas.microsoft.com/office/2006/metadata/properties"/>
     <ds:schemaRef ds:uri="http://www.w3.org/XML/1998/namespace"/>
-  </ds:schemaRefs>
-</ds:datastoreItem>
-</file>
-
-<file path=customXml/itemProps2.xml><?xml version="1.0" encoding="utf-8"?>
-<ds:datastoreItem xmlns:ds="http://schemas.openxmlformats.org/officeDocument/2006/customXml" ds:itemID="{CE6E5D6F-DB46-466A-842E-479D6B4E73F2}">
-  <ds:schemaRefs>
-    <ds:schemaRef ds:uri="http://schemas.microsoft.com/sharepoint/v3/contenttype/forms"/>
   </ds:schemaRefs>
 </ds:datastoreItem>
 </file>
